--- a/python_project/03 presentation/Pokemony iSA Python.pptx
+++ b/python_project/03 presentation/Pokemony iSA Python.pptx
@@ -953,7 +953,7 @@
         </p:nvSpPr>
         <p:spPr>
           <a:xfrm>
-            <a:off x="381300" y="685800"/>
+            <a:off x="381000" y="685800"/>
             <a:ext cx="6096000" cy="3429000"/>
           </a:xfrm>
           <a:custGeom>
@@ -1161,7 +1161,7 @@
         </p:nvSpPr>
         <p:spPr>
           <a:xfrm>
-            <a:off x="381300" y="685800"/>
+            <a:off x="381000" y="685800"/>
             <a:ext cx="6096000" cy="3429000"/>
           </a:xfrm>
           <a:custGeom>
@@ -5506,7 +5506,7 @@
         <p:fade thruBlk="1"/>
       </p:transition>
     </mc:Choice>
-    <mc:Fallback xmlns:p15="http://schemas.microsoft.com/office/powerpoint/2012/main" xmlns:com="http://schemas.openxmlformats.org/drawingml/2006/compatibility" xmlns:pvml="urn:schemas-microsoft-com:office:powerpoint" xmlns:v="urn:schemas-microsoft-com:vml" xmlns:o="urn:schemas-microsoft-com:office:office" xmlns:dgm="http://schemas.openxmlformats.org/drawingml/2006/diagram" xmlns:c="http://schemas.openxmlformats.org/drawingml/2006/chart" xmlns:mv="urn:schemas-microsoft-com:mac:vml" xmlns="">
+    <mc:Fallback xmlns="" xmlns:mv="urn:schemas-microsoft-com:mac:vml" xmlns:c="http://schemas.openxmlformats.org/drawingml/2006/chart" xmlns:dgm="http://schemas.openxmlformats.org/drawingml/2006/diagram" xmlns:o="urn:schemas-microsoft-com:office:office" xmlns:v="urn:schemas-microsoft-com:vml" xmlns:pvml="urn:schemas-microsoft-com:office:powerpoint" xmlns:com="http://schemas.openxmlformats.org/drawingml/2006/compatibility" xmlns:p15="http://schemas.microsoft.com/office/powerpoint/2012/main">
       <p:transition spd="slow">
         <p:fade/>
       </p:transition>
@@ -6726,7 +6726,7 @@
               </a:spcAft>
               <a:buNone/>
             </a:pPr>
-            <a:endParaRPr/>
+            <a:endParaRPr dirty="0"/>
           </a:p>
           <a:p>
             <a:pPr marL="457200" lvl="0" indent="-342900" algn="l" rtl="0">
@@ -6743,18 +6743,18 @@
               <a:buChar char="●"/>
             </a:pPr>
             <a:r>
-              <a:rPr lang="pl"/>
-              <a:t>ILOŚĆ TYPÓW POKEMONÓW: </a:t>
+              <a:rPr lang="pl" dirty="0"/>
+              <a:t>LICZBA TYPÓW POKEMONÓW: </a:t>
             </a:r>
             <a:r>
-              <a:rPr lang="pl" b="1">
+              <a:rPr lang="pl" b="1" dirty="0">
                 <a:solidFill>
                   <a:srgbClr val="A61C00"/>
                 </a:solidFill>
               </a:rPr>
               <a:t>18</a:t>
             </a:r>
-            <a:endParaRPr b="1">
+            <a:endParaRPr b="1" dirty="0">
               <a:solidFill>
                 <a:srgbClr val="A61C00"/>
               </a:solidFill>
@@ -6775,18 +6775,18 @@
               <a:buChar char="●"/>
             </a:pPr>
             <a:r>
-              <a:rPr lang="pl"/>
-              <a:t>ILOŚĆ GATUNKÓW: </a:t>
+              <a:rPr lang="pl" dirty="0"/>
+              <a:t>LICZBA GATUNKÓW: </a:t>
             </a:r>
             <a:r>
-              <a:rPr lang="pl" b="1">
+              <a:rPr lang="pl" b="1" dirty="0">
                 <a:solidFill>
                   <a:srgbClr val="A61C00"/>
                 </a:solidFill>
               </a:rPr>
               <a:t>656</a:t>
             </a:r>
-            <a:endParaRPr b="1">
+            <a:endParaRPr b="1" dirty="0">
               <a:solidFill>
                 <a:srgbClr val="A61C00"/>
               </a:solidFill>
@@ -6807,18 +6807,18 @@
               <a:buChar char="●"/>
             </a:pPr>
             <a:r>
-              <a:rPr lang="pl"/>
+              <a:rPr lang="pl" dirty="0"/>
               <a:t>LICZEBNOŚĆ DRUŻYNY: </a:t>
             </a:r>
             <a:r>
-              <a:rPr lang="pl" b="1">
+              <a:rPr lang="pl" b="1" dirty="0">
                 <a:solidFill>
                   <a:srgbClr val="A61C00"/>
                 </a:solidFill>
               </a:rPr>
               <a:t>6</a:t>
             </a:r>
-            <a:endParaRPr b="1">
+            <a:endParaRPr b="1" dirty="0">
               <a:solidFill>
                 <a:srgbClr val="A61C00"/>
               </a:solidFill>
@@ -6839,10 +6839,14 @@
               <a:buChar char="●"/>
             </a:pPr>
             <a:r>
-              <a:rPr lang="pl"/>
-              <a:t>ILOŚĆ KOMBINACJI WYBORU DRUŻYNY:</a:t>
+              <a:rPr lang="pl-PL" dirty="0"/>
+              <a:t>LICZBA</a:t>
             </a:r>
-            <a:endParaRPr/>
+            <a:r>
+              <a:rPr lang="pl" dirty="0"/>
+              <a:t> KOMBINACJI WYBORU DRUŻYNY:</a:t>
+            </a:r>
+            <a:endParaRPr dirty="0"/>
           </a:p>
           <a:p>
             <a:pPr marL="457200" lvl="0" indent="0" algn="l" rtl="0">
@@ -6854,7 +6858,7 @@
               </a:spcAft>
               <a:buNone/>
             </a:pPr>
-            <a:endParaRPr/>
+            <a:endParaRPr dirty="0"/>
           </a:p>
           <a:p>
             <a:pPr marL="0" lvl="0" indent="0" algn="l" rtl="0">
@@ -6866,7 +6870,7 @@
               </a:spcAft>
               <a:buNone/>
             </a:pPr>
-            <a:endParaRPr/>
+            <a:endParaRPr dirty="0"/>
           </a:p>
           <a:p>
             <a:pPr marL="0" lvl="0" indent="0" algn="l" rtl="0">
@@ -6878,7 +6882,7 @@
               </a:spcAft>
               <a:buNone/>
             </a:pPr>
-            <a:endParaRPr/>
+            <a:endParaRPr dirty="0"/>
           </a:p>
           <a:p>
             <a:pPr marL="0" lvl="0" indent="0" algn="l" rtl="0">
@@ -6890,7 +6894,7 @@
               </a:spcAft>
               <a:buNone/>
             </a:pPr>
-            <a:endParaRPr/>
+            <a:endParaRPr dirty="0"/>
           </a:p>
         </p:txBody>
       </p:sp>
@@ -7434,44 +7438,6 @@
               <a:cs typeface="Roboto"/>
               <a:sym typeface="Roboto"/>
             </a:endParaRPr>
-          </a:p>
-        </p:txBody>
-      </p:sp>
-      <p:sp>
-        <p:nvSpPr>
-          <p:cNvPr id="85" name="Google Shape;85;p17"/>
-          <p:cNvSpPr txBox="1">
-            <a:spLocks noGrp="1"/>
-          </p:cNvSpPr>
-          <p:nvPr>
-            <p:ph type="body" idx="1"/>
-          </p:nvPr>
-        </p:nvSpPr>
-        <p:spPr>
-          <a:xfrm>
-            <a:off x="311700" y="1152475"/>
-            <a:ext cx="8520600" cy="3416400"/>
-          </a:xfrm>
-          <a:prstGeom prst="rect">
-            <a:avLst/>
-          </a:prstGeom>
-        </p:spPr>
-        <p:txBody>
-          <a:bodyPr spcFirstLastPara="1" wrap="square" lIns="91425" tIns="91425" rIns="91425" bIns="91425" anchor="t" anchorCtr="0">
-            <a:noAutofit/>
-          </a:bodyPr>
-          <a:lstStyle/>
-          <a:p>
-            <a:pPr marL="0" lvl="0" indent="0" algn="l" rtl="0">
-              <a:spcBef>
-                <a:spcPts val="0"/>
-              </a:spcBef>
-              <a:spcAft>
-                <a:spcPts val="1600"/>
-              </a:spcAft>
-              <a:buNone/>
-            </a:pPr>
-            <a:endParaRPr/>
           </a:p>
         </p:txBody>
       </p:sp>
@@ -7744,7 +7710,7 @@
         <p:fade thruBlk="1"/>
       </p:transition>
     </mc:Choice>
-    <mc:Fallback xmlns:p15="http://schemas.microsoft.com/office/powerpoint/2012/main" xmlns:com="http://schemas.openxmlformats.org/drawingml/2006/compatibility" xmlns:pvml="urn:schemas-microsoft-com:office:powerpoint" xmlns:v="urn:schemas-microsoft-com:vml" xmlns:o="urn:schemas-microsoft-com:office:office" xmlns:dgm="http://schemas.openxmlformats.org/drawingml/2006/diagram" xmlns:c="http://schemas.openxmlformats.org/drawingml/2006/chart" xmlns:mv="urn:schemas-microsoft-com:mac:vml" xmlns="">
+    <mc:Fallback xmlns="" xmlns:mv="urn:schemas-microsoft-com:mac:vml" xmlns:c="http://schemas.openxmlformats.org/drawingml/2006/chart" xmlns:dgm="http://schemas.openxmlformats.org/drawingml/2006/diagram" xmlns:o="urn:schemas-microsoft-com:office:office" xmlns:v="urn:schemas-microsoft-com:vml" xmlns:pvml="urn:schemas-microsoft-com:office:powerpoint" xmlns:com="http://schemas.openxmlformats.org/drawingml/2006/compatibility" xmlns:p15="http://schemas.microsoft.com/office/powerpoint/2012/main">
       <p:transition spd="slow">
         <p:fade/>
       </p:transition>

--- a/python_project/03 presentation/Pokemony iSA Python.pptx
+++ b/python_project/03 presentation/Pokemony iSA Python.pptx
@@ -953,7 +953,7 @@
         </p:nvSpPr>
         <p:spPr>
           <a:xfrm>
-            <a:off x="381000" y="685800"/>
+            <a:off x="381300" y="685800"/>
             <a:ext cx="6096000" cy="3429000"/>
           </a:xfrm>
           <a:custGeom>
@@ -1137,7 +1137,7 @@
   <p:cSld>
     <p:spTree>
       <p:nvGrpSpPr>
-        <p:cNvPr id="1" name="Shape 80"/>
+        <p:cNvPr id="1" name="Shape 81"/>
         <p:cNvGrpSpPr/>
         <p:nvPr/>
       </p:nvGrpSpPr>
@@ -1151,7 +1151,7 @@
       </p:grpSpPr>
       <p:sp>
         <p:nvSpPr>
-          <p:cNvPr id="81" name="Google Shape;81;g6dc5cc811b_0_15:notes"/>
+          <p:cNvPr id="82" name="Google Shape;82;g6dc5cc811b_0_15:notes"/>
           <p:cNvSpPr>
             <a:spLocks noGrp="1" noRot="1" noChangeAspect="1"/>
           </p:cNvSpPr>
@@ -1161,7 +1161,7 @@
         </p:nvSpPr>
         <p:spPr>
           <a:xfrm>
-            <a:off x="381000" y="685800"/>
+            <a:off x="381300" y="685800"/>
             <a:ext cx="6096000" cy="3429000"/>
           </a:xfrm>
           <a:custGeom>
@@ -1192,7 +1192,7 @@
       </p:sp>
       <p:sp>
         <p:nvSpPr>
-          <p:cNvPr id="82" name="Google Shape;82;g6dc5cc811b_0_15:notes"/>
+          <p:cNvPr id="83" name="Google Shape;83;g6dc5cc811b_0_15:notes"/>
           <p:cNvSpPr txBox="1">
             <a:spLocks noGrp="1"/>
           </p:cNvSpPr>
@@ -5506,7 +5506,7 @@
         <p:fade thruBlk="1"/>
       </p:transition>
     </mc:Choice>
-    <mc:Fallback xmlns="" xmlns:mv="urn:schemas-microsoft-com:mac:vml" xmlns:c="http://schemas.openxmlformats.org/drawingml/2006/chart" xmlns:dgm="http://schemas.openxmlformats.org/drawingml/2006/diagram" xmlns:o="urn:schemas-microsoft-com:office:office" xmlns:v="urn:schemas-microsoft-com:vml" xmlns:pvml="urn:schemas-microsoft-com:office:powerpoint" xmlns:com="http://schemas.openxmlformats.org/drawingml/2006/compatibility" xmlns:p15="http://schemas.microsoft.com/office/powerpoint/2012/main">
+    <mc:Fallback xmlns:p15="http://schemas.microsoft.com/office/powerpoint/2012/main" xmlns:com="http://schemas.openxmlformats.org/drawingml/2006/compatibility" xmlns:pvml="urn:schemas-microsoft-com:office:powerpoint" xmlns:v="urn:schemas-microsoft-com:vml" xmlns:o="urn:schemas-microsoft-com:office:office" xmlns:dgm="http://schemas.openxmlformats.org/drawingml/2006/diagram" xmlns:c="http://schemas.openxmlformats.org/drawingml/2006/chart" xmlns:mv="urn:schemas-microsoft-com:mac:vml" xmlns="">
       <p:transition spd="slow">
         <p:fade/>
       </p:transition>
@@ -6726,7 +6726,7 @@
               </a:spcAft>
               <a:buNone/>
             </a:pPr>
-            <a:endParaRPr dirty="0"/>
+            <a:endParaRPr/>
           </a:p>
           <a:p>
             <a:pPr marL="457200" lvl="0" indent="-342900" algn="l" rtl="0">
@@ -6743,18 +6743,18 @@
               <a:buChar char="●"/>
             </a:pPr>
             <a:r>
-              <a:rPr lang="pl" dirty="0"/>
+              <a:rPr lang="pl"/>
               <a:t>LICZBA TYPÓW POKEMONÓW: </a:t>
             </a:r>
             <a:r>
-              <a:rPr lang="pl" b="1" dirty="0">
+              <a:rPr lang="pl" b="1">
                 <a:solidFill>
                   <a:srgbClr val="A61C00"/>
                 </a:solidFill>
               </a:rPr>
               <a:t>18</a:t>
             </a:r>
-            <a:endParaRPr b="1" dirty="0">
+            <a:endParaRPr b="1">
               <a:solidFill>
                 <a:srgbClr val="A61C00"/>
               </a:solidFill>
@@ -6775,18 +6775,18 @@
               <a:buChar char="●"/>
             </a:pPr>
             <a:r>
-              <a:rPr lang="pl" dirty="0"/>
+              <a:rPr lang="pl"/>
               <a:t>LICZBA GATUNKÓW: </a:t>
             </a:r>
             <a:r>
-              <a:rPr lang="pl" b="1" dirty="0">
+              <a:rPr lang="pl" b="1">
                 <a:solidFill>
                   <a:srgbClr val="A61C00"/>
                 </a:solidFill>
               </a:rPr>
               <a:t>656</a:t>
             </a:r>
-            <a:endParaRPr b="1" dirty="0">
+            <a:endParaRPr b="1">
               <a:solidFill>
                 <a:srgbClr val="A61C00"/>
               </a:solidFill>
@@ -6807,18 +6807,18 @@
               <a:buChar char="●"/>
             </a:pPr>
             <a:r>
-              <a:rPr lang="pl" dirty="0"/>
+              <a:rPr lang="pl"/>
               <a:t>LICZEBNOŚĆ DRUŻYNY: </a:t>
             </a:r>
             <a:r>
-              <a:rPr lang="pl" b="1" dirty="0">
+              <a:rPr lang="pl" b="1">
                 <a:solidFill>
                   <a:srgbClr val="A61C00"/>
                 </a:solidFill>
               </a:rPr>
               <a:t>6</a:t>
             </a:r>
-            <a:endParaRPr b="1" dirty="0">
+            <a:endParaRPr b="1">
               <a:solidFill>
                 <a:srgbClr val="A61C00"/>
               </a:solidFill>
@@ -6839,14 +6839,10 @@
               <a:buChar char="●"/>
             </a:pPr>
             <a:r>
-              <a:rPr lang="pl-PL" dirty="0"/>
-              <a:t>LICZBA</a:t>
+              <a:rPr lang="pl"/>
+              <a:t>LICZBA KOMBINACJI WYBORU DRUŻYNY:</a:t>
             </a:r>
-            <a:r>
-              <a:rPr lang="pl" dirty="0"/>
-              <a:t> KOMBINACJI WYBORU DRUŻYNY:</a:t>
-            </a:r>
-            <a:endParaRPr dirty="0"/>
+            <a:endParaRPr/>
           </a:p>
           <a:p>
             <a:pPr marL="457200" lvl="0" indent="0" algn="l" rtl="0">
@@ -6858,7 +6854,7 @@
               </a:spcAft>
               <a:buNone/>
             </a:pPr>
-            <a:endParaRPr dirty="0"/>
+            <a:endParaRPr/>
           </a:p>
           <a:p>
             <a:pPr marL="0" lvl="0" indent="0" algn="l" rtl="0">
@@ -6870,7 +6866,7 @@
               </a:spcAft>
               <a:buNone/>
             </a:pPr>
-            <a:endParaRPr dirty="0"/>
+            <a:endParaRPr/>
           </a:p>
           <a:p>
             <a:pPr marL="0" lvl="0" indent="0" algn="l" rtl="0">
@@ -6882,7 +6878,7 @@
               </a:spcAft>
               <a:buNone/>
             </a:pPr>
-            <a:endParaRPr dirty="0"/>
+            <a:endParaRPr/>
           </a:p>
           <a:p>
             <a:pPr marL="0" lvl="0" indent="0" algn="l" rtl="0">
@@ -6894,7 +6890,7 @@
               </a:spcAft>
               <a:buNone/>
             </a:pPr>
-            <a:endParaRPr dirty="0"/>
+            <a:endParaRPr/>
           </a:p>
         </p:txBody>
       </p:sp>
@@ -7064,64 +7060,6 @@
       </p:grpSpPr>
       <p:sp>
         <p:nvSpPr>
-          <p:cNvPr id="74" name="Google Shape;74;p16"/>
-          <p:cNvSpPr txBox="1">
-            <a:spLocks noGrp="1"/>
-          </p:cNvSpPr>
-          <p:nvPr>
-            <p:ph type="title"/>
-          </p:nvPr>
-        </p:nvSpPr>
-        <p:spPr>
-          <a:xfrm>
-            <a:off x="311700" y="445025"/>
-            <a:ext cx="8520600" cy="572700"/>
-          </a:xfrm>
-          <a:prstGeom prst="rect">
-            <a:avLst/>
-          </a:prstGeom>
-        </p:spPr>
-        <p:txBody>
-          <a:bodyPr spcFirstLastPara="1" wrap="square" lIns="91425" tIns="91425" rIns="91425" bIns="91425" anchor="t" anchorCtr="0">
-            <a:noAutofit/>
-          </a:bodyPr>
-          <a:lstStyle/>
-          <a:p>
-            <a:pPr marL="0" lvl="0" indent="0" algn="l" rtl="0">
-              <a:spcBef>
-                <a:spcPts val="0"/>
-              </a:spcBef>
-              <a:spcAft>
-                <a:spcPts val="0"/>
-              </a:spcAft>
-              <a:buNone/>
-            </a:pPr>
-            <a:r>
-              <a:rPr lang="pl" sz="3000">
-                <a:solidFill>
-                  <a:srgbClr val="A61C00"/>
-                </a:solidFill>
-                <a:latin typeface="Roboto"/>
-                <a:ea typeface="Roboto"/>
-                <a:cs typeface="Roboto"/>
-                <a:sym typeface="Roboto"/>
-              </a:rPr>
-              <a:t>PCA - ANALIZA WSPÓŁCZYNNIKÓW</a:t>
-            </a:r>
-            <a:endParaRPr sz="3000">
-              <a:solidFill>
-                <a:srgbClr val="A61C00"/>
-              </a:solidFill>
-              <a:latin typeface="Roboto"/>
-              <a:ea typeface="Roboto"/>
-              <a:cs typeface="Roboto"/>
-              <a:sym typeface="Roboto"/>
-            </a:endParaRPr>
-          </a:p>
-        </p:txBody>
-      </p:sp>
-      <p:sp>
-        <p:nvSpPr>
           <p:cNvPr id="75" name="Google Shape;75;p16"/>
           <p:cNvSpPr txBox="1">
             <a:spLocks noGrp="1"/>
@@ -7159,10 +7097,10 @@
               <a:buAutoNum type="arabicPeriod"/>
             </a:pPr>
             <a:r>
-              <a:rPr lang="pl" sz="1400"/>
+              <a:rPr lang="pl" sz="1400" dirty="0"/>
               <a:t>SKALOWANIE I NORMALIZACJA CECH: </a:t>
             </a:r>
-            <a:endParaRPr sz="1400"/>
+            <a:endParaRPr sz="1400" dirty="0"/>
           </a:p>
           <a:p>
             <a:pPr marL="457200" lvl="0" indent="-317500" algn="l" rtl="0">
@@ -7179,10 +7117,10 @@
               <a:buAutoNum type="arabicPeriod"/>
             </a:pPr>
             <a:r>
-              <a:rPr lang="pl" sz="1400"/>
+              <a:rPr lang="pl" sz="1400" dirty="0"/>
               <a:t>ZASTOSOWANIE PCA:</a:t>
             </a:r>
-            <a:endParaRPr sz="1400"/>
+            <a:endParaRPr sz="1400" dirty="0"/>
           </a:p>
           <a:p>
             <a:pPr marL="457200" lvl="0" indent="-317500" algn="l" rtl="0">
@@ -7199,10 +7137,10 @@
               <a:buAutoNum type="arabicPeriod"/>
             </a:pPr>
             <a:r>
-              <a:rPr lang="pl" sz="1400"/>
+              <a:rPr lang="pl" sz="1400" dirty="0"/>
               <a:t>INTERPRETACJA WYNIKÓW:</a:t>
             </a:r>
-            <a:endParaRPr sz="1400"/>
+            <a:endParaRPr sz="1400" dirty="0"/>
           </a:p>
           <a:p>
             <a:pPr marL="457200" lvl="0" indent="0" algn="l" rtl="0">
@@ -7217,7 +7155,7 @@
               </a:spcAft>
               <a:buNone/>
             </a:pPr>
-            <a:endParaRPr/>
+            <a:endParaRPr dirty="0"/>
           </a:p>
           <a:p>
             <a:pPr marL="0" lvl="0" indent="0" algn="l" rtl="0">
@@ -7229,7 +7167,65 @@
               </a:spcAft>
               <a:buNone/>
             </a:pPr>
-            <a:endParaRPr/>
+            <a:endParaRPr dirty="0"/>
+          </a:p>
+        </p:txBody>
+      </p:sp>
+      <p:sp>
+        <p:nvSpPr>
+          <p:cNvPr id="74" name="Google Shape;74;p16"/>
+          <p:cNvSpPr txBox="1">
+            <a:spLocks noGrp="1"/>
+          </p:cNvSpPr>
+          <p:nvPr>
+            <p:ph type="title"/>
+          </p:nvPr>
+        </p:nvSpPr>
+        <p:spPr>
+          <a:xfrm>
+            <a:off x="311700" y="445025"/>
+            <a:ext cx="8520600" cy="572700"/>
+          </a:xfrm>
+          <a:prstGeom prst="rect">
+            <a:avLst/>
+          </a:prstGeom>
+        </p:spPr>
+        <p:txBody>
+          <a:bodyPr spcFirstLastPara="1" wrap="square" lIns="91425" tIns="91425" rIns="91425" bIns="91425" anchor="t" anchorCtr="0">
+            <a:noAutofit/>
+          </a:bodyPr>
+          <a:lstStyle/>
+          <a:p>
+            <a:pPr marL="0" lvl="0" indent="0" algn="l" rtl="0">
+              <a:spcBef>
+                <a:spcPts val="0"/>
+              </a:spcBef>
+              <a:spcAft>
+                <a:spcPts val="0"/>
+              </a:spcAft>
+              <a:buNone/>
+            </a:pPr>
+            <a:r>
+              <a:rPr lang="pl" sz="3000">
+                <a:solidFill>
+                  <a:srgbClr val="A61C00"/>
+                </a:solidFill>
+                <a:latin typeface="Roboto"/>
+                <a:ea typeface="Roboto"/>
+                <a:cs typeface="Roboto"/>
+                <a:sym typeface="Roboto"/>
+              </a:rPr>
+              <a:t>PCA - ANALIZA WSPÓŁCZYNNIKÓW</a:t>
+            </a:r>
+            <a:endParaRPr sz="3000">
+              <a:solidFill>
+                <a:srgbClr val="A61C00"/>
+              </a:solidFill>
+              <a:latin typeface="Roboto"/>
+              <a:ea typeface="Roboto"/>
+              <a:cs typeface="Roboto"/>
+              <a:sym typeface="Roboto"/>
+            </a:endParaRPr>
           </a:p>
         </p:txBody>
       </p:sp>
@@ -7277,7 +7273,7 @@
         </p:blipFill>
         <p:spPr>
           <a:xfrm>
-            <a:off x="4357300" y="1488377"/>
+            <a:off x="4328726" y="1487720"/>
             <a:ext cx="1852799" cy="269825"/>
           </a:xfrm>
           <a:prstGeom prst="rect">
@@ -7305,7 +7301,7 @@
         </p:blipFill>
         <p:spPr>
           <a:xfrm>
-            <a:off x="2947587" y="1936854"/>
+            <a:off x="2947588" y="1936854"/>
             <a:ext cx="4209270" cy="269825"/>
           </a:xfrm>
           <a:prstGeom prst="rect">
@@ -7345,11 +7341,122 @@
           </a:ln>
         </p:spPr>
       </p:pic>
+      <p:pic>
+        <p:nvPicPr>
+          <p:cNvPr id="80" name="Google Shape;80;p16"/>
+          <p:cNvPicPr preferRelativeResize="0"/>
+          <p:nvPr/>
+        </p:nvPicPr>
+        <p:blipFill>
+          <a:blip r:embed="rId8">
+            <a:alphaModFix/>
+          </a:blip>
+          <a:stretch>
+            <a:fillRect/>
+          </a:stretch>
+        </p:blipFill>
+        <p:spPr>
+          <a:xfrm>
+            <a:off x="481775" y="1288200"/>
+            <a:ext cx="6976300" cy="3459450"/>
+          </a:xfrm>
+          <a:prstGeom prst="rect">
+            <a:avLst/>
+          </a:prstGeom>
+          <a:noFill/>
+          <a:ln>
+            <a:noFill/>
+          </a:ln>
+        </p:spPr>
+      </p:pic>
     </p:spTree>
   </p:cSld>
   <p:clrMapOvr>
     <a:masterClrMapping/>
   </p:clrMapOvr>
+  <p:timing>
+    <p:tnLst>
+      <p:par>
+        <p:cTn id="1" dur="indefinite" restart="never" nodeType="tmRoot">
+          <p:childTnLst>
+            <p:seq concurrent="1" nextAc="seek">
+              <p:cTn id="2" dur="indefinite" nodeType="mainSeq">
+                <p:childTnLst>
+                  <p:par>
+                    <p:cTn id="3" fill="hold">
+                      <p:stCondLst>
+                        <p:cond delay="indefinite"/>
+                      </p:stCondLst>
+                      <p:childTnLst>
+                        <p:par>
+                          <p:cTn id="4" fill="hold">
+                            <p:stCondLst>
+                              <p:cond delay="0"/>
+                            </p:stCondLst>
+                            <p:childTnLst>
+                              <p:par>
+                                <p:cTn id="5" presetID="10" presetClass="exit" presetSubtype="0" fill="hold" nodeType="clickEffect">
+                                  <p:stCondLst>
+                                    <p:cond delay="0"/>
+                                  </p:stCondLst>
+                                  <p:childTnLst>
+                                    <p:animEffect transition="out" filter="fade">
+                                      <p:cBhvr>
+                                        <p:cTn id="6" dur="2500"/>
+                                        <p:tgtEl>
+                                          <p:spTgt spid="80"/>
+                                        </p:tgtEl>
+                                      </p:cBhvr>
+                                    </p:animEffect>
+                                    <p:set>
+                                      <p:cBhvr>
+                                        <p:cTn id="7" dur="1" fill="hold">
+                                          <p:stCondLst>
+                                            <p:cond delay="2500"/>
+                                          </p:stCondLst>
+                                        </p:cTn>
+                                        <p:tgtEl>
+                                          <p:spTgt spid="80"/>
+                                        </p:tgtEl>
+                                        <p:attrNameLst>
+                                          <p:attrName>style.visibility</p:attrName>
+                                        </p:attrNameLst>
+                                      </p:cBhvr>
+                                      <p:to>
+                                        <p:strVal val="hidden"/>
+                                      </p:to>
+                                    </p:set>
+                                  </p:childTnLst>
+                                </p:cTn>
+                              </p:par>
+                            </p:childTnLst>
+                          </p:cTn>
+                        </p:par>
+                      </p:childTnLst>
+                    </p:cTn>
+                  </p:par>
+                </p:childTnLst>
+              </p:cTn>
+              <p:prevCondLst>
+                <p:cond evt="onPrev" delay="0">
+                  <p:tgtEl>
+                    <p:sldTgt/>
+                  </p:tgtEl>
+                </p:cond>
+              </p:prevCondLst>
+              <p:nextCondLst>
+                <p:cond evt="onNext" delay="0">
+                  <p:tgtEl>
+                    <p:sldTgt/>
+                  </p:tgtEl>
+                </p:cond>
+              </p:nextCondLst>
+            </p:seq>
+          </p:childTnLst>
+        </p:cTn>
+      </p:par>
+    </p:tnLst>
+  </p:timing>
 </p:sld>
 </file>
 
@@ -7371,7 +7478,7 @@
     </p:bg>
     <p:spTree>
       <p:nvGrpSpPr>
-        <p:cNvPr id="1" name="Shape 83"/>
+        <p:cNvPr id="1" name="Shape 84"/>
         <p:cNvGrpSpPr/>
         <p:nvPr/>
       </p:nvGrpSpPr>
@@ -7385,7 +7492,7 @@
       </p:grpSpPr>
       <p:sp>
         <p:nvSpPr>
-          <p:cNvPr id="84" name="Google Shape;84;p17"/>
+          <p:cNvPr id="85" name="Google Shape;85;p17"/>
           <p:cNvSpPr txBox="1">
             <a:spLocks noGrp="1"/>
           </p:cNvSpPr>
@@ -7710,7 +7817,7 @@
         <p:fade thruBlk="1"/>
       </p:transition>
     </mc:Choice>
-    <mc:Fallback xmlns="" xmlns:mv="urn:schemas-microsoft-com:mac:vml" xmlns:c="http://schemas.openxmlformats.org/drawingml/2006/chart" xmlns:dgm="http://schemas.openxmlformats.org/drawingml/2006/diagram" xmlns:o="urn:schemas-microsoft-com:office:office" xmlns:v="urn:schemas-microsoft-com:vml" xmlns:pvml="urn:schemas-microsoft-com:office:powerpoint" xmlns:com="http://schemas.openxmlformats.org/drawingml/2006/compatibility" xmlns:p15="http://schemas.microsoft.com/office/powerpoint/2012/main">
+    <mc:Fallback xmlns:p15="http://schemas.microsoft.com/office/powerpoint/2012/main" xmlns:com="http://schemas.openxmlformats.org/drawingml/2006/compatibility" xmlns:pvml="urn:schemas-microsoft-com:office:powerpoint" xmlns:v="urn:schemas-microsoft-com:vml" xmlns:o="urn:schemas-microsoft-com:office:office" xmlns:dgm="http://schemas.openxmlformats.org/drawingml/2006/diagram" xmlns:c="http://schemas.openxmlformats.org/drawingml/2006/chart" xmlns:mv="urn:schemas-microsoft-com:mac:vml" xmlns="">
       <p:transition spd="slow">
         <p:fade/>
       </p:transition>

--- a/python_project/03 presentation/Pokemony iSA Python.pptx
+++ b/python_project/03 presentation/Pokemony iSA Python.pptx
@@ -5,7 +5,7 @@
     <p:sldMasterId id="2147483659" r:id="rId1"/>
   </p:sldMasterIdLst>
   <p:notesMasterIdLst>
-    <p:notesMasterId r:id="rId9"/>
+    <p:notesMasterId r:id="rId22"/>
   </p:notesMasterIdLst>
   <p:sldIdLst>
     <p:sldId id="256" r:id="rId2"/>
@@ -15,16 +15,29 @@
     <p:sldId id="260" r:id="rId6"/>
     <p:sldId id="261" r:id="rId7"/>
     <p:sldId id="262" r:id="rId8"/>
+    <p:sldId id="263" r:id="rId9"/>
+    <p:sldId id="265" r:id="rId10"/>
+    <p:sldId id="267" r:id="rId11"/>
+    <p:sldId id="268" r:id="rId12"/>
+    <p:sldId id="269" r:id="rId13"/>
+    <p:sldId id="272" r:id="rId14"/>
+    <p:sldId id="271" r:id="rId15"/>
+    <p:sldId id="276" r:id="rId16"/>
+    <p:sldId id="275" r:id="rId17"/>
+    <p:sldId id="277" r:id="rId18"/>
+    <p:sldId id="274" r:id="rId19"/>
+    <p:sldId id="278" r:id="rId20"/>
+    <p:sldId id="279" r:id="rId21"/>
   </p:sldIdLst>
   <p:sldSz cx="9144000" cy="5143500" type="screen16x9"/>
   <p:notesSz cx="6858000" cy="9144000"/>
   <p:embeddedFontLst>
     <p:embeddedFont>
       <p:font typeface="Roboto" panose="020B0604020202020204" charset="0"/>
-      <p:regular r:id="rId10"/>
-      <p:bold r:id="rId11"/>
-      <p:italic r:id="rId12"/>
-      <p:boldItalic r:id="rId13"/>
+      <p:regular r:id="rId23"/>
+      <p:bold r:id="rId24"/>
+      <p:italic r:id="rId25"/>
+      <p:boldItalic r:id="rId26"/>
     </p:embeddedFont>
   </p:embeddedFontLst>
   <p:defaultTextStyle>
@@ -482,6 +495,11 @@
         </p:txBody>
       </p:sp>
     </p:spTree>
+    <p:extLst>
+      <p:ext uri="{BB962C8B-B14F-4D97-AF65-F5344CB8AC3E}">
+        <p14:creationId xmlns:p14="http://schemas.microsoft.com/office/powerpoint/2010/main" val="4137111066"/>
+      </p:ext>
+    </p:extLst>
   </p:cSld>
   <p:clrMap bg1="lt1" tx1="dk1" bg2="dk2" tx2="lt2" accent1="accent1" accent2="accent2" accent3="accent3" accent4="accent4" accent5="accent5" accent6="accent6" hlink="hlink" folHlink="folHlink"/>
   <p:notesStyle>
@@ -813,6 +831,11 @@
         </p:txBody>
       </p:sp>
     </p:spTree>
+    <p:extLst>
+      <p:ext uri="{BB962C8B-B14F-4D97-AF65-F5344CB8AC3E}">
+        <p14:creationId xmlns:p14="http://schemas.microsoft.com/office/powerpoint/2010/main" val="3431018148"/>
+      </p:ext>
+    </p:extLst>
   </p:cSld>
   <p:clrMapOvr>
     <a:masterClrMapping/>
@@ -917,6 +940,11 @@
         </p:txBody>
       </p:sp>
     </p:spTree>
+    <p:extLst>
+      <p:ext uri="{BB962C8B-B14F-4D97-AF65-F5344CB8AC3E}">
+        <p14:creationId xmlns:p14="http://schemas.microsoft.com/office/powerpoint/2010/main" val="2771828563"/>
+      </p:ext>
+    </p:extLst>
   </p:cSld>
   <p:clrMapOvr>
     <a:masterClrMapping/>
@@ -1021,6 +1049,11 @@
         </p:txBody>
       </p:sp>
     </p:spTree>
+    <p:extLst>
+      <p:ext uri="{BB962C8B-B14F-4D97-AF65-F5344CB8AC3E}">
+        <p14:creationId xmlns:p14="http://schemas.microsoft.com/office/powerpoint/2010/main" val="4136409363"/>
+      </p:ext>
+    </p:extLst>
   </p:cSld>
   <p:clrMapOvr>
     <a:masterClrMapping/>
@@ -1125,6 +1158,11 @@
         </p:txBody>
       </p:sp>
     </p:spTree>
+    <p:extLst>
+      <p:ext uri="{BB962C8B-B14F-4D97-AF65-F5344CB8AC3E}">
+        <p14:creationId xmlns:p14="http://schemas.microsoft.com/office/powerpoint/2010/main" val="1851586336"/>
+      </p:ext>
+    </p:extLst>
   </p:cSld>
   <p:clrMapOvr>
     <a:masterClrMapping/>
@@ -1229,6 +1267,11 @@
         </p:txBody>
       </p:sp>
     </p:spTree>
+    <p:extLst>
+      <p:ext uri="{BB962C8B-B14F-4D97-AF65-F5344CB8AC3E}">
+        <p14:creationId xmlns:p14="http://schemas.microsoft.com/office/powerpoint/2010/main" val="1873508509"/>
+      </p:ext>
+    </p:extLst>
   </p:cSld>
   <p:clrMapOvr>
     <a:masterClrMapping/>
@@ -1333,6 +1376,11 @@
         </p:txBody>
       </p:sp>
     </p:spTree>
+    <p:extLst>
+      <p:ext uri="{BB962C8B-B14F-4D97-AF65-F5344CB8AC3E}">
+        <p14:creationId xmlns:p14="http://schemas.microsoft.com/office/powerpoint/2010/main" val="2953420886"/>
+      </p:ext>
+    </p:extLst>
   </p:cSld>
   <p:clrMapOvr>
     <a:masterClrMapping/>
@@ -1437,6 +1485,11 @@
         </p:txBody>
       </p:sp>
     </p:spTree>
+    <p:extLst>
+      <p:ext uri="{BB962C8B-B14F-4D97-AF65-F5344CB8AC3E}">
+        <p14:creationId xmlns:p14="http://schemas.microsoft.com/office/powerpoint/2010/main" val="2201721749"/>
+      </p:ext>
+    </p:extLst>
   </p:cSld>
   <p:clrMapOvr>
     <a:masterClrMapping/>
@@ -5506,7 +5559,7 @@
         <p:fade thruBlk="1"/>
       </p:transition>
     </mc:Choice>
-    <mc:Fallback xmlns:p15="http://schemas.microsoft.com/office/powerpoint/2012/main" xmlns:com="http://schemas.openxmlformats.org/drawingml/2006/compatibility" xmlns:pvml="urn:schemas-microsoft-com:office:powerpoint" xmlns:v="urn:schemas-microsoft-com:vml" xmlns:o="urn:schemas-microsoft-com:office:office" xmlns:dgm="http://schemas.openxmlformats.org/drawingml/2006/diagram" xmlns:c="http://schemas.openxmlformats.org/drawingml/2006/chart" xmlns:mv="urn:schemas-microsoft-com:mac:vml" xmlns="">
+    <mc:Fallback xmlns="" xmlns:mv="urn:schemas-microsoft-com:mac:vml" xmlns:c="http://schemas.openxmlformats.org/drawingml/2006/chart" xmlns:dgm="http://schemas.openxmlformats.org/drawingml/2006/diagram" xmlns:o="urn:schemas-microsoft-com:office:office" xmlns:v="urn:schemas-microsoft-com:vml" xmlns:pvml="urn:schemas-microsoft-com:office:powerpoint" xmlns:com="http://schemas.openxmlformats.org/drawingml/2006/compatibility" xmlns:p15="http://schemas.microsoft.com/office/powerpoint/2012/main">
       <p:transition spd="slow">
         <p:fade/>
       </p:transition>
@@ -6362,6 +6415,4839 @@
   <p:clrMapOvr>
     <a:masterClrMapping/>
   </p:clrMapOvr>
+  <p:timing>
+    <p:tnLst>
+      <p:par>
+        <p:cTn id="1" dur="indefinite" restart="never" nodeType="tmRoot"/>
+      </p:par>
+    </p:tnLst>
+  </p:timing>
+</p:sld>
+</file>
+
+<file path=ppt/slides/slide10.xml><?xml version="1.0" encoding="utf-8"?>
+<p:sld xmlns:a="http://schemas.openxmlformats.org/drawingml/2006/main" xmlns:r="http://schemas.openxmlformats.org/officeDocument/2006/relationships" xmlns:p="http://schemas.openxmlformats.org/presentationml/2006/main">
+  <p:cSld>
+    <p:spTree>
+      <p:nvGrpSpPr>
+        <p:cNvPr id="1" name=""/>
+        <p:cNvGrpSpPr/>
+        <p:nvPr/>
+      </p:nvGrpSpPr>
+      <p:grpSpPr>
+        <a:xfrm>
+          <a:off x="0" y="0"/>
+          <a:ext cx="0" cy="0"/>
+          <a:chOff x="0" y="0"/>
+          <a:chExt cx="0" cy="0"/>
+        </a:xfrm>
+      </p:grpSpPr>
+      <p:sp>
+        <p:nvSpPr>
+          <p:cNvPr id="2" name="Tytuł 1"/>
+          <p:cNvSpPr>
+            <a:spLocks noGrp="1"/>
+          </p:cNvSpPr>
+          <p:nvPr>
+            <p:ph type="title"/>
+          </p:nvPr>
+        </p:nvSpPr>
+        <p:spPr/>
+        <p:txBody>
+          <a:bodyPr/>
+          <a:lstStyle/>
+          <a:p>
+            <a:r>
+              <a:rPr lang="pl" dirty="0" smtClean="0">
+                <a:solidFill>
+                  <a:srgbClr val="A61C00"/>
+                </a:solidFill>
+                <a:latin typeface="Roboto"/>
+                <a:ea typeface="Roboto"/>
+                <a:cs typeface="Roboto"/>
+                <a:sym typeface="Roboto"/>
+              </a:rPr>
+              <a:t>POPULACJA WG GATUNKU [:20]</a:t>
+            </a:r>
+            <a:endParaRPr lang="pl-PL" dirty="0">
+              <a:solidFill>
+                <a:srgbClr val="A61C00"/>
+              </a:solidFill>
+            </a:endParaRPr>
+          </a:p>
+        </p:txBody>
+      </p:sp>
+      <p:sp>
+        <p:nvSpPr>
+          <p:cNvPr id="7" name="pole tekstowe 6"/>
+          <p:cNvSpPr txBox="1"/>
+          <p:nvPr/>
+        </p:nvSpPr>
+        <p:spPr>
+          <a:xfrm>
+            <a:off x="6703084" y="863836"/>
+            <a:ext cx="2300630" cy="307777"/>
+          </a:xfrm>
+          <a:prstGeom prst="rect">
+            <a:avLst/>
+          </a:prstGeom>
+          <a:noFill/>
+        </p:spPr>
+        <p:txBody>
+          <a:bodyPr wrap="none" rtlCol="0">
+            <a:spAutoFit/>
+          </a:bodyPr>
+          <a:lstStyle/>
+          <a:p>
+            <a:r>
+              <a:rPr lang="pl-PL" dirty="0" smtClean="0">
+                <a:solidFill>
+                  <a:srgbClr val="A61C00"/>
+                </a:solidFill>
+              </a:rPr>
+              <a:t>UDZIAŁY PROCENTOWE</a:t>
+            </a:r>
+            <a:endParaRPr lang="pl-PL" dirty="0">
+              <a:solidFill>
+                <a:srgbClr val="A61C00"/>
+              </a:solidFill>
+            </a:endParaRPr>
+          </a:p>
+        </p:txBody>
+      </p:sp>
+      <p:pic>
+        <p:nvPicPr>
+          <p:cNvPr id="3" name="Obraz 2"/>
+          <p:cNvPicPr>
+            <a:picLocks noChangeAspect="1"/>
+          </p:cNvPicPr>
+          <p:nvPr/>
+        </p:nvPicPr>
+        <p:blipFill>
+          <a:blip r:embed="rId2">
+            <a:extLst>
+              <a:ext uri="{28A0092B-C50C-407E-A947-70E740481C1C}">
+                <a14:useLocalDpi xmlns:a14="http://schemas.microsoft.com/office/drawing/2010/main" val="0"/>
+              </a:ext>
+            </a:extLst>
+          </a:blip>
+          <a:stretch>
+            <a:fillRect/>
+          </a:stretch>
+        </p:blipFill>
+        <p:spPr>
+          <a:xfrm>
+            <a:off x="311700" y="1204686"/>
+            <a:ext cx="5966149" cy="3600000"/>
+          </a:xfrm>
+          <a:prstGeom prst="rect">
+            <a:avLst/>
+          </a:prstGeom>
+        </p:spPr>
+      </p:pic>
+      <p:pic>
+        <p:nvPicPr>
+          <p:cNvPr id="4" name="Obraz 3"/>
+          <p:cNvPicPr>
+            <a:picLocks noChangeAspect="1"/>
+          </p:cNvPicPr>
+          <p:nvPr/>
+        </p:nvPicPr>
+        <p:blipFill>
+          <a:blip r:embed="rId3"/>
+          <a:stretch>
+            <a:fillRect/>
+          </a:stretch>
+        </p:blipFill>
+        <p:spPr>
+          <a:xfrm>
+            <a:off x="7078834" y="1204686"/>
+            <a:ext cx="1549129" cy="3600000"/>
+          </a:xfrm>
+          <a:prstGeom prst="rect">
+            <a:avLst/>
+          </a:prstGeom>
+        </p:spPr>
+      </p:pic>
+    </p:spTree>
+    <p:extLst>
+      <p:ext uri="{BB962C8B-B14F-4D97-AF65-F5344CB8AC3E}">
+        <p14:creationId xmlns:p14="http://schemas.microsoft.com/office/powerpoint/2010/main" val="928465226"/>
+      </p:ext>
+    </p:extLst>
+  </p:cSld>
+  <p:clrMapOvr>
+    <a:masterClrMapping/>
+  </p:clrMapOvr>
+  <p:timing>
+    <p:tnLst>
+      <p:par>
+        <p:cTn id="1" dur="indefinite" restart="never" nodeType="tmRoot"/>
+      </p:par>
+    </p:tnLst>
+  </p:timing>
+</p:sld>
+</file>
+
+<file path=ppt/slides/slide11.xml><?xml version="1.0" encoding="utf-8"?>
+<p:sld xmlns:a="http://schemas.openxmlformats.org/drawingml/2006/main" xmlns:r="http://schemas.openxmlformats.org/officeDocument/2006/relationships" xmlns:p="http://schemas.openxmlformats.org/presentationml/2006/main">
+  <p:cSld>
+    <p:spTree>
+      <p:nvGrpSpPr>
+        <p:cNvPr id="1" name=""/>
+        <p:cNvGrpSpPr/>
+        <p:nvPr/>
+      </p:nvGrpSpPr>
+      <p:grpSpPr>
+        <a:xfrm>
+          <a:off x="0" y="0"/>
+          <a:ext cx="0" cy="0"/>
+          <a:chOff x="0" y="0"/>
+          <a:chExt cx="0" cy="0"/>
+        </a:xfrm>
+      </p:grpSpPr>
+      <p:sp>
+        <p:nvSpPr>
+          <p:cNvPr id="2" name="Tytuł 1"/>
+          <p:cNvSpPr>
+            <a:spLocks noGrp="1"/>
+          </p:cNvSpPr>
+          <p:nvPr>
+            <p:ph type="title"/>
+          </p:nvPr>
+        </p:nvSpPr>
+        <p:spPr/>
+        <p:txBody>
+          <a:bodyPr/>
+          <a:lstStyle/>
+          <a:p>
+            <a:r>
+              <a:rPr lang="pl-PL" dirty="0" smtClean="0">
+                <a:solidFill>
+                  <a:srgbClr val="A61C00"/>
+                </a:solidFill>
+              </a:rPr>
+              <a:t>DREAM TEAMS</a:t>
+            </a:r>
+            <a:br>
+              <a:rPr lang="pl-PL" dirty="0" smtClean="0">
+                <a:solidFill>
+                  <a:srgbClr val="A61C00"/>
+                </a:solidFill>
+              </a:rPr>
+            </a:br>
+            <a:endParaRPr lang="pl-PL" dirty="0">
+              <a:solidFill>
+                <a:srgbClr val="A61C00"/>
+              </a:solidFill>
+            </a:endParaRPr>
+          </a:p>
+        </p:txBody>
+      </p:sp>
+      <p:sp>
+        <p:nvSpPr>
+          <p:cNvPr id="3" name="Symbol zastępczy tekstu 2"/>
+          <p:cNvSpPr>
+            <a:spLocks noGrp="1"/>
+          </p:cNvSpPr>
+          <p:nvPr>
+            <p:ph type="body" idx="1"/>
+          </p:nvPr>
+        </p:nvSpPr>
+        <p:spPr/>
+        <p:txBody>
+          <a:bodyPr/>
+          <a:lstStyle/>
+          <a:p>
+            <a:pPr>
+              <a:buFont typeface="+mj-lt"/>
+              <a:buAutoNum type="arabicPeriod"/>
+            </a:pPr>
+            <a:r>
+              <a:rPr lang="pl-PL" dirty="0" smtClean="0"/>
+              <a:t>Wybór unikalnych gatunków na maksymalnym poziomie</a:t>
+            </a:r>
+          </a:p>
+          <a:p>
+            <a:pPr marL="596900" lvl="1" indent="0">
+              <a:buNone/>
+            </a:pPr>
+            <a:r>
+              <a:rPr lang="pl-PL" sz="1800" dirty="0" smtClean="0"/>
+              <a:t>28 804		656</a:t>
+            </a:r>
+          </a:p>
+          <a:p>
+            <a:pPr marL="482600">
+              <a:buFont typeface="+mj-lt"/>
+              <a:buAutoNum type="arabicPeriod"/>
+            </a:pPr>
+            <a:endParaRPr lang="pl-PL" dirty="0" smtClean="0"/>
+          </a:p>
+          <a:p>
+            <a:pPr marL="482600">
+              <a:buFont typeface="+mj-lt"/>
+              <a:buAutoNum type="arabicPeriod"/>
+            </a:pPr>
+            <a:r>
+              <a:rPr lang="pl-PL" dirty="0" smtClean="0"/>
+              <a:t>Wybór unikalnych typów:</a:t>
+            </a:r>
+          </a:p>
+          <a:p>
+            <a:pPr marL="622300" lvl="1" indent="0">
+              <a:buNone/>
+            </a:pPr>
+            <a:r>
+              <a:rPr lang="pl-PL" sz="1800" dirty="0" smtClean="0"/>
+              <a:t>Drużyna ofensywna: maksymalny atak</a:t>
+            </a:r>
+          </a:p>
+          <a:p>
+            <a:pPr marL="622300" lvl="1" indent="0">
+              <a:buNone/>
+            </a:pPr>
+            <a:r>
+              <a:rPr lang="pl-PL" sz="1800" dirty="0" smtClean="0"/>
+              <a:t>Drużyna defensywna: maksymalna obrona</a:t>
+            </a:r>
+          </a:p>
+          <a:p>
+            <a:pPr marL="622300" lvl="1" indent="0">
+              <a:buNone/>
+            </a:pPr>
+            <a:r>
+              <a:rPr lang="pl-PL" sz="1800" dirty="0" smtClean="0"/>
+              <a:t>656		18</a:t>
+            </a:r>
+          </a:p>
+          <a:p>
+            <a:pPr>
+              <a:buFont typeface="+mj-lt"/>
+              <a:buAutoNum type="arabicPeriod"/>
+            </a:pPr>
+            <a:endParaRPr lang="pl-PL" dirty="0" smtClean="0"/>
+          </a:p>
+          <a:p>
+            <a:pPr>
+              <a:buFont typeface="+mj-lt"/>
+              <a:buAutoNum type="arabicPeriod"/>
+            </a:pPr>
+            <a:endParaRPr lang="pl-PL" dirty="0"/>
+          </a:p>
+        </p:txBody>
+      </p:sp>
+      <p:sp>
+        <p:nvSpPr>
+          <p:cNvPr id="7" name="Strzałka w dół 6"/>
+          <p:cNvSpPr/>
+          <p:nvPr/>
+        </p:nvSpPr>
+        <p:spPr>
+          <a:xfrm rot="16200000">
+            <a:off x="2310688" y="1732973"/>
+            <a:ext cx="180000" cy="360000"/>
+          </a:xfrm>
+          <a:prstGeom prst="downArrow">
+            <a:avLst/>
+          </a:prstGeom>
+          <a:solidFill>
+            <a:schemeClr val="bg1"/>
+          </a:solidFill>
+          <a:ln>
+            <a:solidFill>
+              <a:srgbClr val="A61C00"/>
+            </a:solidFill>
+          </a:ln>
+        </p:spPr>
+        <p:style>
+          <a:lnRef idx="2">
+            <a:schemeClr val="accent1">
+              <a:shade val="50000"/>
+            </a:schemeClr>
+          </a:lnRef>
+          <a:fillRef idx="1">
+            <a:schemeClr val="accent1"/>
+          </a:fillRef>
+          <a:effectRef idx="0">
+            <a:schemeClr val="accent1"/>
+          </a:effectRef>
+          <a:fontRef idx="minor">
+            <a:schemeClr val="lt1"/>
+          </a:fontRef>
+        </p:style>
+        <p:txBody>
+          <a:bodyPr rtlCol="0" anchor="ctr"/>
+          <a:lstStyle/>
+          <a:p>
+            <a:pPr algn="ctr"/>
+            <a:endParaRPr lang="pl-PL"/>
+          </a:p>
+        </p:txBody>
+      </p:sp>
+      <p:sp>
+        <p:nvSpPr>
+          <p:cNvPr id="8" name="Strzałka w dół 7"/>
+          <p:cNvSpPr/>
+          <p:nvPr/>
+        </p:nvSpPr>
+        <p:spPr>
+          <a:xfrm rot="16200000">
+            <a:off x="2310688" y="3917373"/>
+            <a:ext cx="180000" cy="360000"/>
+          </a:xfrm>
+          <a:prstGeom prst="downArrow">
+            <a:avLst/>
+          </a:prstGeom>
+          <a:solidFill>
+            <a:schemeClr val="bg1"/>
+          </a:solidFill>
+          <a:ln>
+            <a:solidFill>
+              <a:srgbClr val="A61C00"/>
+            </a:solidFill>
+          </a:ln>
+        </p:spPr>
+        <p:style>
+          <a:lnRef idx="2">
+            <a:schemeClr val="accent1">
+              <a:shade val="50000"/>
+            </a:schemeClr>
+          </a:lnRef>
+          <a:fillRef idx="1">
+            <a:schemeClr val="accent1"/>
+          </a:fillRef>
+          <a:effectRef idx="0">
+            <a:schemeClr val="accent1"/>
+          </a:effectRef>
+          <a:fontRef idx="minor">
+            <a:schemeClr val="lt1"/>
+          </a:fontRef>
+        </p:style>
+        <p:txBody>
+          <a:bodyPr rtlCol="0" anchor="ctr"/>
+          <a:lstStyle/>
+          <a:p>
+            <a:pPr algn="ctr"/>
+            <a:endParaRPr lang="pl-PL"/>
+          </a:p>
+        </p:txBody>
+      </p:sp>
+    </p:spTree>
+    <p:extLst>
+      <p:ext uri="{BB962C8B-B14F-4D97-AF65-F5344CB8AC3E}">
+        <p14:creationId xmlns:p14="http://schemas.microsoft.com/office/powerpoint/2010/main" val="2423455044"/>
+      </p:ext>
+    </p:extLst>
+  </p:cSld>
+  <p:clrMapOvr>
+    <a:masterClrMapping/>
+  </p:clrMapOvr>
+  <p:timing>
+    <p:tnLst>
+      <p:par>
+        <p:cTn id="1" dur="indefinite" restart="never" nodeType="tmRoot"/>
+      </p:par>
+    </p:tnLst>
+  </p:timing>
+</p:sld>
+</file>
+
+<file path=ppt/slides/slide12.xml><?xml version="1.0" encoding="utf-8"?>
+<p:sld xmlns:a="http://schemas.openxmlformats.org/drawingml/2006/main" xmlns:r="http://schemas.openxmlformats.org/officeDocument/2006/relationships" xmlns:p="http://schemas.openxmlformats.org/presentationml/2006/main">
+  <p:cSld>
+    <p:spTree>
+      <p:nvGrpSpPr>
+        <p:cNvPr id="1" name=""/>
+        <p:cNvGrpSpPr/>
+        <p:nvPr/>
+      </p:nvGrpSpPr>
+      <p:grpSpPr>
+        <a:xfrm>
+          <a:off x="0" y="0"/>
+          <a:ext cx="0" cy="0"/>
+          <a:chOff x="0" y="0"/>
+          <a:chExt cx="0" cy="0"/>
+        </a:xfrm>
+      </p:grpSpPr>
+      <p:sp>
+        <p:nvSpPr>
+          <p:cNvPr id="2" name="Tytuł 1"/>
+          <p:cNvSpPr>
+            <a:spLocks noGrp="1"/>
+          </p:cNvSpPr>
+          <p:nvPr>
+            <p:ph type="title"/>
+          </p:nvPr>
+        </p:nvSpPr>
+        <p:spPr/>
+        <p:txBody>
+          <a:bodyPr/>
+          <a:lstStyle/>
+          <a:p>
+            <a:r>
+              <a:rPr lang="pl-PL" dirty="0" smtClean="0">
+                <a:solidFill>
+                  <a:srgbClr val="A61C00"/>
+                </a:solidFill>
+              </a:rPr>
+              <a:t>TABELA WALKI + AKUMULATOR</a:t>
+            </a:r>
+            <a:endParaRPr lang="pl-PL" dirty="0">
+              <a:solidFill>
+                <a:srgbClr val="A61C00"/>
+              </a:solidFill>
+            </a:endParaRPr>
+          </a:p>
+        </p:txBody>
+      </p:sp>
+      <p:sp>
+        <p:nvSpPr>
+          <p:cNvPr id="3" name="Symbol zastępczy tekstu 2"/>
+          <p:cNvSpPr>
+            <a:spLocks noGrp="1"/>
+          </p:cNvSpPr>
+          <p:nvPr>
+            <p:ph type="body" idx="1"/>
+          </p:nvPr>
+        </p:nvSpPr>
+        <p:spPr>
+          <a:xfrm>
+            <a:off x="311700" y="1108932"/>
+            <a:ext cx="8520600" cy="3416400"/>
+          </a:xfrm>
+        </p:spPr>
+        <p:txBody>
+          <a:bodyPr/>
+          <a:lstStyle/>
+          <a:p>
+            <a:pPr>
+              <a:buFont typeface="+mj-lt"/>
+              <a:buAutoNum type="arabicPeriod" startAt="3"/>
+            </a:pPr>
+            <a:r>
+              <a:rPr lang="pl-PL" dirty="0" smtClean="0"/>
+              <a:t>Wybór najlepszych 6 pokemonów (typów) spośród obu drużyn na podstawie tabeli walki</a:t>
+            </a:r>
+          </a:p>
+          <a:p>
+            <a:pPr marL="596900" lvl="1" indent="0">
+              <a:buNone/>
+            </a:pPr>
+            <a:r>
+              <a:rPr lang="pl-PL" sz="1800" b="1" dirty="0" smtClean="0"/>
+              <a:t>Akumulator:</a:t>
+            </a:r>
+            <a:r>
+              <a:rPr lang="pl-PL" sz="1800" dirty="0" smtClean="0"/>
+              <a:t> silny atak/ obrona = 1 punkt</a:t>
+            </a:r>
+          </a:p>
+          <a:p>
+            <a:pPr marL="596900" lvl="1" indent="0">
+              <a:buNone/>
+            </a:pPr>
+            <a:r>
+              <a:rPr lang="pl-PL" sz="1800" b="1" dirty="0" smtClean="0"/>
+              <a:t>Pula przeciwników:</a:t>
+            </a:r>
+            <a:r>
+              <a:rPr lang="pl-PL" sz="1800" dirty="0" smtClean="0"/>
+              <a:t> 76,05% populacji +</a:t>
+            </a:r>
+            <a:endParaRPr lang="pl-PL" sz="1800" dirty="0"/>
+          </a:p>
+          <a:p>
+            <a:pPr marL="596900" lvl="1" indent="0">
+              <a:buNone/>
+            </a:pPr>
+            <a:r>
+              <a:rPr lang="pl-PL" sz="1800" b="1" dirty="0" smtClean="0"/>
+              <a:t>Kryteria:</a:t>
+            </a:r>
+            <a:r>
+              <a:rPr lang="pl-PL" sz="1800" dirty="0" smtClean="0"/>
+              <a:t> 	silny atak/ obrona w stosunku do najliczniejszych typów</a:t>
+            </a:r>
+          </a:p>
+          <a:p>
+            <a:pPr marL="596900" lvl="1" indent="0">
+              <a:buNone/>
+            </a:pPr>
+            <a:r>
+              <a:rPr lang="pl-PL" sz="1800" dirty="0"/>
+              <a:t>	</a:t>
+            </a:r>
+            <a:r>
+              <a:rPr lang="pl-PL" sz="1800" dirty="0" smtClean="0"/>
+              <a:t>	maksymalna wartość akumulatora</a:t>
+            </a:r>
+          </a:p>
+          <a:p>
+            <a:pPr marL="596900" lvl="1" indent="0">
+              <a:buNone/>
+            </a:pPr>
+            <a:r>
+              <a:rPr lang="pl-PL" sz="1800" dirty="0"/>
+              <a:t>	</a:t>
+            </a:r>
+            <a:r>
+              <a:rPr lang="pl-PL" sz="1800" dirty="0" smtClean="0"/>
+              <a:t>	</a:t>
+            </a:r>
+            <a:endParaRPr lang="pl-PL" sz="1800" dirty="0"/>
+          </a:p>
+        </p:txBody>
+      </p:sp>
+    </p:spTree>
+    <p:extLst>
+      <p:ext uri="{BB962C8B-B14F-4D97-AF65-F5344CB8AC3E}">
+        <p14:creationId xmlns:p14="http://schemas.microsoft.com/office/powerpoint/2010/main" val="914925689"/>
+      </p:ext>
+    </p:extLst>
+  </p:cSld>
+  <p:clrMapOvr>
+    <a:masterClrMapping/>
+  </p:clrMapOvr>
+  <p:timing>
+    <p:tnLst>
+      <p:par>
+        <p:cTn id="1" dur="indefinite" restart="never" nodeType="tmRoot"/>
+      </p:par>
+    </p:tnLst>
+  </p:timing>
+</p:sld>
+</file>
+
+<file path=ppt/slides/slide13.xml><?xml version="1.0" encoding="utf-8"?>
+<p:sld xmlns:a="http://schemas.openxmlformats.org/drawingml/2006/main" xmlns:r="http://schemas.openxmlformats.org/officeDocument/2006/relationships" xmlns:p="http://schemas.openxmlformats.org/presentationml/2006/main">
+  <p:cSld>
+    <p:spTree>
+      <p:nvGrpSpPr>
+        <p:cNvPr id="1" name=""/>
+        <p:cNvGrpSpPr/>
+        <p:nvPr/>
+      </p:nvGrpSpPr>
+      <p:grpSpPr>
+        <a:xfrm>
+          <a:off x="0" y="0"/>
+          <a:ext cx="0" cy="0"/>
+          <a:chOff x="0" y="0"/>
+          <a:chExt cx="0" cy="0"/>
+        </a:xfrm>
+      </p:grpSpPr>
+      <p:sp>
+        <p:nvSpPr>
+          <p:cNvPr id="2" name="Tytuł 1"/>
+          <p:cNvSpPr>
+            <a:spLocks noGrp="1"/>
+          </p:cNvSpPr>
+          <p:nvPr>
+            <p:ph type="title"/>
+          </p:nvPr>
+        </p:nvSpPr>
+        <p:spPr/>
+        <p:txBody>
+          <a:bodyPr/>
+          <a:lstStyle/>
+          <a:p>
+            <a:r>
+              <a:rPr lang="pl-PL" dirty="0" smtClean="0">
+                <a:solidFill>
+                  <a:srgbClr val="A61C00"/>
+                </a:solidFill>
+              </a:rPr>
+              <a:t>TABELA WALKI</a:t>
+            </a:r>
+            <a:endParaRPr lang="pl-PL" dirty="0">
+              <a:solidFill>
+                <a:srgbClr val="A61C00"/>
+              </a:solidFill>
+            </a:endParaRPr>
+          </a:p>
+        </p:txBody>
+      </p:sp>
+      <p:pic>
+        <p:nvPicPr>
+          <p:cNvPr id="5" name="Obraz 4"/>
+          <p:cNvPicPr>
+            <a:picLocks noChangeAspect="1"/>
+          </p:cNvPicPr>
+          <p:nvPr/>
+        </p:nvPicPr>
+        <p:blipFill>
+          <a:blip r:embed="rId2"/>
+          <a:stretch>
+            <a:fillRect/>
+          </a:stretch>
+        </p:blipFill>
+        <p:spPr>
+          <a:xfrm>
+            <a:off x="3836220" y="0"/>
+            <a:ext cx="5245274" cy="5143500"/>
+          </a:xfrm>
+          <a:prstGeom prst="rect">
+            <a:avLst/>
+          </a:prstGeom>
+          <a:ln>
+            <a:solidFill>
+              <a:srgbClr val="3F71EC"/>
+            </a:solidFill>
+          </a:ln>
+        </p:spPr>
+      </p:pic>
+      <p:sp>
+        <p:nvSpPr>
+          <p:cNvPr id="3" name="Symbol zastępczy tekstu 2"/>
+          <p:cNvSpPr>
+            <a:spLocks noGrp="1"/>
+          </p:cNvSpPr>
+          <p:nvPr>
+            <p:ph type="body" idx="1"/>
+          </p:nvPr>
+        </p:nvSpPr>
+        <p:spPr/>
+        <p:txBody>
+          <a:bodyPr/>
+          <a:lstStyle/>
+          <a:p>
+            <a:pPr marL="114300" indent="0">
+              <a:buNone/>
+            </a:pPr>
+            <a:r>
+              <a:rPr lang="pl-PL" dirty="0" smtClean="0"/>
+              <a:t>Silny atak: </a:t>
+            </a:r>
+          </a:p>
+          <a:p>
+            <a:pPr marL="114300" indent="0">
+              <a:buNone/>
+            </a:pPr>
+            <a:r>
+              <a:rPr lang="pl-PL" b="1" dirty="0" smtClean="0">
+                <a:solidFill>
+                  <a:srgbClr val="A61C00"/>
+                </a:solidFill>
+              </a:rPr>
+              <a:t>2</a:t>
+            </a:r>
+          </a:p>
+          <a:p>
+            <a:pPr marL="114300" indent="0">
+              <a:buNone/>
+            </a:pPr>
+            <a:endParaRPr lang="pl-PL" dirty="0" smtClean="0"/>
+          </a:p>
+          <a:p>
+            <a:pPr marL="114300" indent="0">
+              <a:buNone/>
+            </a:pPr>
+            <a:r>
+              <a:rPr lang="pl-PL" dirty="0" smtClean="0"/>
+              <a:t>Silna obrona: </a:t>
+            </a:r>
+          </a:p>
+          <a:p>
+            <a:pPr marL="114300" indent="0">
+              <a:buNone/>
+            </a:pPr>
+            <a:r>
+              <a:rPr lang="pl-PL" b="1" dirty="0" smtClean="0">
+                <a:solidFill>
+                  <a:srgbClr val="A61C00"/>
+                </a:solidFill>
+              </a:rPr>
+              <a:t>1/2</a:t>
+            </a:r>
+            <a:endParaRPr lang="pl-PL" b="1" dirty="0">
+              <a:solidFill>
+                <a:srgbClr val="A61C00"/>
+              </a:solidFill>
+            </a:endParaRPr>
+          </a:p>
+        </p:txBody>
+      </p:sp>
+    </p:spTree>
+    <p:extLst>
+      <p:ext uri="{BB962C8B-B14F-4D97-AF65-F5344CB8AC3E}">
+        <p14:creationId xmlns:p14="http://schemas.microsoft.com/office/powerpoint/2010/main" val="1227458408"/>
+      </p:ext>
+    </p:extLst>
+  </p:cSld>
+  <p:clrMapOvr>
+    <a:masterClrMapping/>
+  </p:clrMapOvr>
+  <p:timing>
+    <p:tnLst>
+      <p:par>
+        <p:cTn id="1" dur="indefinite" restart="never" nodeType="tmRoot"/>
+      </p:par>
+    </p:tnLst>
+  </p:timing>
+</p:sld>
+</file>
+
+<file path=ppt/slides/slide14.xml><?xml version="1.0" encoding="utf-8"?>
+<p:sld xmlns:a="http://schemas.openxmlformats.org/drawingml/2006/main" xmlns:r="http://schemas.openxmlformats.org/officeDocument/2006/relationships" xmlns:p="http://schemas.openxmlformats.org/presentationml/2006/main">
+  <p:cSld>
+    <p:spTree>
+      <p:nvGrpSpPr>
+        <p:cNvPr id="1" name=""/>
+        <p:cNvGrpSpPr/>
+        <p:nvPr/>
+      </p:nvGrpSpPr>
+      <p:grpSpPr>
+        <a:xfrm>
+          <a:off x="0" y="0"/>
+          <a:ext cx="0" cy="0"/>
+          <a:chOff x="0" y="0"/>
+          <a:chExt cx="0" cy="0"/>
+        </a:xfrm>
+      </p:grpSpPr>
+      <p:sp>
+        <p:nvSpPr>
+          <p:cNvPr id="2" name="Tytuł 1"/>
+          <p:cNvSpPr>
+            <a:spLocks noGrp="1"/>
+          </p:cNvSpPr>
+          <p:nvPr>
+            <p:ph type="title"/>
+          </p:nvPr>
+        </p:nvSpPr>
+        <p:spPr/>
+        <p:txBody>
+          <a:bodyPr/>
+          <a:lstStyle/>
+          <a:p>
+            <a:r>
+              <a:rPr lang="pl" dirty="0" smtClean="0">
+                <a:solidFill>
+                  <a:srgbClr val="A61C00"/>
+                </a:solidFill>
+                <a:latin typeface="Roboto"/>
+                <a:ea typeface="Roboto"/>
+                <a:cs typeface="Roboto"/>
+                <a:sym typeface="Roboto"/>
+              </a:rPr>
+              <a:t>POPULACJA WG TYPU</a:t>
+            </a:r>
+            <a:endParaRPr lang="pl-PL" dirty="0">
+              <a:solidFill>
+                <a:srgbClr val="A61C00"/>
+              </a:solidFill>
+            </a:endParaRPr>
+          </a:p>
+        </p:txBody>
+      </p:sp>
+      <p:pic>
+        <p:nvPicPr>
+          <p:cNvPr id="5" name="Obraz 4"/>
+          <p:cNvPicPr>
+            <a:picLocks noChangeAspect="1"/>
+          </p:cNvPicPr>
+          <p:nvPr/>
+        </p:nvPicPr>
+        <p:blipFill>
+          <a:blip r:embed="rId2">
+            <a:extLst>
+              <a:ext uri="{28A0092B-C50C-407E-A947-70E740481C1C}">
+                <a14:useLocalDpi xmlns:a14="http://schemas.microsoft.com/office/drawing/2010/main" val="0"/>
+              </a:ext>
+            </a:extLst>
+          </a:blip>
+          <a:stretch>
+            <a:fillRect/>
+          </a:stretch>
+        </p:blipFill>
+        <p:spPr>
+          <a:xfrm>
+            <a:off x="311700" y="1204686"/>
+            <a:ext cx="6317282" cy="3600000"/>
+          </a:xfrm>
+          <a:prstGeom prst="rect">
+            <a:avLst/>
+          </a:prstGeom>
+        </p:spPr>
+      </p:pic>
+      <p:pic>
+        <p:nvPicPr>
+          <p:cNvPr id="6" name="Obraz 5"/>
+          <p:cNvPicPr>
+            <a:picLocks noChangeAspect="1"/>
+          </p:cNvPicPr>
+          <p:nvPr/>
+        </p:nvPicPr>
+        <p:blipFill>
+          <a:blip r:embed="rId3"/>
+          <a:stretch>
+            <a:fillRect/>
+          </a:stretch>
+        </p:blipFill>
+        <p:spPr>
+          <a:xfrm>
+            <a:off x="7002236" y="1204686"/>
+            <a:ext cx="1702326" cy="3600000"/>
+          </a:xfrm>
+          <a:prstGeom prst="rect">
+            <a:avLst/>
+          </a:prstGeom>
+        </p:spPr>
+      </p:pic>
+      <p:sp>
+        <p:nvSpPr>
+          <p:cNvPr id="7" name="pole tekstowe 6"/>
+          <p:cNvSpPr txBox="1"/>
+          <p:nvPr/>
+        </p:nvSpPr>
+        <p:spPr>
+          <a:xfrm>
+            <a:off x="6703084" y="863836"/>
+            <a:ext cx="2300630" cy="307777"/>
+          </a:xfrm>
+          <a:prstGeom prst="rect">
+            <a:avLst/>
+          </a:prstGeom>
+          <a:noFill/>
+        </p:spPr>
+        <p:txBody>
+          <a:bodyPr wrap="none" rtlCol="0">
+            <a:spAutoFit/>
+          </a:bodyPr>
+          <a:lstStyle/>
+          <a:p>
+            <a:r>
+              <a:rPr lang="pl-PL" dirty="0" smtClean="0">
+                <a:solidFill>
+                  <a:srgbClr val="A61C00"/>
+                </a:solidFill>
+              </a:rPr>
+              <a:t>UDZIAŁY PROCENTOWE</a:t>
+            </a:r>
+            <a:endParaRPr lang="pl-PL" dirty="0">
+              <a:solidFill>
+                <a:srgbClr val="A61C00"/>
+              </a:solidFill>
+            </a:endParaRPr>
+          </a:p>
+        </p:txBody>
+      </p:sp>
+      <p:sp>
+        <p:nvSpPr>
+          <p:cNvPr id="4" name="Prostokąt 3"/>
+          <p:cNvSpPr/>
+          <p:nvPr/>
+        </p:nvSpPr>
+        <p:spPr>
+          <a:xfrm>
+            <a:off x="7002236" y="1204686"/>
+            <a:ext cx="1702326" cy="1611085"/>
+          </a:xfrm>
+          <a:prstGeom prst="rect">
+            <a:avLst/>
+          </a:prstGeom>
+          <a:noFill/>
+          <a:ln>
+            <a:solidFill>
+              <a:srgbClr val="A61C00"/>
+            </a:solidFill>
+          </a:ln>
+        </p:spPr>
+        <p:style>
+          <a:lnRef idx="2">
+            <a:schemeClr val="accent1">
+              <a:shade val="50000"/>
+            </a:schemeClr>
+          </a:lnRef>
+          <a:fillRef idx="1">
+            <a:schemeClr val="accent1"/>
+          </a:fillRef>
+          <a:effectRef idx="0">
+            <a:schemeClr val="accent1"/>
+          </a:effectRef>
+          <a:fontRef idx="minor">
+            <a:schemeClr val="lt1"/>
+          </a:fontRef>
+        </p:style>
+        <p:txBody>
+          <a:bodyPr rtlCol="0" anchor="ctr"/>
+          <a:lstStyle/>
+          <a:p>
+            <a:pPr algn="ctr"/>
+            <a:endParaRPr lang="pl-PL"/>
+          </a:p>
+        </p:txBody>
+      </p:sp>
+      <p:sp>
+        <p:nvSpPr>
+          <p:cNvPr id="8" name="pole tekstowe 7"/>
+          <p:cNvSpPr txBox="1"/>
+          <p:nvPr/>
+        </p:nvSpPr>
+        <p:spPr>
+          <a:xfrm>
+            <a:off x="5453414" y="2507994"/>
+            <a:ext cx="1548822" cy="307777"/>
+          </a:xfrm>
+          <a:prstGeom prst="rect">
+            <a:avLst/>
+          </a:prstGeom>
+          <a:noFill/>
+        </p:spPr>
+        <p:txBody>
+          <a:bodyPr wrap="none" rtlCol="0">
+            <a:spAutoFit/>
+          </a:bodyPr>
+          <a:lstStyle/>
+          <a:p>
+            <a:r>
+              <a:rPr lang="pl-PL" dirty="0" smtClean="0">
+                <a:solidFill>
+                  <a:srgbClr val="A61C00"/>
+                </a:solidFill>
+              </a:rPr>
+              <a:t>76,05% populacji</a:t>
+            </a:r>
+            <a:endParaRPr lang="pl-PL" dirty="0">
+              <a:solidFill>
+                <a:srgbClr val="A61C00"/>
+              </a:solidFill>
+            </a:endParaRPr>
+          </a:p>
+        </p:txBody>
+      </p:sp>
+    </p:spTree>
+    <p:extLst>
+      <p:ext uri="{BB962C8B-B14F-4D97-AF65-F5344CB8AC3E}">
+        <p14:creationId xmlns:p14="http://schemas.microsoft.com/office/powerpoint/2010/main" val="2705454725"/>
+      </p:ext>
+    </p:extLst>
+  </p:cSld>
+  <p:clrMapOvr>
+    <a:masterClrMapping/>
+  </p:clrMapOvr>
+  <p:timing>
+    <p:tnLst>
+      <p:par>
+        <p:cTn id="1" dur="indefinite" restart="never" nodeType="tmRoot"/>
+      </p:par>
+    </p:tnLst>
+  </p:timing>
+</p:sld>
+</file>
+
+<file path=ppt/slides/slide15.xml><?xml version="1.0" encoding="utf-8"?>
+<p:sld xmlns:a="http://schemas.openxmlformats.org/drawingml/2006/main" xmlns:r="http://schemas.openxmlformats.org/officeDocument/2006/relationships" xmlns:p="http://schemas.openxmlformats.org/presentationml/2006/main">
+  <p:cSld>
+    <p:spTree>
+      <p:nvGrpSpPr>
+        <p:cNvPr id="1" name=""/>
+        <p:cNvGrpSpPr/>
+        <p:nvPr/>
+      </p:nvGrpSpPr>
+      <p:grpSpPr>
+        <a:xfrm>
+          <a:off x="0" y="0"/>
+          <a:ext cx="0" cy="0"/>
+          <a:chOff x="0" y="0"/>
+          <a:chExt cx="0" cy="0"/>
+        </a:xfrm>
+      </p:grpSpPr>
+      <p:sp>
+        <p:nvSpPr>
+          <p:cNvPr id="2" name="Tytuł 1"/>
+          <p:cNvSpPr>
+            <a:spLocks noGrp="1"/>
+          </p:cNvSpPr>
+          <p:nvPr>
+            <p:ph type="title"/>
+          </p:nvPr>
+        </p:nvSpPr>
+        <p:spPr/>
+        <p:txBody>
+          <a:bodyPr/>
+          <a:lstStyle/>
+          <a:p>
+            <a:r>
+              <a:rPr lang="pl-PL" dirty="0">
+                <a:solidFill>
+                  <a:srgbClr val="A61C00"/>
+                </a:solidFill>
+              </a:rPr>
+              <a:t>DRUŻYNA OFENSYWNA</a:t>
+            </a:r>
+            <a:endParaRPr lang="pl-PL" dirty="0"/>
+          </a:p>
+        </p:txBody>
+      </p:sp>
+      <p:pic>
+        <p:nvPicPr>
+          <p:cNvPr id="4" name="Obraz 3"/>
+          <p:cNvPicPr>
+            <a:picLocks noChangeAspect="1"/>
+          </p:cNvPicPr>
+          <p:nvPr/>
+        </p:nvPicPr>
+        <p:blipFill>
+          <a:blip r:embed="rId2"/>
+          <a:stretch>
+            <a:fillRect/>
+          </a:stretch>
+        </p:blipFill>
+        <p:spPr>
+          <a:xfrm>
+            <a:off x="311700" y="1458926"/>
+            <a:ext cx="1466157" cy="3600000"/>
+          </a:xfrm>
+          <a:prstGeom prst="rect">
+            <a:avLst/>
+          </a:prstGeom>
+        </p:spPr>
+      </p:pic>
+      <p:sp>
+        <p:nvSpPr>
+          <p:cNvPr id="8" name="pole tekstowe 7"/>
+          <p:cNvSpPr txBox="1"/>
+          <p:nvPr/>
+        </p:nvSpPr>
+        <p:spPr>
+          <a:xfrm>
+            <a:off x="311700" y="1151149"/>
+            <a:ext cx="1625766" cy="307777"/>
+          </a:xfrm>
+          <a:prstGeom prst="rect">
+            <a:avLst/>
+          </a:prstGeom>
+          <a:noFill/>
+        </p:spPr>
+        <p:txBody>
+          <a:bodyPr wrap="none" rtlCol="0">
+            <a:spAutoFit/>
+          </a:bodyPr>
+          <a:lstStyle/>
+          <a:p>
+            <a:r>
+              <a:rPr lang="pl-PL" b="1" dirty="0" smtClean="0">
+                <a:solidFill>
+                  <a:srgbClr val="A61C00"/>
+                </a:solidFill>
+              </a:rPr>
+              <a:t>76,05% populacji</a:t>
+            </a:r>
+            <a:endParaRPr lang="pl-PL" b="1" dirty="0">
+              <a:solidFill>
+                <a:srgbClr val="A61C00"/>
+              </a:solidFill>
+            </a:endParaRPr>
+          </a:p>
+        </p:txBody>
+      </p:sp>
+      <p:sp>
+        <p:nvSpPr>
+          <p:cNvPr id="11" name="Prostokąt 10"/>
+          <p:cNvSpPr/>
+          <p:nvPr/>
+        </p:nvSpPr>
+        <p:spPr>
+          <a:xfrm>
+            <a:off x="493485" y="3048085"/>
+            <a:ext cx="1224000" cy="216000"/>
+          </a:xfrm>
+          <a:prstGeom prst="rect">
+            <a:avLst/>
+          </a:prstGeom>
+          <a:noFill/>
+          <a:ln>
+            <a:solidFill>
+              <a:srgbClr val="00B0F0"/>
+            </a:solidFill>
+          </a:ln>
+        </p:spPr>
+        <p:style>
+          <a:lnRef idx="2">
+            <a:schemeClr val="accent1">
+              <a:shade val="50000"/>
+            </a:schemeClr>
+          </a:lnRef>
+          <a:fillRef idx="1">
+            <a:schemeClr val="accent1"/>
+          </a:fillRef>
+          <a:effectRef idx="0">
+            <a:schemeClr val="accent1"/>
+          </a:effectRef>
+          <a:fontRef idx="minor">
+            <a:schemeClr val="lt1"/>
+          </a:fontRef>
+        </p:style>
+        <p:txBody>
+          <a:bodyPr rtlCol="0" anchor="ctr"/>
+          <a:lstStyle/>
+          <a:p>
+            <a:pPr algn="ctr"/>
+            <a:endParaRPr lang="pl-PL"/>
+          </a:p>
+        </p:txBody>
+      </p:sp>
+      <p:sp>
+        <p:nvSpPr>
+          <p:cNvPr id="9" name="Prostokąt 8"/>
+          <p:cNvSpPr/>
+          <p:nvPr/>
+        </p:nvSpPr>
+        <p:spPr>
+          <a:xfrm>
+            <a:off x="493485" y="1881313"/>
+            <a:ext cx="972000" cy="216000"/>
+          </a:xfrm>
+          <a:prstGeom prst="rect">
+            <a:avLst/>
+          </a:prstGeom>
+          <a:noFill/>
+          <a:ln>
+            <a:solidFill>
+              <a:srgbClr val="00B0F0"/>
+            </a:solidFill>
+          </a:ln>
+        </p:spPr>
+        <p:style>
+          <a:lnRef idx="2">
+            <a:schemeClr val="accent1">
+              <a:shade val="50000"/>
+            </a:schemeClr>
+          </a:lnRef>
+          <a:fillRef idx="1">
+            <a:schemeClr val="accent1"/>
+          </a:fillRef>
+          <a:effectRef idx="0">
+            <a:schemeClr val="accent1"/>
+          </a:effectRef>
+          <a:fontRef idx="minor">
+            <a:schemeClr val="lt1"/>
+          </a:fontRef>
+        </p:style>
+        <p:txBody>
+          <a:bodyPr rtlCol="0" anchor="ctr"/>
+          <a:lstStyle/>
+          <a:p>
+            <a:pPr algn="ctr"/>
+            <a:endParaRPr lang="pl-PL"/>
+          </a:p>
+        </p:txBody>
+      </p:sp>
+      <p:sp>
+        <p:nvSpPr>
+          <p:cNvPr id="13" name="Prostokąt 12"/>
+          <p:cNvSpPr/>
+          <p:nvPr/>
+        </p:nvSpPr>
+        <p:spPr>
+          <a:xfrm>
+            <a:off x="493485" y="3808480"/>
+            <a:ext cx="1224000" cy="216000"/>
+          </a:xfrm>
+          <a:prstGeom prst="rect">
+            <a:avLst/>
+          </a:prstGeom>
+          <a:noFill/>
+          <a:ln>
+            <a:solidFill>
+              <a:srgbClr val="CC9900"/>
+            </a:solidFill>
+          </a:ln>
+        </p:spPr>
+        <p:style>
+          <a:lnRef idx="2">
+            <a:schemeClr val="accent1">
+              <a:shade val="50000"/>
+            </a:schemeClr>
+          </a:lnRef>
+          <a:fillRef idx="1">
+            <a:schemeClr val="accent1"/>
+          </a:fillRef>
+          <a:effectRef idx="0">
+            <a:schemeClr val="accent1"/>
+          </a:effectRef>
+          <a:fontRef idx="minor">
+            <a:schemeClr val="lt1"/>
+          </a:fontRef>
+        </p:style>
+        <p:txBody>
+          <a:bodyPr rtlCol="0" anchor="ctr"/>
+          <a:lstStyle/>
+          <a:p>
+            <a:pPr algn="ctr"/>
+            <a:endParaRPr lang="pl-PL"/>
+          </a:p>
+        </p:txBody>
+      </p:sp>
+      <p:sp>
+        <p:nvSpPr>
+          <p:cNvPr id="14" name="Prostokąt 13"/>
+          <p:cNvSpPr/>
+          <p:nvPr/>
+        </p:nvSpPr>
+        <p:spPr>
+          <a:xfrm>
+            <a:off x="493485" y="2464699"/>
+            <a:ext cx="1044000" cy="216000"/>
+          </a:xfrm>
+          <a:prstGeom prst="rect">
+            <a:avLst/>
+          </a:prstGeom>
+          <a:noFill/>
+          <a:ln>
+            <a:solidFill>
+              <a:srgbClr val="A61C00"/>
+            </a:solidFill>
+          </a:ln>
+        </p:spPr>
+        <p:style>
+          <a:lnRef idx="2">
+            <a:schemeClr val="accent1">
+              <a:shade val="50000"/>
+            </a:schemeClr>
+          </a:lnRef>
+          <a:fillRef idx="1">
+            <a:schemeClr val="accent1"/>
+          </a:fillRef>
+          <a:effectRef idx="0">
+            <a:schemeClr val="accent1"/>
+          </a:effectRef>
+          <a:fontRef idx="minor">
+            <a:schemeClr val="lt1"/>
+          </a:fontRef>
+        </p:style>
+        <p:txBody>
+          <a:bodyPr rtlCol="0" anchor="ctr"/>
+          <a:lstStyle/>
+          <a:p>
+            <a:pPr algn="ctr"/>
+            <a:endParaRPr lang="pl-PL"/>
+          </a:p>
+        </p:txBody>
+      </p:sp>
+      <p:sp>
+        <p:nvSpPr>
+          <p:cNvPr id="16" name="Prostokąt 15"/>
+          <p:cNvSpPr/>
+          <p:nvPr/>
+        </p:nvSpPr>
+        <p:spPr>
+          <a:xfrm>
+            <a:off x="493485" y="2097313"/>
+            <a:ext cx="972000" cy="362858"/>
+          </a:xfrm>
+          <a:prstGeom prst="rect">
+            <a:avLst/>
+          </a:prstGeom>
+          <a:noFill/>
+          <a:ln>
+            <a:solidFill>
+              <a:srgbClr val="FF0000"/>
+            </a:solidFill>
+          </a:ln>
+        </p:spPr>
+        <p:style>
+          <a:lnRef idx="2">
+            <a:schemeClr val="accent1">
+              <a:shade val="50000"/>
+            </a:schemeClr>
+          </a:lnRef>
+          <a:fillRef idx="1">
+            <a:schemeClr val="accent1"/>
+          </a:fillRef>
+          <a:effectRef idx="0">
+            <a:schemeClr val="accent1"/>
+          </a:effectRef>
+          <a:fontRef idx="minor">
+            <a:schemeClr val="lt1"/>
+          </a:fontRef>
+        </p:style>
+        <p:txBody>
+          <a:bodyPr rtlCol="0" anchor="ctr"/>
+          <a:lstStyle/>
+          <a:p>
+            <a:pPr algn="ctr"/>
+            <a:endParaRPr lang="pl-PL"/>
+          </a:p>
+        </p:txBody>
+      </p:sp>
+      <p:sp>
+        <p:nvSpPr>
+          <p:cNvPr id="15" name="Prostokąt 14"/>
+          <p:cNvSpPr/>
+          <p:nvPr/>
+        </p:nvSpPr>
+        <p:spPr>
+          <a:xfrm>
+            <a:off x="475485" y="4775262"/>
+            <a:ext cx="1080000" cy="216000"/>
+          </a:xfrm>
+          <a:prstGeom prst="rect">
+            <a:avLst/>
+          </a:prstGeom>
+          <a:noFill/>
+          <a:ln>
+            <a:solidFill>
+              <a:srgbClr val="A61C00"/>
+            </a:solidFill>
+          </a:ln>
+        </p:spPr>
+        <p:style>
+          <a:lnRef idx="2">
+            <a:schemeClr val="accent1">
+              <a:shade val="50000"/>
+            </a:schemeClr>
+          </a:lnRef>
+          <a:fillRef idx="1">
+            <a:schemeClr val="accent1"/>
+          </a:fillRef>
+          <a:effectRef idx="0">
+            <a:schemeClr val="accent1"/>
+          </a:effectRef>
+          <a:fontRef idx="minor">
+            <a:schemeClr val="lt1"/>
+          </a:fontRef>
+        </p:style>
+        <p:txBody>
+          <a:bodyPr rtlCol="0" anchor="ctr"/>
+          <a:lstStyle/>
+          <a:p>
+            <a:pPr algn="ctr"/>
+            <a:endParaRPr lang="pl-PL"/>
+          </a:p>
+        </p:txBody>
+      </p:sp>
+      <p:sp>
+        <p:nvSpPr>
+          <p:cNvPr id="18" name="Prostokąt 17"/>
+          <p:cNvSpPr/>
+          <p:nvPr/>
+        </p:nvSpPr>
+        <p:spPr>
+          <a:xfrm>
+            <a:off x="493485" y="4019674"/>
+            <a:ext cx="1152000" cy="216000"/>
+          </a:xfrm>
+          <a:prstGeom prst="rect">
+            <a:avLst/>
+          </a:prstGeom>
+          <a:noFill/>
+          <a:ln>
+            <a:solidFill>
+              <a:srgbClr val="FF0000"/>
+            </a:solidFill>
+          </a:ln>
+        </p:spPr>
+        <p:style>
+          <a:lnRef idx="2">
+            <a:schemeClr val="accent1">
+              <a:shade val="50000"/>
+            </a:schemeClr>
+          </a:lnRef>
+          <a:fillRef idx="1">
+            <a:schemeClr val="accent1"/>
+          </a:fillRef>
+          <a:effectRef idx="0">
+            <a:schemeClr val="accent1"/>
+          </a:effectRef>
+          <a:fontRef idx="minor">
+            <a:schemeClr val="lt1"/>
+          </a:fontRef>
+        </p:style>
+        <p:txBody>
+          <a:bodyPr rtlCol="0" anchor="ctr"/>
+          <a:lstStyle/>
+          <a:p>
+            <a:pPr algn="ctr"/>
+            <a:endParaRPr lang="pl-PL"/>
+          </a:p>
+        </p:txBody>
+      </p:sp>
+      <p:sp>
+        <p:nvSpPr>
+          <p:cNvPr id="19" name="pole tekstowe 18"/>
+          <p:cNvSpPr txBox="1"/>
+          <p:nvPr/>
+        </p:nvSpPr>
+        <p:spPr>
+          <a:xfrm>
+            <a:off x="1680809" y="2140242"/>
+            <a:ext cx="619080" cy="276999"/>
+          </a:xfrm>
+          <a:prstGeom prst="rect">
+            <a:avLst/>
+          </a:prstGeom>
+          <a:solidFill>
+            <a:srgbClr val="FF0000"/>
+          </a:solidFill>
+        </p:spPr>
+        <p:txBody>
+          <a:bodyPr wrap="none" rtlCol="0">
+            <a:spAutoFit/>
+          </a:bodyPr>
+          <a:lstStyle/>
+          <a:p>
+            <a:r>
+              <a:rPr lang="pl-PL" sz="1200" dirty="0" smtClean="0">
+                <a:solidFill>
+                  <a:schemeClr val="tx1"/>
+                </a:solidFill>
+              </a:rPr>
+              <a:t>Remis</a:t>
+            </a:r>
+            <a:endParaRPr lang="pl-PL" sz="1200" dirty="0">
+              <a:solidFill>
+                <a:schemeClr val="tx1"/>
+              </a:solidFill>
+            </a:endParaRPr>
+          </a:p>
+        </p:txBody>
+      </p:sp>
+      <p:sp>
+        <p:nvSpPr>
+          <p:cNvPr id="21" name="pole tekstowe 20"/>
+          <p:cNvSpPr txBox="1"/>
+          <p:nvPr/>
+        </p:nvSpPr>
+        <p:spPr>
+          <a:xfrm>
+            <a:off x="1680809" y="1876993"/>
+            <a:ext cx="792205" cy="276999"/>
+          </a:xfrm>
+          <a:prstGeom prst="rect">
+            <a:avLst/>
+          </a:prstGeom>
+          <a:solidFill>
+            <a:srgbClr val="00B0F0"/>
+          </a:solidFill>
+        </p:spPr>
+        <p:txBody>
+          <a:bodyPr wrap="none" rtlCol="0">
+            <a:spAutoFit/>
+          </a:bodyPr>
+          <a:lstStyle/>
+          <a:p>
+            <a:r>
+              <a:rPr lang="pl-PL" sz="1200" dirty="0" smtClean="0">
+                <a:solidFill>
+                  <a:schemeClr val="tx1"/>
+                </a:solidFill>
+              </a:rPr>
+              <a:t>vs </a:t>
+            </a:r>
+            <a:r>
+              <a:rPr lang="pl-PL" sz="1200" dirty="0" err="1" smtClean="0">
+                <a:solidFill>
+                  <a:schemeClr val="tx1"/>
+                </a:solidFill>
+              </a:rPr>
+              <a:t>Water</a:t>
+            </a:r>
+            <a:endParaRPr lang="pl-PL" sz="1200" dirty="0" smtClean="0">
+              <a:solidFill>
+                <a:schemeClr val="tx1"/>
+              </a:solidFill>
+            </a:endParaRPr>
+          </a:p>
+        </p:txBody>
+      </p:sp>
+      <p:sp>
+        <p:nvSpPr>
+          <p:cNvPr id="23" name="pole tekstowe 22"/>
+          <p:cNvSpPr txBox="1"/>
+          <p:nvPr/>
+        </p:nvSpPr>
+        <p:spPr>
+          <a:xfrm>
+            <a:off x="1899270" y="3017585"/>
+            <a:ext cx="792205" cy="276999"/>
+          </a:xfrm>
+          <a:prstGeom prst="rect">
+            <a:avLst/>
+          </a:prstGeom>
+          <a:solidFill>
+            <a:srgbClr val="00B0F0"/>
+          </a:solidFill>
+        </p:spPr>
+        <p:txBody>
+          <a:bodyPr wrap="none" rtlCol="0">
+            <a:spAutoFit/>
+          </a:bodyPr>
+          <a:lstStyle/>
+          <a:p>
+            <a:r>
+              <a:rPr lang="pl-PL" sz="1200" dirty="0" smtClean="0">
+                <a:solidFill>
+                  <a:schemeClr val="tx1"/>
+                </a:solidFill>
+              </a:rPr>
+              <a:t>vs </a:t>
+            </a:r>
+            <a:r>
+              <a:rPr lang="pl-PL" sz="1200" dirty="0" err="1" smtClean="0">
+                <a:solidFill>
+                  <a:schemeClr val="tx1"/>
+                </a:solidFill>
+              </a:rPr>
+              <a:t>Water</a:t>
+            </a:r>
+            <a:endParaRPr lang="pl-PL" sz="1200" dirty="0" smtClean="0">
+              <a:solidFill>
+                <a:schemeClr val="tx1"/>
+              </a:solidFill>
+            </a:endParaRPr>
+          </a:p>
+        </p:txBody>
+      </p:sp>
+      <p:sp>
+        <p:nvSpPr>
+          <p:cNvPr id="24" name="pole tekstowe 23"/>
+          <p:cNvSpPr txBox="1"/>
+          <p:nvPr/>
+        </p:nvSpPr>
+        <p:spPr>
+          <a:xfrm>
+            <a:off x="1899270" y="3747470"/>
+            <a:ext cx="875561" cy="276999"/>
+          </a:xfrm>
+          <a:prstGeom prst="rect">
+            <a:avLst/>
+          </a:prstGeom>
+          <a:solidFill>
+            <a:srgbClr val="CC9900"/>
+          </a:solidFill>
+        </p:spPr>
+        <p:txBody>
+          <a:bodyPr wrap="none" rtlCol="0">
+            <a:spAutoFit/>
+          </a:bodyPr>
+          <a:lstStyle/>
+          <a:p>
+            <a:r>
+              <a:rPr lang="pl-PL" sz="1200" dirty="0" smtClean="0">
+                <a:solidFill>
+                  <a:schemeClr val="tx1"/>
+                </a:solidFill>
+              </a:rPr>
+              <a:t>vs </a:t>
+            </a:r>
+            <a:r>
+              <a:rPr lang="pl-PL" sz="1200" dirty="0" err="1" smtClean="0">
+                <a:solidFill>
+                  <a:schemeClr val="tx1"/>
+                </a:solidFill>
+              </a:rPr>
+              <a:t>Normal</a:t>
+            </a:r>
+            <a:endParaRPr lang="pl-PL" sz="1200" dirty="0" smtClean="0">
+              <a:solidFill>
+                <a:schemeClr val="tx1"/>
+              </a:solidFill>
+            </a:endParaRPr>
+          </a:p>
+        </p:txBody>
+      </p:sp>
+      <p:sp>
+        <p:nvSpPr>
+          <p:cNvPr id="25" name="pole tekstowe 24"/>
+          <p:cNvSpPr txBox="1"/>
+          <p:nvPr/>
+        </p:nvSpPr>
+        <p:spPr>
+          <a:xfrm>
+            <a:off x="1763816" y="4744456"/>
+            <a:ext cx="1055097" cy="276999"/>
+          </a:xfrm>
+          <a:prstGeom prst="rect">
+            <a:avLst/>
+          </a:prstGeom>
+          <a:solidFill>
+            <a:srgbClr val="A61C00"/>
+          </a:solidFill>
+        </p:spPr>
+        <p:txBody>
+          <a:bodyPr wrap="none" rtlCol="0">
+            <a:spAutoFit/>
+          </a:bodyPr>
+          <a:lstStyle/>
+          <a:p>
+            <a:r>
+              <a:rPr lang="pl-PL" sz="1200" dirty="0" smtClean="0">
+                <a:solidFill>
+                  <a:schemeClr val="tx1"/>
+                </a:solidFill>
+              </a:rPr>
+              <a:t>Wytypowany</a:t>
+            </a:r>
+          </a:p>
+        </p:txBody>
+      </p:sp>
+      <p:sp>
+        <p:nvSpPr>
+          <p:cNvPr id="26" name="pole tekstowe 25"/>
+          <p:cNvSpPr txBox="1"/>
+          <p:nvPr/>
+        </p:nvSpPr>
+        <p:spPr>
+          <a:xfrm>
+            <a:off x="1687356" y="2412439"/>
+            <a:ext cx="1055097" cy="276999"/>
+          </a:xfrm>
+          <a:prstGeom prst="rect">
+            <a:avLst/>
+          </a:prstGeom>
+          <a:solidFill>
+            <a:srgbClr val="A61C00"/>
+          </a:solidFill>
+        </p:spPr>
+        <p:txBody>
+          <a:bodyPr wrap="none" rtlCol="0">
+            <a:spAutoFit/>
+          </a:bodyPr>
+          <a:lstStyle/>
+          <a:p>
+            <a:r>
+              <a:rPr lang="pl-PL" sz="1200" dirty="0" smtClean="0">
+                <a:solidFill>
+                  <a:schemeClr val="tx1"/>
+                </a:solidFill>
+              </a:rPr>
+              <a:t>Wytypowany</a:t>
+            </a:r>
+          </a:p>
+        </p:txBody>
+      </p:sp>
+      <p:sp>
+        <p:nvSpPr>
+          <p:cNvPr id="28" name="pole tekstowe 27"/>
+          <p:cNvSpPr txBox="1"/>
+          <p:nvPr/>
+        </p:nvSpPr>
+        <p:spPr>
+          <a:xfrm>
+            <a:off x="1899270" y="4019673"/>
+            <a:ext cx="619080" cy="276999"/>
+          </a:xfrm>
+          <a:prstGeom prst="rect">
+            <a:avLst/>
+          </a:prstGeom>
+          <a:solidFill>
+            <a:srgbClr val="FF0000"/>
+          </a:solidFill>
+        </p:spPr>
+        <p:txBody>
+          <a:bodyPr wrap="none" rtlCol="0">
+            <a:spAutoFit/>
+          </a:bodyPr>
+          <a:lstStyle/>
+          <a:p>
+            <a:r>
+              <a:rPr lang="pl-PL" sz="1200" dirty="0" smtClean="0">
+                <a:solidFill>
+                  <a:schemeClr val="tx1"/>
+                </a:solidFill>
+              </a:rPr>
+              <a:t>Remis</a:t>
+            </a:r>
+            <a:endParaRPr lang="pl-PL" sz="1200" dirty="0">
+              <a:solidFill>
+                <a:schemeClr val="tx1"/>
+              </a:solidFill>
+            </a:endParaRPr>
+          </a:p>
+        </p:txBody>
+      </p:sp>
+      <p:pic>
+        <p:nvPicPr>
+          <p:cNvPr id="29" name="Obraz 28"/>
+          <p:cNvPicPr>
+            <a:picLocks noChangeAspect="1"/>
+          </p:cNvPicPr>
+          <p:nvPr/>
+        </p:nvPicPr>
+        <p:blipFill>
+          <a:blip r:embed="rId3"/>
+          <a:stretch>
+            <a:fillRect/>
+          </a:stretch>
+        </p:blipFill>
+        <p:spPr>
+          <a:xfrm>
+            <a:off x="3556991" y="1458926"/>
+            <a:ext cx="1444106" cy="3600000"/>
+          </a:xfrm>
+          <a:prstGeom prst="rect">
+            <a:avLst/>
+          </a:prstGeom>
+        </p:spPr>
+      </p:pic>
+      <p:sp>
+        <p:nvSpPr>
+          <p:cNvPr id="30" name="pole tekstowe 29"/>
+          <p:cNvSpPr txBox="1"/>
+          <p:nvPr/>
+        </p:nvSpPr>
+        <p:spPr>
+          <a:xfrm>
+            <a:off x="3556991" y="1151149"/>
+            <a:ext cx="1625766" cy="307777"/>
+          </a:xfrm>
+          <a:prstGeom prst="rect">
+            <a:avLst/>
+          </a:prstGeom>
+          <a:noFill/>
+        </p:spPr>
+        <p:txBody>
+          <a:bodyPr wrap="none" rtlCol="0">
+            <a:spAutoFit/>
+          </a:bodyPr>
+          <a:lstStyle/>
+          <a:p>
+            <a:r>
+              <a:rPr lang="pl-PL" b="1" dirty="0" smtClean="0">
+                <a:solidFill>
+                  <a:srgbClr val="A61C00"/>
+                </a:solidFill>
+              </a:rPr>
+              <a:t>98,85% populacji</a:t>
+            </a:r>
+            <a:endParaRPr lang="pl-PL" b="1" dirty="0">
+              <a:solidFill>
+                <a:srgbClr val="A61C00"/>
+              </a:solidFill>
+            </a:endParaRPr>
+          </a:p>
+        </p:txBody>
+      </p:sp>
+      <p:sp>
+        <p:nvSpPr>
+          <p:cNvPr id="31" name="Prostokąt 30"/>
+          <p:cNvSpPr/>
+          <p:nvPr/>
+        </p:nvSpPr>
+        <p:spPr>
+          <a:xfrm>
+            <a:off x="3730116" y="1881313"/>
+            <a:ext cx="972000" cy="216000"/>
+          </a:xfrm>
+          <a:prstGeom prst="rect">
+            <a:avLst/>
+          </a:prstGeom>
+          <a:noFill/>
+          <a:ln>
+            <a:solidFill>
+              <a:srgbClr val="00B0F0"/>
+            </a:solidFill>
+          </a:ln>
+        </p:spPr>
+        <p:style>
+          <a:lnRef idx="2">
+            <a:schemeClr val="accent1">
+              <a:shade val="50000"/>
+            </a:schemeClr>
+          </a:lnRef>
+          <a:fillRef idx="1">
+            <a:schemeClr val="accent1"/>
+          </a:fillRef>
+          <a:effectRef idx="0">
+            <a:schemeClr val="accent1"/>
+          </a:effectRef>
+          <a:fontRef idx="minor">
+            <a:schemeClr val="lt1"/>
+          </a:fontRef>
+        </p:style>
+        <p:txBody>
+          <a:bodyPr rtlCol="0" anchor="ctr"/>
+          <a:lstStyle/>
+          <a:p>
+            <a:pPr algn="ctr"/>
+            <a:endParaRPr lang="pl-PL"/>
+          </a:p>
+        </p:txBody>
+      </p:sp>
+      <p:sp>
+        <p:nvSpPr>
+          <p:cNvPr id="32" name="Prostokąt 31"/>
+          <p:cNvSpPr/>
+          <p:nvPr/>
+        </p:nvSpPr>
+        <p:spPr>
+          <a:xfrm>
+            <a:off x="3730116" y="2097313"/>
+            <a:ext cx="975563" cy="362858"/>
+          </a:xfrm>
+          <a:prstGeom prst="rect">
+            <a:avLst/>
+          </a:prstGeom>
+          <a:noFill/>
+          <a:ln>
+            <a:solidFill>
+              <a:srgbClr val="FF0000"/>
+            </a:solidFill>
+          </a:ln>
+        </p:spPr>
+        <p:style>
+          <a:lnRef idx="2">
+            <a:schemeClr val="accent1">
+              <a:shade val="50000"/>
+            </a:schemeClr>
+          </a:lnRef>
+          <a:fillRef idx="1">
+            <a:schemeClr val="accent1"/>
+          </a:fillRef>
+          <a:effectRef idx="0">
+            <a:schemeClr val="accent1"/>
+          </a:effectRef>
+          <a:fontRef idx="minor">
+            <a:schemeClr val="lt1"/>
+          </a:fontRef>
+        </p:style>
+        <p:txBody>
+          <a:bodyPr rtlCol="0" anchor="ctr"/>
+          <a:lstStyle/>
+          <a:p>
+            <a:pPr algn="ctr"/>
+            <a:endParaRPr lang="pl-PL"/>
+          </a:p>
+        </p:txBody>
+      </p:sp>
+      <p:sp>
+        <p:nvSpPr>
+          <p:cNvPr id="33" name="Prostokąt 32"/>
+          <p:cNvSpPr/>
+          <p:nvPr/>
+        </p:nvSpPr>
+        <p:spPr>
+          <a:xfrm>
+            <a:off x="3730116" y="3042926"/>
+            <a:ext cx="1224000" cy="216000"/>
+          </a:xfrm>
+          <a:prstGeom prst="rect">
+            <a:avLst/>
+          </a:prstGeom>
+          <a:noFill/>
+          <a:ln>
+            <a:solidFill>
+              <a:srgbClr val="00B0F0"/>
+            </a:solidFill>
+          </a:ln>
+        </p:spPr>
+        <p:style>
+          <a:lnRef idx="2">
+            <a:schemeClr val="accent1">
+              <a:shade val="50000"/>
+            </a:schemeClr>
+          </a:lnRef>
+          <a:fillRef idx="1">
+            <a:schemeClr val="accent1"/>
+          </a:fillRef>
+          <a:effectRef idx="0">
+            <a:schemeClr val="accent1"/>
+          </a:effectRef>
+          <a:fontRef idx="minor">
+            <a:schemeClr val="lt1"/>
+          </a:fontRef>
+        </p:style>
+        <p:txBody>
+          <a:bodyPr rtlCol="0" anchor="ctr"/>
+          <a:lstStyle/>
+          <a:p>
+            <a:pPr algn="ctr"/>
+            <a:endParaRPr lang="pl-PL"/>
+          </a:p>
+        </p:txBody>
+      </p:sp>
+      <p:sp>
+        <p:nvSpPr>
+          <p:cNvPr id="34" name="Prostokąt 33"/>
+          <p:cNvSpPr/>
+          <p:nvPr/>
+        </p:nvSpPr>
+        <p:spPr>
+          <a:xfrm>
+            <a:off x="3732791" y="4010278"/>
+            <a:ext cx="1152000" cy="216000"/>
+          </a:xfrm>
+          <a:prstGeom prst="rect">
+            <a:avLst/>
+          </a:prstGeom>
+          <a:noFill/>
+          <a:ln>
+            <a:solidFill>
+              <a:srgbClr val="FF0000"/>
+            </a:solidFill>
+          </a:ln>
+        </p:spPr>
+        <p:style>
+          <a:lnRef idx="2">
+            <a:schemeClr val="accent1">
+              <a:shade val="50000"/>
+            </a:schemeClr>
+          </a:lnRef>
+          <a:fillRef idx="1">
+            <a:schemeClr val="accent1"/>
+          </a:fillRef>
+          <a:effectRef idx="0">
+            <a:schemeClr val="accent1"/>
+          </a:effectRef>
+          <a:fontRef idx="minor">
+            <a:schemeClr val="lt1"/>
+          </a:fontRef>
+        </p:style>
+        <p:txBody>
+          <a:bodyPr rtlCol="0" anchor="ctr"/>
+          <a:lstStyle/>
+          <a:p>
+            <a:pPr algn="ctr"/>
+            <a:endParaRPr lang="pl-PL"/>
+          </a:p>
+        </p:txBody>
+      </p:sp>
+      <p:sp>
+        <p:nvSpPr>
+          <p:cNvPr id="36" name="pole tekstowe 35"/>
+          <p:cNvSpPr txBox="1"/>
+          <p:nvPr/>
+        </p:nvSpPr>
+        <p:spPr>
+          <a:xfrm>
+            <a:off x="6620622" y="1151149"/>
+            <a:ext cx="1451038" cy="1815882"/>
+          </a:xfrm>
+          <a:prstGeom prst="rect">
+            <a:avLst/>
+          </a:prstGeom>
+          <a:noFill/>
+        </p:spPr>
+        <p:txBody>
+          <a:bodyPr wrap="none" rtlCol="0">
+            <a:spAutoFit/>
+          </a:bodyPr>
+          <a:lstStyle/>
+          <a:p>
+            <a:r>
+              <a:rPr lang="pl-PL" b="1" dirty="0" smtClean="0">
+                <a:solidFill>
+                  <a:srgbClr val="A61C00"/>
+                </a:solidFill>
+              </a:rPr>
+              <a:t>OSTATECZNIE</a:t>
+            </a:r>
+          </a:p>
+          <a:p>
+            <a:endParaRPr lang="pl-PL" b="1" dirty="0" smtClean="0">
+              <a:solidFill>
+                <a:srgbClr val="A61C00"/>
+              </a:solidFill>
+            </a:endParaRPr>
+          </a:p>
+          <a:p>
+            <a:pPr lvl="2"/>
+            <a:r>
+              <a:rPr lang="pl-PL" dirty="0" smtClean="0"/>
+              <a:t>Grass</a:t>
+            </a:r>
+          </a:p>
+          <a:p>
+            <a:pPr lvl="2"/>
+            <a:r>
+              <a:rPr lang="pl-PL" dirty="0" smtClean="0"/>
+              <a:t>Rock</a:t>
+            </a:r>
+          </a:p>
+          <a:p>
+            <a:pPr lvl="2"/>
+            <a:r>
+              <a:rPr lang="pl-PL" dirty="0" err="1" smtClean="0"/>
+              <a:t>Fire</a:t>
+            </a:r>
+            <a:endParaRPr lang="pl-PL" dirty="0" smtClean="0"/>
+          </a:p>
+          <a:p>
+            <a:pPr lvl="2"/>
+            <a:r>
+              <a:rPr lang="pl-PL" dirty="0" err="1" smtClean="0"/>
+              <a:t>Ground</a:t>
+            </a:r>
+            <a:endParaRPr lang="pl-PL" dirty="0" smtClean="0"/>
+          </a:p>
+          <a:p>
+            <a:pPr lvl="2"/>
+            <a:r>
+              <a:rPr lang="pl-PL" dirty="0" err="1" smtClean="0"/>
+              <a:t>Fighting</a:t>
+            </a:r>
+            <a:endParaRPr lang="pl-PL" dirty="0" smtClean="0"/>
+          </a:p>
+          <a:p>
+            <a:pPr lvl="2"/>
+            <a:r>
+              <a:rPr lang="pl-PL" dirty="0" smtClean="0"/>
+              <a:t>Flying</a:t>
+            </a:r>
+            <a:endParaRPr lang="pl-PL" dirty="0"/>
+          </a:p>
+        </p:txBody>
+      </p:sp>
+    </p:spTree>
+    <p:extLst>
+      <p:ext uri="{BB962C8B-B14F-4D97-AF65-F5344CB8AC3E}">
+        <p14:creationId xmlns:p14="http://schemas.microsoft.com/office/powerpoint/2010/main" val="857442298"/>
+      </p:ext>
+    </p:extLst>
+  </p:cSld>
+  <p:clrMapOvr>
+    <a:masterClrMapping/>
+  </p:clrMapOvr>
+  <p:timing>
+    <p:tnLst>
+      <p:par>
+        <p:cTn id="1" dur="indefinite" restart="never" nodeType="tmRoot"/>
+      </p:par>
+    </p:tnLst>
+  </p:timing>
+</p:sld>
+</file>
+
+<file path=ppt/slides/slide16.xml><?xml version="1.0" encoding="utf-8"?>
+<p:sld xmlns:a="http://schemas.openxmlformats.org/drawingml/2006/main" xmlns:r="http://schemas.openxmlformats.org/officeDocument/2006/relationships" xmlns:p="http://schemas.openxmlformats.org/presentationml/2006/main">
+  <p:cSld>
+    <p:spTree>
+      <p:nvGrpSpPr>
+        <p:cNvPr id="1" name=""/>
+        <p:cNvGrpSpPr/>
+        <p:nvPr/>
+      </p:nvGrpSpPr>
+      <p:grpSpPr>
+        <a:xfrm>
+          <a:off x="0" y="0"/>
+          <a:ext cx="0" cy="0"/>
+          <a:chOff x="0" y="0"/>
+          <a:chExt cx="0" cy="0"/>
+        </a:xfrm>
+      </p:grpSpPr>
+      <p:sp>
+        <p:nvSpPr>
+          <p:cNvPr id="2" name="Tytuł 1"/>
+          <p:cNvSpPr>
+            <a:spLocks noGrp="1"/>
+          </p:cNvSpPr>
+          <p:nvPr>
+            <p:ph type="title"/>
+          </p:nvPr>
+        </p:nvSpPr>
+        <p:spPr/>
+        <p:txBody>
+          <a:bodyPr/>
+          <a:lstStyle/>
+          <a:p>
+            <a:r>
+              <a:rPr lang="pl-PL" dirty="0">
+                <a:solidFill>
+                  <a:srgbClr val="A61C00"/>
+                </a:solidFill>
+              </a:rPr>
+              <a:t>DRUŻYNA OFENSYWNA</a:t>
+            </a:r>
+            <a:endParaRPr lang="pl-PL" dirty="0"/>
+          </a:p>
+        </p:txBody>
+      </p:sp>
+      <p:pic>
+        <p:nvPicPr>
+          <p:cNvPr id="4" name="Obraz 3"/>
+          <p:cNvPicPr>
+            <a:picLocks noChangeAspect="1"/>
+          </p:cNvPicPr>
+          <p:nvPr/>
+        </p:nvPicPr>
+        <p:blipFill>
+          <a:blip r:embed="rId2"/>
+          <a:stretch>
+            <a:fillRect/>
+          </a:stretch>
+        </p:blipFill>
+        <p:spPr>
+          <a:xfrm>
+            <a:off x="0" y="1152475"/>
+            <a:ext cx="9144000" cy="2141034"/>
+          </a:xfrm>
+          <a:prstGeom prst="rect">
+            <a:avLst/>
+          </a:prstGeom>
+        </p:spPr>
+      </p:pic>
+      <p:pic>
+        <p:nvPicPr>
+          <p:cNvPr id="5" name="Obraz 4"/>
+          <p:cNvPicPr>
+            <a:picLocks noChangeAspect="1"/>
+          </p:cNvPicPr>
+          <p:nvPr/>
+        </p:nvPicPr>
+        <p:blipFill>
+          <a:blip r:embed="rId3">
+            <a:extLst>
+              <a:ext uri="{28A0092B-C50C-407E-A947-70E740481C1C}">
+                <a14:useLocalDpi xmlns:a14="http://schemas.microsoft.com/office/drawing/2010/main" val="0"/>
+              </a:ext>
+            </a:extLst>
+          </a:blip>
+          <a:stretch>
+            <a:fillRect/>
+          </a:stretch>
+        </p:blipFill>
+        <p:spPr>
+          <a:xfrm>
+            <a:off x="0" y="3428259"/>
+            <a:ext cx="1440000" cy="1440000"/>
+          </a:xfrm>
+          <a:prstGeom prst="rect">
+            <a:avLst/>
+          </a:prstGeom>
+        </p:spPr>
+      </p:pic>
+      <p:pic>
+        <p:nvPicPr>
+          <p:cNvPr id="1028" name="Picture 4" descr="https://vignette.wikia.nocookie.net/pokemony/images/1/17/Flareon.png/revision/latest/scale-to-width-down/350?cb=20150825190204&amp;path-prefix=pl"/>
+          <p:cNvPicPr>
+            <a:picLocks noChangeAspect="1" noChangeArrowheads="1"/>
+          </p:cNvPicPr>
+          <p:nvPr/>
+        </p:nvPicPr>
+        <p:blipFill>
+          <a:blip r:embed="rId4">
+            <a:extLst>
+              <a:ext uri="{28A0092B-C50C-407E-A947-70E740481C1C}">
+                <a14:useLocalDpi xmlns:a14="http://schemas.microsoft.com/office/drawing/2010/main" val="0"/>
+              </a:ext>
+            </a:extLst>
+          </a:blip>
+          <a:srcRect/>
+          <a:stretch>
+            <a:fillRect/>
+          </a:stretch>
+        </p:blipFill>
+        <p:spPr bwMode="auto">
+          <a:xfrm>
+            <a:off x="1440343" y="3428259"/>
+            <a:ext cx="1440000" cy="1440000"/>
+          </a:xfrm>
+          <a:prstGeom prst="rect">
+            <a:avLst/>
+          </a:prstGeom>
+          <a:noFill/>
+          <a:extLst>
+            <a:ext uri="{909E8E84-426E-40DD-AFC4-6F175D3DCCD1}">
+              <a14:hiddenFill xmlns:a14="http://schemas.microsoft.com/office/drawing/2010/main">
+                <a:solidFill>
+                  <a:srgbClr val="FFFFFF"/>
+                </a:solidFill>
+              </a14:hiddenFill>
+            </a:ext>
+          </a:extLst>
+        </p:spPr>
+      </p:pic>
+      <p:pic>
+        <p:nvPicPr>
+          <p:cNvPr id="1030" name="Picture 6" descr="Noivern"/>
+          <p:cNvPicPr>
+            <a:picLocks noChangeAspect="1" noChangeArrowheads="1"/>
+          </p:cNvPicPr>
+          <p:nvPr/>
+        </p:nvPicPr>
+        <p:blipFill>
+          <a:blip r:embed="rId5">
+            <a:extLst>
+              <a:ext uri="{28A0092B-C50C-407E-A947-70E740481C1C}">
+                <a14:useLocalDpi xmlns:a14="http://schemas.microsoft.com/office/drawing/2010/main" val="0"/>
+              </a:ext>
+            </a:extLst>
+          </a:blip>
+          <a:srcRect/>
+          <a:stretch>
+            <a:fillRect/>
+          </a:stretch>
+        </p:blipFill>
+        <p:spPr bwMode="auto">
+          <a:xfrm>
+            <a:off x="3063086" y="3428259"/>
+            <a:ext cx="1440000" cy="1440000"/>
+          </a:xfrm>
+          <a:prstGeom prst="rect">
+            <a:avLst/>
+          </a:prstGeom>
+          <a:noFill/>
+          <a:extLst>
+            <a:ext uri="{909E8E84-426E-40DD-AFC4-6F175D3DCCD1}">
+              <a14:hiddenFill xmlns:a14="http://schemas.microsoft.com/office/drawing/2010/main">
+                <a:solidFill>
+                  <a:srgbClr val="FFFFFF"/>
+                </a:solidFill>
+              </a14:hiddenFill>
+            </a:ext>
+          </a:extLst>
+        </p:spPr>
+      </p:pic>
+      <p:pic>
+        <p:nvPicPr>
+          <p:cNvPr id="1032" name="Picture 8" descr="Breloom"/>
+          <p:cNvPicPr>
+            <a:picLocks noChangeAspect="1" noChangeArrowheads="1"/>
+          </p:cNvPicPr>
+          <p:nvPr/>
+        </p:nvPicPr>
+        <p:blipFill>
+          <a:blip r:embed="rId6">
+            <a:extLst>
+              <a:ext uri="{28A0092B-C50C-407E-A947-70E740481C1C}">
+                <a14:useLocalDpi xmlns:a14="http://schemas.microsoft.com/office/drawing/2010/main" val="0"/>
+              </a:ext>
+            </a:extLst>
+          </a:blip>
+          <a:srcRect/>
+          <a:stretch>
+            <a:fillRect/>
+          </a:stretch>
+        </p:blipFill>
+        <p:spPr bwMode="auto">
+          <a:xfrm>
+            <a:off x="4498172" y="3428259"/>
+            <a:ext cx="1440000" cy="1440000"/>
+          </a:xfrm>
+          <a:prstGeom prst="rect">
+            <a:avLst/>
+          </a:prstGeom>
+          <a:noFill/>
+          <a:extLst>
+            <a:ext uri="{909E8E84-426E-40DD-AFC4-6F175D3DCCD1}">
+              <a14:hiddenFill xmlns:a14="http://schemas.microsoft.com/office/drawing/2010/main">
+                <a:solidFill>
+                  <a:srgbClr val="FFFFFF"/>
+                </a:solidFill>
+              </a14:hiddenFill>
+            </a:ext>
+          </a:extLst>
+        </p:spPr>
+      </p:pic>
+      <p:pic>
+        <p:nvPicPr>
+          <p:cNvPr id="1034" name="Picture 10" descr="Groudon"/>
+          <p:cNvPicPr>
+            <a:picLocks noChangeAspect="1" noChangeArrowheads="1"/>
+          </p:cNvPicPr>
+          <p:nvPr/>
+        </p:nvPicPr>
+        <p:blipFill>
+          <a:blip r:embed="rId7">
+            <a:extLst>
+              <a:ext uri="{28A0092B-C50C-407E-A947-70E740481C1C}">
+                <a14:useLocalDpi xmlns:a14="http://schemas.microsoft.com/office/drawing/2010/main" val="0"/>
+              </a:ext>
+            </a:extLst>
+          </a:blip>
+          <a:srcRect/>
+          <a:stretch>
+            <a:fillRect/>
+          </a:stretch>
+        </p:blipFill>
+        <p:spPr bwMode="auto">
+          <a:xfrm>
+            <a:off x="5938172" y="3428259"/>
+            <a:ext cx="1440000" cy="1440000"/>
+          </a:xfrm>
+          <a:prstGeom prst="rect">
+            <a:avLst/>
+          </a:prstGeom>
+          <a:noFill/>
+          <a:extLst>
+            <a:ext uri="{909E8E84-426E-40DD-AFC4-6F175D3DCCD1}">
+              <a14:hiddenFill xmlns:a14="http://schemas.microsoft.com/office/drawing/2010/main">
+                <a:solidFill>
+                  <a:srgbClr val="FFFFFF"/>
+                </a:solidFill>
+              </a14:hiddenFill>
+            </a:ext>
+          </a:extLst>
+        </p:spPr>
+      </p:pic>
+      <p:pic>
+        <p:nvPicPr>
+          <p:cNvPr id="1036" name="Picture 12" descr="Tyranitar"/>
+          <p:cNvPicPr>
+            <a:picLocks noChangeAspect="1" noChangeArrowheads="1"/>
+          </p:cNvPicPr>
+          <p:nvPr/>
+        </p:nvPicPr>
+        <p:blipFill>
+          <a:blip r:embed="rId8">
+            <a:extLst>
+              <a:ext uri="{28A0092B-C50C-407E-A947-70E740481C1C}">
+                <a14:useLocalDpi xmlns:a14="http://schemas.microsoft.com/office/drawing/2010/main" val="0"/>
+              </a:ext>
+            </a:extLst>
+          </a:blip>
+          <a:srcRect/>
+          <a:stretch>
+            <a:fillRect/>
+          </a:stretch>
+        </p:blipFill>
+        <p:spPr bwMode="auto">
+          <a:xfrm>
+            <a:off x="7601403" y="3428259"/>
+            <a:ext cx="1440000" cy="1440000"/>
+          </a:xfrm>
+          <a:prstGeom prst="rect">
+            <a:avLst/>
+          </a:prstGeom>
+          <a:noFill/>
+          <a:extLst>
+            <a:ext uri="{909E8E84-426E-40DD-AFC4-6F175D3DCCD1}">
+              <a14:hiddenFill xmlns:a14="http://schemas.microsoft.com/office/drawing/2010/main">
+                <a:solidFill>
+                  <a:srgbClr val="FFFFFF"/>
+                </a:solidFill>
+              </a14:hiddenFill>
+            </a:ext>
+          </a:extLst>
+        </p:spPr>
+      </p:pic>
+    </p:spTree>
+    <p:extLst>
+      <p:ext uri="{BB962C8B-B14F-4D97-AF65-F5344CB8AC3E}">
+        <p14:creationId xmlns:p14="http://schemas.microsoft.com/office/powerpoint/2010/main" val="2696547570"/>
+      </p:ext>
+    </p:extLst>
+  </p:cSld>
+  <p:clrMapOvr>
+    <a:masterClrMapping/>
+  </p:clrMapOvr>
+  <p:timing>
+    <p:tnLst>
+      <p:par>
+        <p:cTn id="1" dur="indefinite" restart="never" nodeType="tmRoot">
+          <p:childTnLst>
+            <p:seq concurrent="1" nextAc="seek">
+              <p:cTn id="2" dur="indefinite" nodeType="mainSeq">
+                <p:childTnLst>
+                  <p:par>
+                    <p:cTn id="3" fill="hold">
+                      <p:stCondLst>
+                        <p:cond delay="indefinite"/>
+                      </p:stCondLst>
+                      <p:childTnLst>
+                        <p:par>
+                          <p:cTn id="4" fill="hold">
+                            <p:stCondLst>
+                              <p:cond delay="0"/>
+                            </p:stCondLst>
+                            <p:childTnLst>
+                              <p:par>
+                                <p:cTn id="5" presetID="2" presetClass="entr" presetSubtype="2" fill="hold" nodeType="clickEffect">
+                                  <p:stCondLst>
+                                    <p:cond delay="0"/>
+                                  </p:stCondLst>
+                                  <p:childTnLst>
+                                    <p:set>
+                                      <p:cBhvr>
+                                        <p:cTn id="6" dur="1" fill="hold">
+                                          <p:stCondLst>
+                                            <p:cond delay="0"/>
+                                          </p:stCondLst>
+                                        </p:cTn>
+                                        <p:tgtEl>
+                                          <p:spTgt spid="5"/>
+                                        </p:tgtEl>
+                                        <p:attrNameLst>
+                                          <p:attrName>style.visibility</p:attrName>
+                                        </p:attrNameLst>
+                                      </p:cBhvr>
+                                      <p:to>
+                                        <p:strVal val="visible"/>
+                                      </p:to>
+                                    </p:set>
+                                    <p:anim calcmode="lin" valueType="num">
+                                      <p:cBhvr additive="base">
+                                        <p:cTn id="7" dur="500" fill="hold"/>
+                                        <p:tgtEl>
+                                          <p:spTgt spid="5"/>
+                                        </p:tgtEl>
+                                        <p:attrNameLst>
+                                          <p:attrName>ppt_x</p:attrName>
+                                        </p:attrNameLst>
+                                      </p:cBhvr>
+                                      <p:tavLst>
+                                        <p:tav tm="0">
+                                          <p:val>
+                                            <p:strVal val="1+#ppt_w/2"/>
+                                          </p:val>
+                                        </p:tav>
+                                        <p:tav tm="100000">
+                                          <p:val>
+                                            <p:strVal val="#ppt_x"/>
+                                          </p:val>
+                                        </p:tav>
+                                      </p:tavLst>
+                                    </p:anim>
+                                    <p:anim calcmode="lin" valueType="num">
+                                      <p:cBhvr additive="base">
+                                        <p:cTn id="8" dur="500" fill="hold"/>
+                                        <p:tgtEl>
+                                          <p:spTgt spid="5"/>
+                                        </p:tgtEl>
+                                        <p:attrNameLst>
+                                          <p:attrName>ppt_y</p:attrName>
+                                        </p:attrNameLst>
+                                      </p:cBhvr>
+                                      <p:tavLst>
+                                        <p:tav tm="0">
+                                          <p:val>
+                                            <p:strVal val="#ppt_y"/>
+                                          </p:val>
+                                        </p:tav>
+                                        <p:tav tm="100000">
+                                          <p:val>
+                                            <p:strVal val="#ppt_y"/>
+                                          </p:val>
+                                        </p:tav>
+                                      </p:tavLst>
+                                    </p:anim>
+                                  </p:childTnLst>
+                                </p:cTn>
+                              </p:par>
+                            </p:childTnLst>
+                          </p:cTn>
+                        </p:par>
+                        <p:par>
+                          <p:cTn id="9" fill="hold">
+                            <p:stCondLst>
+                              <p:cond delay="500"/>
+                            </p:stCondLst>
+                            <p:childTnLst>
+                              <p:par>
+                                <p:cTn id="10" presetID="2" presetClass="entr" presetSubtype="2" fill="hold" nodeType="afterEffect">
+                                  <p:stCondLst>
+                                    <p:cond delay="0"/>
+                                  </p:stCondLst>
+                                  <p:childTnLst>
+                                    <p:set>
+                                      <p:cBhvr>
+                                        <p:cTn id="11" dur="1" fill="hold">
+                                          <p:stCondLst>
+                                            <p:cond delay="0"/>
+                                          </p:stCondLst>
+                                        </p:cTn>
+                                        <p:tgtEl>
+                                          <p:spTgt spid="1028"/>
+                                        </p:tgtEl>
+                                        <p:attrNameLst>
+                                          <p:attrName>style.visibility</p:attrName>
+                                        </p:attrNameLst>
+                                      </p:cBhvr>
+                                      <p:to>
+                                        <p:strVal val="visible"/>
+                                      </p:to>
+                                    </p:set>
+                                    <p:anim calcmode="lin" valueType="num">
+                                      <p:cBhvr additive="base">
+                                        <p:cTn id="12" dur="500" fill="hold"/>
+                                        <p:tgtEl>
+                                          <p:spTgt spid="1028"/>
+                                        </p:tgtEl>
+                                        <p:attrNameLst>
+                                          <p:attrName>ppt_x</p:attrName>
+                                        </p:attrNameLst>
+                                      </p:cBhvr>
+                                      <p:tavLst>
+                                        <p:tav tm="0">
+                                          <p:val>
+                                            <p:strVal val="1+#ppt_w/2"/>
+                                          </p:val>
+                                        </p:tav>
+                                        <p:tav tm="100000">
+                                          <p:val>
+                                            <p:strVal val="#ppt_x"/>
+                                          </p:val>
+                                        </p:tav>
+                                      </p:tavLst>
+                                    </p:anim>
+                                    <p:anim calcmode="lin" valueType="num">
+                                      <p:cBhvr additive="base">
+                                        <p:cTn id="13" dur="500" fill="hold"/>
+                                        <p:tgtEl>
+                                          <p:spTgt spid="1028"/>
+                                        </p:tgtEl>
+                                        <p:attrNameLst>
+                                          <p:attrName>ppt_y</p:attrName>
+                                        </p:attrNameLst>
+                                      </p:cBhvr>
+                                      <p:tavLst>
+                                        <p:tav tm="0">
+                                          <p:val>
+                                            <p:strVal val="#ppt_y"/>
+                                          </p:val>
+                                        </p:tav>
+                                        <p:tav tm="100000">
+                                          <p:val>
+                                            <p:strVal val="#ppt_y"/>
+                                          </p:val>
+                                        </p:tav>
+                                      </p:tavLst>
+                                    </p:anim>
+                                  </p:childTnLst>
+                                </p:cTn>
+                              </p:par>
+                            </p:childTnLst>
+                          </p:cTn>
+                        </p:par>
+                        <p:par>
+                          <p:cTn id="14" fill="hold">
+                            <p:stCondLst>
+                              <p:cond delay="1000"/>
+                            </p:stCondLst>
+                            <p:childTnLst>
+                              <p:par>
+                                <p:cTn id="15" presetID="2" presetClass="entr" presetSubtype="2" fill="hold" nodeType="afterEffect">
+                                  <p:stCondLst>
+                                    <p:cond delay="0"/>
+                                  </p:stCondLst>
+                                  <p:childTnLst>
+                                    <p:set>
+                                      <p:cBhvr>
+                                        <p:cTn id="16" dur="1" fill="hold">
+                                          <p:stCondLst>
+                                            <p:cond delay="0"/>
+                                          </p:stCondLst>
+                                        </p:cTn>
+                                        <p:tgtEl>
+                                          <p:spTgt spid="1030"/>
+                                        </p:tgtEl>
+                                        <p:attrNameLst>
+                                          <p:attrName>style.visibility</p:attrName>
+                                        </p:attrNameLst>
+                                      </p:cBhvr>
+                                      <p:to>
+                                        <p:strVal val="visible"/>
+                                      </p:to>
+                                    </p:set>
+                                    <p:anim calcmode="lin" valueType="num">
+                                      <p:cBhvr additive="base">
+                                        <p:cTn id="17" dur="500" fill="hold"/>
+                                        <p:tgtEl>
+                                          <p:spTgt spid="1030"/>
+                                        </p:tgtEl>
+                                        <p:attrNameLst>
+                                          <p:attrName>ppt_x</p:attrName>
+                                        </p:attrNameLst>
+                                      </p:cBhvr>
+                                      <p:tavLst>
+                                        <p:tav tm="0">
+                                          <p:val>
+                                            <p:strVal val="1+#ppt_w/2"/>
+                                          </p:val>
+                                        </p:tav>
+                                        <p:tav tm="100000">
+                                          <p:val>
+                                            <p:strVal val="#ppt_x"/>
+                                          </p:val>
+                                        </p:tav>
+                                      </p:tavLst>
+                                    </p:anim>
+                                    <p:anim calcmode="lin" valueType="num">
+                                      <p:cBhvr additive="base">
+                                        <p:cTn id="18" dur="500" fill="hold"/>
+                                        <p:tgtEl>
+                                          <p:spTgt spid="1030"/>
+                                        </p:tgtEl>
+                                        <p:attrNameLst>
+                                          <p:attrName>ppt_y</p:attrName>
+                                        </p:attrNameLst>
+                                      </p:cBhvr>
+                                      <p:tavLst>
+                                        <p:tav tm="0">
+                                          <p:val>
+                                            <p:strVal val="#ppt_y"/>
+                                          </p:val>
+                                        </p:tav>
+                                        <p:tav tm="100000">
+                                          <p:val>
+                                            <p:strVal val="#ppt_y"/>
+                                          </p:val>
+                                        </p:tav>
+                                      </p:tavLst>
+                                    </p:anim>
+                                  </p:childTnLst>
+                                </p:cTn>
+                              </p:par>
+                            </p:childTnLst>
+                          </p:cTn>
+                        </p:par>
+                        <p:par>
+                          <p:cTn id="19" fill="hold">
+                            <p:stCondLst>
+                              <p:cond delay="1500"/>
+                            </p:stCondLst>
+                            <p:childTnLst>
+                              <p:par>
+                                <p:cTn id="20" presetID="2" presetClass="entr" presetSubtype="2" fill="hold" nodeType="afterEffect">
+                                  <p:stCondLst>
+                                    <p:cond delay="0"/>
+                                  </p:stCondLst>
+                                  <p:childTnLst>
+                                    <p:set>
+                                      <p:cBhvr>
+                                        <p:cTn id="21" dur="1" fill="hold">
+                                          <p:stCondLst>
+                                            <p:cond delay="0"/>
+                                          </p:stCondLst>
+                                        </p:cTn>
+                                        <p:tgtEl>
+                                          <p:spTgt spid="1032"/>
+                                        </p:tgtEl>
+                                        <p:attrNameLst>
+                                          <p:attrName>style.visibility</p:attrName>
+                                        </p:attrNameLst>
+                                      </p:cBhvr>
+                                      <p:to>
+                                        <p:strVal val="visible"/>
+                                      </p:to>
+                                    </p:set>
+                                    <p:anim calcmode="lin" valueType="num">
+                                      <p:cBhvr additive="base">
+                                        <p:cTn id="22" dur="500" fill="hold"/>
+                                        <p:tgtEl>
+                                          <p:spTgt spid="1032"/>
+                                        </p:tgtEl>
+                                        <p:attrNameLst>
+                                          <p:attrName>ppt_x</p:attrName>
+                                        </p:attrNameLst>
+                                      </p:cBhvr>
+                                      <p:tavLst>
+                                        <p:tav tm="0">
+                                          <p:val>
+                                            <p:strVal val="1+#ppt_w/2"/>
+                                          </p:val>
+                                        </p:tav>
+                                        <p:tav tm="100000">
+                                          <p:val>
+                                            <p:strVal val="#ppt_x"/>
+                                          </p:val>
+                                        </p:tav>
+                                      </p:tavLst>
+                                    </p:anim>
+                                    <p:anim calcmode="lin" valueType="num">
+                                      <p:cBhvr additive="base">
+                                        <p:cTn id="23" dur="500" fill="hold"/>
+                                        <p:tgtEl>
+                                          <p:spTgt spid="1032"/>
+                                        </p:tgtEl>
+                                        <p:attrNameLst>
+                                          <p:attrName>ppt_y</p:attrName>
+                                        </p:attrNameLst>
+                                      </p:cBhvr>
+                                      <p:tavLst>
+                                        <p:tav tm="0">
+                                          <p:val>
+                                            <p:strVal val="#ppt_y"/>
+                                          </p:val>
+                                        </p:tav>
+                                        <p:tav tm="100000">
+                                          <p:val>
+                                            <p:strVal val="#ppt_y"/>
+                                          </p:val>
+                                        </p:tav>
+                                      </p:tavLst>
+                                    </p:anim>
+                                  </p:childTnLst>
+                                </p:cTn>
+                              </p:par>
+                            </p:childTnLst>
+                          </p:cTn>
+                        </p:par>
+                        <p:par>
+                          <p:cTn id="24" fill="hold">
+                            <p:stCondLst>
+                              <p:cond delay="2000"/>
+                            </p:stCondLst>
+                            <p:childTnLst>
+                              <p:par>
+                                <p:cTn id="25" presetID="2" presetClass="entr" presetSubtype="2" fill="hold" nodeType="afterEffect">
+                                  <p:stCondLst>
+                                    <p:cond delay="0"/>
+                                  </p:stCondLst>
+                                  <p:childTnLst>
+                                    <p:set>
+                                      <p:cBhvr>
+                                        <p:cTn id="26" dur="1" fill="hold">
+                                          <p:stCondLst>
+                                            <p:cond delay="0"/>
+                                          </p:stCondLst>
+                                        </p:cTn>
+                                        <p:tgtEl>
+                                          <p:spTgt spid="1034"/>
+                                        </p:tgtEl>
+                                        <p:attrNameLst>
+                                          <p:attrName>style.visibility</p:attrName>
+                                        </p:attrNameLst>
+                                      </p:cBhvr>
+                                      <p:to>
+                                        <p:strVal val="visible"/>
+                                      </p:to>
+                                    </p:set>
+                                    <p:anim calcmode="lin" valueType="num">
+                                      <p:cBhvr additive="base">
+                                        <p:cTn id="27" dur="500" fill="hold"/>
+                                        <p:tgtEl>
+                                          <p:spTgt spid="1034"/>
+                                        </p:tgtEl>
+                                        <p:attrNameLst>
+                                          <p:attrName>ppt_x</p:attrName>
+                                        </p:attrNameLst>
+                                      </p:cBhvr>
+                                      <p:tavLst>
+                                        <p:tav tm="0">
+                                          <p:val>
+                                            <p:strVal val="1+#ppt_w/2"/>
+                                          </p:val>
+                                        </p:tav>
+                                        <p:tav tm="100000">
+                                          <p:val>
+                                            <p:strVal val="#ppt_x"/>
+                                          </p:val>
+                                        </p:tav>
+                                      </p:tavLst>
+                                    </p:anim>
+                                    <p:anim calcmode="lin" valueType="num">
+                                      <p:cBhvr additive="base">
+                                        <p:cTn id="28" dur="500" fill="hold"/>
+                                        <p:tgtEl>
+                                          <p:spTgt spid="1034"/>
+                                        </p:tgtEl>
+                                        <p:attrNameLst>
+                                          <p:attrName>ppt_y</p:attrName>
+                                        </p:attrNameLst>
+                                      </p:cBhvr>
+                                      <p:tavLst>
+                                        <p:tav tm="0">
+                                          <p:val>
+                                            <p:strVal val="#ppt_y"/>
+                                          </p:val>
+                                        </p:tav>
+                                        <p:tav tm="100000">
+                                          <p:val>
+                                            <p:strVal val="#ppt_y"/>
+                                          </p:val>
+                                        </p:tav>
+                                      </p:tavLst>
+                                    </p:anim>
+                                  </p:childTnLst>
+                                </p:cTn>
+                              </p:par>
+                            </p:childTnLst>
+                          </p:cTn>
+                        </p:par>
+                        <p:par>
+                          <p:cTn id="29" fill="hold">
+                            <p:stCondLst>
+                              <p:cond delay="2500"/>
+                            </p:stCondLst>
+                            <p:childTnLst>
+                              <p:par>
+                                <p:cTn id="30" presetID="2" presetClass="entr" presetSubtype="2" fill="hold" nodeType="afterEffect">
+                                  <p:stCondLst>
+                                    <p:cond delay="0"/>
+                                  </p:stCondLst>
+                                  <p:childTnLst>
+                                    <p:set>
+                                      <p:cBhvr>
+                                        <p:cTn id="31" dur="1" fill="hold">
+                                          <p:stCondLst>
+                                            <p:cond delay="0"/>
+                                          </p:stCondLst>
+                                        </p:cTn>
+                                        <p:tgtEl>
+                                          <p:spTgt spid="1036"/>
+                                        </p:tgtEl>
+                                        <p:attrNameLst>
+                                          <p:attrName>style.visibility</p:attrName>
+                                        </p:attrNameLst>
+                                      </p:cBhvr>
+                                      <p:to>
+                                        <p:strVal val="visible"/>
+                                      </p:to>
+                                    </p:set>
+                                    <p:anim calcmode="lin" valueType="num">
+                                      <p:cBhvr additive="base">
+                                        <p:cTn id="32" dur="500" fill="hold"/>
+                                        <p:tgtEl>
+                                          <p:spTgt spid="1036"/>
+                                        </p:tgtEl>
+                                        <p:attrNameLst>
+                                          <p:attrName>ppt_x</p:attrName>
+                                        </p:attrNameLst>
+                                      </p:cBhvr>
+                                      <p:tavLst>
+                                        <p:tav tm="0">
+                                          <p:val>
+                                            <p:strVal val="1+#ppt_w/2"/>
+                                          </p:val>
+                                        </p:tav>
+                                        <p:tav tm="100000">
+                                          <p:val>
+                                            <p:strVal val="#ppt_x"/>
+                                          </p:val>
+                                        </p:tav>
+                                      </p:tavLst>
+                                    </p:anim>
+                                    <p:anim calcmode="lin" valueType="num">
+                                      <p:cBhvr additive="base">
+                                        <p:cTn id="33" dur="500" fill="hold"/>
+                                        <p:tgtEl>
+                                          <p:spTgt spid="1036"/>
+                                        </p:tgtEl>
+                                        <p:attrNameLst>
+                                          <p:attrName>ppt_y</p:attrName>
+                                        </p:attrNameLst>
+                                      </p:cBhvr>
+                                      <p:tavLst>
+                                        <p:tav tm="0">
+                                          <p:val>
+                                            <p:strVal val="#ppt_y"/>
+                                          </p:val>
+                                        </p:tav>
+                                        <p:tav tm="100000">
+                                          <p:val>
+                                            <p:strVal val="#ppt_y"/>
+                                          </p:val>
+                                        </p:tav>
+                                      </p:tavLst>
+                                    </p:anim>
+                                  </p:childTnLst>
+                                </p:cTn>
+                              </p:par>
+                            </p:childTnLst>
+                          </p:cTn>
+                        </p:par>
+                      </p:childTnLst>
+                    </p:cTn>
+                  </p:par>
+                </p:childTnLst>
+              </p:cTn>
+              <p:prevCondLst>
+                <p:cond evt="onPrev" delay="0">
+                  <p:tgtEl>
+                    <p:sldTgt/>
+                  </p:tgtEl>
+                </p:cond>
+              </p:prevCondLst>
+              <p:nextCondLst>
+                <p:cond evt="onNext" delay="0">
+                  <p:tgtEl>
+                    <p:sldTgt/>
+                  </p:tgtEl>
+                </p:cond>
+              </p:nextCondLst>
+            </p:seq>
+          </p:childTnLst>
+        </p:cTn>
+      </p:par>
+    </p:tnLst>
+  </p:timing>
+</p:sld>
+</file>
+
+<file path=ppt/slides/slide17.xml><?xml version="1.0" encoding="utf-8"?>
+<p:sld xmlns:a="http://schemas.openxmlformats.org/drawingml/2006/main" xmlns:r="http://schemas.openxmlformats.org/officeDocument/2006/relationships" xmlns:p="http://schemas.openxmlformats.org/presentationml/2006/main">
+  <p:cSld>
+    <p:spTree>
+      <p:nvGrpSpPr>
+        <p:cNvPr id="1" name=""/>
+        <p:cNvGrpSpPr/>
+        <p:nvPr/>
+      </p:nvGrpSpPr>
+      <p:grpSpPr>
+        <a:xfrm>
+          <a:off x="0" y="0"/>
+          <a:ext cx="0" cy="0"/>
+          <a:chOff x="0" y="0"/>
+          <a:chExt cx="0" cy="0"/>
+        </a:xfrm>
+      </p:grpSpPr>
+      <p:pic>
+        <p:nvPicPr>
+          <p:cNvPr id="3" name="Obraz 2"/>
+          <p:cNvPicPr>
+            <a:picLocks noChangeAspect="1"/>
+          </p:cNvPicPr>
+          <p:nvPr/>
+        </p:nvPicPr>
+        <p:blipFill>
+          <a:blip r:embed="rId2"/>
+          <a:stretch>
+            <a:fillRect/>
+          </a:stretch>
+        </p:blipFill>
+        <p:spPr>
+          <a:xfrm>
+            <a:off x="303467" y="1458926"/>
+            <a:ext cx="1460571" cy="3600000"/>
+          </a:xfrm>
+          <a:prstGeom prst="rect">
+            <a:avLst/>
+          </a:prstGeom>
+        </p:spPr>
+      </p:pic>
+      <p:sp>
+        <p:nvSpPr>
+          <p:cNvPr id="2" name="Tytuł 1"/>
+          <p:cNvSpPr>
+            <a:spLocks noGrp="1"/>
+          </p:cNvSpPr>
+          <p:nvPr>
+            <p:ph type="title"/>
+          </p:nvPr>
+        </p:nvSpPr>
+        <p:spPr/>
+        <p:txBody>
+          <a:bodyPr/>
+          <a:lstStyle/>
+          <a:p>
+            <a:r>
+              <a:rPr lang="pl-PL" dirty="0">
+                <a:solidFill>
+                  <a:srgbClr val="A61C00"/>
+                </a:solidFill>
+              </a:rPr>
+              <a:t>DRUŻYNA </a:t>
+            </a:r>
+            <a:r>
+              <a:rPr lang="pl-PL" dirty="0" smtClean="0">
+                <a:solidFill>
+                  <a:srgbClr val="A61C00"/>
+                </a:solidFill>
+              </a:rPr>
+              <a:t>DEFENSYWNA</a:t>
+            </a:r>
+            <a:endParaRPr lang="pl-PL" dirty="0"/>
+          </a:p>
+        </p:txBody>
+      </p:sp>
+      <p:sp>
+        <p:nvSpPr>
+          <p:cNvPr id="8" name="pole tekstowe 7"/>
+          <p:cNvSpPr txBox="1"/>
+          <p:nvPr/>
+        </p:nvSpPr>
+        <p:spPr>
+          <a:xfrm>
+            <a:off x="311700" y="1151149"/>
+            <a:ext cx="1625766" cy="307777"/>
+          </a:xfrm>
+          <a:prstGeom prst="rect">
+            <a:avLst/>
+          </a:prstGeom>
+          <a:noFill/>
+        </p:spPr>
+        <p:txBody>
+          <a:bodyPr wrap="none" rtlCol="0">
+            <a:spAutoFit/>
+          </a:bodyPr>
+          <a:lstStyle/>
+          <a:p>
+            <a:r>
+              <a:rPr lang="pl-PL" b="1" dirty="0" smtClean="0">
+                <a:solidFill>
+                  <a:srgbClr val="A61C00"/>
+                </a:solidFill>
+              </a:rPr>
+              <a:t>76,05% populacji</a:t>
+            </a:r>
+            <a:endParaRPr lang="pl-PL" b="1" dirty="0">
+              <a:solidFill>
+                <a:srgbClr val="A61C00"/>
+              </a:solidFill>
+            </a:endParaRPr>
+          </a:p>
+        </p:txBody>
+      </p:sp>
+      <p:sp>
+        <p:nvSpPr>
+          <p:cNvPr id="14" name="Prostokąt 13"/>
+          <p:cNvSpPr/>
+          <p:nvPr/>
+        </p:nvSpPr>
+        <p:spPr>
+          <a:xfrm>
+            <a:off x="462646" y="2665158"/>
+            <a:ext cx="1044000" cy="216000"/>
+          </a:xfrm>
+          <a:prstGeom prst="rect">
+            <a:avLst/>
+          </a:prstGeom>
+          <a:noFill/>
+          <a:ln>
+            <a:solidFill>
+              <a:srgbClr val="A61C00"/>
+            </a:solidFill>
+          </a:ln>
+        </p:spPr>
+        <p:style>
+          <a:lnRef idx="2">
+            <a:schemeClr val="accent1">
+              <a:shade val="50000"/>
+            </a:schemeClr>
+          </a:lnRef>
+          <a:fillRef idx="1">
+            <a:schemeClr val="accent1"/>
+          </a:fillRef>
+          <a:effectRef idx="0">
+            <a:schemeClr val="accent1"/>
+          </a:effectRef>
+          <a:fontRef idx="minor">
+            <a:schemeClr val="lt1"/>
+          </a:fontRef>
+        </p:style>
+        <p:txBody>
+          <a:bodyPr rtlCol="0" anchor="ctr"/>
+          <a:lstStyle/>
+          <a:p>
+            <a:pPr algn="ctr"/>
+            <a:endParaRPr lang="pl-PL"/>
+          </a:p>
+        </p:txBody>
+      </p:sp>
+      <p:sp>
+        <p:nvSpPr>
+          <p:cNvPr id="16" name="Prostokąt 15"/>
+          <p:cNvSpPr/>
+          <p:nvPr/>
+        </p:nvSpPr>
+        <p:spPr>
+          <a:xfrm>
+            <a:off x="462646" y="1900127"/>
+            <a:ext cx="972000" cy="588662"/>
+          </a:xfrm>
+          <a:prstGeom prst="rect">
+            <a:avLst/>
+          </a:prstGeom>
+          <a:noFill/>
+          <a:ln>
+            <a:solidFill>
+              <a:srgbClr val="FF0000"/>
+            </a:solidFill>
+          </a:ln>
+        </p:spPr>
+        <p:style>
+          <a:lnRef idx="2">
+            <a:schemeClr val="accent1">
+              <a:shade val="50000"/>
+            </a:schemeClr>
+          </a:lnRef>
+          <a:fillRef idx="1">
+            <a:schemeClr val="accent1"/>
+          </a:fillRef>
+          <a:effectRef idx="0">
+            <a:schemeClr val="accent1"/>
+          </a:effectRef>
+          <a:fontRef idx="minor">
+            <a:schemeClr val="lt1"/>
+          </a:fontRef>
+        </p:style>
+        <p:txBody>
+          <a:bodyPr rtlCol="0" anchor="ctr"/>
+          <a:lstStyle/>
+          <a:p>
+            <a:pPr algn="ctr"/>
+            <a:endParaRPr lang="pl-PL"/>
+          </a:p>
+        </p:txBody>
+      </p:sp>
+      <p:sp>
+        <p:nvSpPr>
+          <p:cNvPr id="15" name="Prostokąt 14"/>
+          <p:cNvSpPr/>
+          <p:nvPr/>
+        </p:nvSpPr>
+        <p:spPr>
+          <a:xfrm>
+            <a:off x="462646" y="4765125"/>
+            <a:ext cx="1080000" cy="216000"/>
+          </a:xfrm>
+          <a:prstGeom prst="rect">
+            <a:avLst/>
+          </a:prstGeom>
+          <a:noFill/>
+          <a:ln>
+            <a:solidFill>
+              <a:srgbClr val="FF0000"/>
+            </a:solidFill>
+          </a:ln>
+        </p:spPr>
+        <p:style>
+          <a:lnRef idx="2">
+            <a:schemeClr val="accent1">
+              <a:shade val="50000"/>
+            </a:schemeClr>
+          </a:lnRef>
+          <a:fillRef idx="1">
+            <a:schemeClr val="accent1"/>
+          </a:fillRef>
+          <a:effectRef idx="0">
+            <a:schemeClr val="accent1"/>
+          </a:effectRef>
+          <a:fontRef idx="minor">
+            <a:schemeClr val="lt1"/>
+          </a:fontRef>
+        </p:style>
+        <p:txBody>
+          <a:bodyPr rtlCol="0" anchor="ctr"/>
+          <a:lstStyle/>
+          <a:p>
+            <a:pPr algn="ctr"/>
+            <a:endParaRPr lang="pl-PL"/>
+          </a:p>
+        </p:txBody>
+      </p:sp>
+      <p:sp>
+        <p:nvSpPr>
+          <p:cNvPr id="18" name="Prostokąt 17"/>
+          <p:cNvSpPr/>
+          <p:nvPr/>
+        </p:nvSpPr>
+        <p:spPr>
+          <a:xfrm>
+            <a:off x="462646" y="3447143"/>
+            <a:ext cx="972000" cy="188686"/>
+          </a:xfrm>
+          <a:prstGeom prst="rect">
+            <a:avLst/>
+          </a:prstGeom>
+          <a:noFill/>
+          <a:ln>
+            <a:solidFill>
+              <a:srgbClr val="FF0000"/>
+            </a:solidFill>
+          </a:ln>
+        </p:spPr>
+        <p:style>
+          <a:lnRef idx="2">
+            <a:schemeClr val="accent1">
+              <a:shade val="50000"/>
+            </a:schemeClr>
+          </a:lnRef>
+          <a:fillRef idx="1">
+            <a:schemeClr val="accent1"/>
+          </a:fillRef>
+          <a:effectRef idx="0">
+            <a:schemeClr val="accent1"/>
+          </a:effectRef>
+          <a:fontRef idx="minor">
+            <a:schemeClr val="lt1"/>
+          </a:fontRef>
+        </p:style>
+        <p:txBody>
+          <a:bodyPr rtlCol="0" anchor="ctr"/>
+          <a:lstStyle/>
+          <a:p>
+            <a:pPr algn="ctr"/>
+            <a:endParaRPr lang="pl-PL"/>
+          </a:p>
+        </p:txBody>
+      </p:sp>
+      <p:sp>
+        <p:nvSpPr>
+          <p:cNvPr id="19" name="pole tekstowe 18"/>
+          <p:cNvSpPr txBox="1"/>
+          <p:nvPr/>
+        </p:nvSpPr>
+        <p:spPr>
+          <a:xfrm>
+            <a:off x="1731894" y="2054956"/>
+            <a:ext cx="619080" cy="276999"/>
+          </a:xfrm>
+          <a:prstGeom prst="rect">
+            <a:avLst/>
+          </a:prstGeom>
+          <a:solidFill>
+            <a:srgbClr val="FF0000"/>
+          </a:solidFill>
+        </p:spPr>
+        <p:txBody>
+          <a:bodyPr wrap="none" rtlCol="0">
+            <a:spAutoFit/>
+          </a:bodyPr>
+          <a:lstStyle/>
+          <a:p>
+            <a:r>
+              <a:rPr lang="pl-PL" sz="1200" dirty="0" smtClean="0">
+                <a:solidFill>
+                  <a:schemeClr val="tx1"/>
+                </a:solidFill>
+              </a:rPr>
+              <a:t>Remis</a:t>
+            </a:r>
+            <a:endParaRPr lang="pl-PL" sz="1200" dirty="0">
+              <a:solidFill>
+                <a:schemeClr val="tx1"/>
+              </a:solidFill>
+            </a:endParaRPr>
+          </a:p>
+        </p:txBody>
+      </p:sp>
+      <p:sp>
+        <p:nvSpPr>
+          <p:cNvPr id="26" name="pole tekstowe 25"/>
+          <p:cNvSpPr txBox="1"/>
+          <p:nvPr/>
+        </p:nvSpPr>
+        <p:spPr>
+          <a:xfrm>
+            <a:off x="1731894" y="2634657"/>
+            <a:ext cx="1055097" cy="276999"/>
+          </a:xfrm>
+          <a:prstGeom prst="rect">
+            <a:avLst/>
+          </a:prstGeom>
+          <a:solidFill>
+            <a:srgbClr val="A61C00"/>
+          </a:solidFill>
+        </p:spPr>
+        <p:txBody>
+          <a:bodyPr wrap="none" rtlCol="0">
+            <a:spAutoFit/>
+          </a:bodyPr>
+          <a:lstStyle/>
+          <a:p>
+            <a:r>
+              <a:rPr lang="pl-PL" sz="1200" dirty="0" smtClean="0">
+                <a:solidFill>
+                  <a:schemeClr val="tx1"/>
+                </a:solidFill>
+              </a:rPr>
+              <a:t>Wytypowany</a:t>
+            </a:r>
+          </a:p>
+        </p:txBody>
+      </p:sp>
+      <p:sp>
+        <p:nvSpPr>
+          <p:cNvPr id="28" name="pole tekstowe 27"/>
+          <p:cNvSpPr txBox="1"/>
+          <p:nvPr/>
+        </p:nvSpPr>
+        <p:spPr>
+          <a:xfrm>
+            <a:off x="1731894" y="3444784"/>
+            <a:ext cx="619080" cy="276999"/>
+          </a:xfrm>
+          <a:prstGeom prst="rect">
+            <a:avLst/>
+          </a:prstGeom>
+          <a:solidFill>
+            <a:srgbClr val="FF0000"/>
+          </a:solidFill>
+        </p:spPr>
+        <p:txBody>
+          <a:bodyPr wrap="none" rtlCol="0">
+            <a:spAutoFit/>
+          </a:bodyPr>
+          <a:lstStyle/>
+          <a:p>
+            <a:r>
+              <a:rPr lang="pl-PL" sz="1200" dirty="0" smtClean="0">
+                <a:solidFill>
+                  <a:schemeClr val="tx1"/>
+                </a:solidFill>
+              </a:rPr>
+              <a:t>Remis</a:t>
+            </a:r>
+            <a:endParaRPr lang="pl-PL" sz="1200" dirty="0">
+              <a:solidFill>
+                <a:schemeClr val="tx1"/>
+              </a:solidFill>
+            </a:endParaRPr>
+          </a:p>
+        </p:txBody>
+      </p:sp>
+      <p:sp>
+        <p:nvSpPr>
+          <p:cNvPr id="30" name="pole tekstowe 29"/>
+          <p:cNvSpPr txBox="1"/>
+          <p:nvPr/>
+        </p:nvSpPr>
+        <p:spPr>
+          <a:xfrm>
+            <a:off x="3556991" y="1151149"/>
+            <a:ext cx="1476686" cy="307777"/>
+          </a:xfrm>
+          <a:prstGeom prst="rect">
+            <a:avLst/>
+          </a:prstGeom>
+          <a:noFill/>
+        </p:spPr>
+        <p:txBody>
+          <a:bodyPr wrap="none" rtlCol="0">
+            <a:spAutoFit/>
+          </a:bodyPr>
+          <a:lstStyle/>
+          <a:p>
+            <a:r>
+              <a:rPr lang="pl-PL" b="1" dirty="0" smtClean="0">
+                <a:solidFill>
+                  <a:srgbClr val="A61C00"/>
+                </a:solidFill>
+              </a:rPr>
+              <a:t>100% populacji</a:t>
+            </a:r>
+            <a:endParaRPr lang="pl-PL" b="1" dirty="0">
+              <a:solidFill>
+                <a:srgbClr val="A61C00"/>
+              </a:solidFill>
+            </a:endParaRPr>
+          </a:p>
+        </p:txBody>
+      </p:sp>
+      <p:sp>
+        <p:nvSpPr>
+          <p:cNvPr id="36" name="pole tekstowe 35"/>
+          <p:cNvSpPr txBox="1"/>
+          <p:nvPr/>
+        </p:nvSpPr>
+        <p:spPr>
+          <a:xfrm>
+            <a:off x="6620622" y="1151149"/>
+            <a:ext cx="1451038" cy="1815882"/>
+          </a:xfrm>
+          <a:prstGeom prst="rect">
+            <a:avLst/>
+          </a:prstGeom>
+          <a:noFill/>
+        </p:spPr>
+        <p:txBody>
+          <a:bodyPr wrap="none" rtlCol="0">
+            <a:spAutoFit/>
+          </a:bodyPr>
+          <a:lstStyle/>
+          <a:p>
+            <a:r>
+              <a:rPr lang="pl-PL" b="1" dirty="0" smtClean="0">
+                <a:solidFill>
+                  <a:srgbClr val="A61C00"/>
+                </a:solidFill>
+              </a:rPr>
+              <a:t>OSTATECZNIE</a:t>
+            </a:r>
+          </a:p>
+          <a:p>
+            <a:endParaRPr lang="pl-PL" b="1" dirty="0" smtClean="0">
+              <a:solidFill>
+                <a:srgbClr val="A61C00"/>
+              </a:solidFill>
+            </a:endParaRPr>
+          </a:p>
+          <a:p>
+            <a:pPr lvl="2"/>
+            <a:r>
+              <a:rPr lang="pl-PL" dirty="0" smtClean="0"/>
+              <a:t>Grass</a:t>
+            </a:r>
+          </a:p>
+          <a:p>
+            <a:pPr lvl="2"/>
+            <a:r>
+              <a:rPr lang="pl-PL" dirty="0" smtClean="0"/>
+              <a:t>Rock</a:t>
+            </a:r>
+          </a:p>
+          <a:p>
+            <a:pPr lvl="2"/>
+            <a:r>
+              <a:rPr lang="pl-PL" dirty="0" err="1" smtClean="0"/>
+              <a:t>Fire</a:t>
+            </a:r>
+            <a:endParaRPr lang="pl-PL" dirty="0" smtClean="0"/>
+          </a:p>
+          <a:p>
+            <a:pPr lvl="2"/>
+            <a:r>
+              <a:rPr lang="pl-PL" dirty="0" err="1" smtClean="0"/>
+              <a:t>Poison</a:t>
+            </a:r>
+            <a:endParaRPr lang="pl-PL" dirty="0" smtClean="0"/>
+          </a:p>
+          <a:p>
+            <a:pPr lvl="2"/>
+            <a:r>
+              <a:rPr lang="pl-PL" dirty="0" smtClean="0"/>
+              <a:t>Dragon</a:t>
+            </a:r>
+          </a:p>
+          <a:p>
+            <a:pPr lvl="2"/>
+            <a:r>
+              <a:rPr lang="pl-PL" dirty="0" smtClean="0"/>
+              <a:t>Steel</a:t>
+            </a:r>
+          </a:p>
+        </p:txBody>
+      </p:sp>
+      <p:sp>
+        <p:nvSpPr>
+          <p:cNvPr id="27" name="pole tekstowe 26"/>
+          <p:cNvSpPr txBox="1"/>
+          <p:nvPr/>
+        </p:nvSpPr>
+        <p:spPr>
+          <a:xfrm>
+            <a:off x="1733328" y="4734625"/>
+            <a:ext cx="619080" cy="276999"/>
+          </a:xfrm>
+          <a:prstGeom prst="rect">
+            <a:avLst/>
+          </a:prstGeom>
+          <a:solidFill>
+            <a:srgbClr val="FF0000"/>
+          </a:solidFill>
+        </p:spPr>
+        <p:txBody>
+          <a:bodyPr wrap="none" rtlCol="0">
+            <a:spAutoFit/>
+          </a:bodyPr>
+          <a:lstStyle/>
+          <a:p>
+            <a:r>
+              <a:rPr lang="pl-PL" sz="1200" dirty="0" smtClean="0">
+                <a:solidFill>
+                  <a:schemeClr val="tx1"/>
+                </a:solidFill>
+              </a:rPr>
+              <a:t>Remis</a:t>
+            </a:r>
+            <a:endParaRPr lang="pl-PL" sz="1200" dirty="0">
+              <a:solidFill>
+                <a:schemeClr val="tx1"/>
+              </a:solidFill>
+            </a:endParaRPr>
+          </a:p>
+        </p:txBody>
+      </p:sp>
+      <p:sp>
+        <p:nvSpPr>
+          <p:cNvPr id="35" name="Prostokąt 34"/>
+          <p:cNvSpPr/>
+          <p:nvPr/>
+        </p:nvSpPr>
+        <p:spPr>
+          <a:xfrm>
+            <a:off x="462646" y="3229806"/>
+            <a:ext cx="1044000" cy="216000"/>
+          </a:xfrm>
+          <a:prstGeom prst="rect">
+            <a:avLst/>
+          </a:prstGeom>
+          <a:noFill/>
+          <a:ln>
+            <a:solidFill>
+              <a:srgbClr val="A61C00"/>
+            </a:solidFill>
+          </a:ln>
+        </p:spPr>
+        <p:style>
+          <a:lnRef idx="2">
+            <a:schemeClr val="accent1">
+              <a:shade val="50000"/>
+            </a:schemeClr>
+          </a:lnRef>
+          <a:fillRef idx="1">
+            <a:schemeClr val="accent1"/>
+          </a:fillRef>
+          <a:effectRef idx="0">
+            <a:schemeClr val="accent1"/>
+          </a:effectRef>
+          <a:fontRef idx="minor">
+            <a:schemeClr val="lt1"/>
+          </a:fontRef>
+        </p:style>
+        <p:txBody>
+          <a:bodyPr rtlCol="0" anchor="ctr"/>
+          <a:lstStyle/>
+          <a:p>
+            <a:pPr algn="ctr"/>
+            <a:endParaRPr lang="pl-PL"/>
+          </a:p>
+        </p:txBody>
+      </p:sp>
+      <p:sp>
+        <p:nvSpPr>
+          <p:cNvPr id="37" name="pole tekstowe 36"/>
+          <p:cNvSpPr txBox="1"/>
+          <p:nvPr/>
+        </p:nvSpPr>
+        <p:spPr>
+          <a:xfrm>
+            <a:off x="1731894" y="3178220"/>
+            <a:ext cx="1055097" cy="276999"/>
+          </a:xfrm>
+          <a:prstGeom prst="rect">
+            <a:avLst/>
+          </a:prstGeom>
+          <a:solidFill>
+            <a:srgbClr val="A61C00"/>
+          </a:solidFill>
+        </p:spPr>
+        <p:txBody>
+          <a:bodyPr wrap="none" rtlCol="0">
+            <a:spAutoFit/>
+          </a:bodyPr>
+          <a:lstStyle/>
+          <a:p>
+            <a:r>
+              <a:rPr lang="pl-PL" sz="1200" dirty="0" smtClean="0">
+                <a:solidFill>
+                  <a:schemeClr val="tx1"/>
+                </a:solidFill>
+              </a:rPr>
+              <a:t>Wytypowany</a:t>
+            </a:r>
+          </a:p>
+        </p:txBody>
+      </p:sp>
+      <p:pic>
+        <p:nvPicPr>
+          <p:cNvPr id="5" name="Obraz 4"/>
+          <p:cNvPicPr>
+            <a:picLocks noChangeAspect="1"/>
+          </p:cNvPicPr>
+          <p:nvPr/>
+        </p:nvPicPr>
+        <p:blipFill>
+          <a:blip r:embed="rId3"/>
+          <a:stretch>
+            <a:fillRect/>
+          </a:stretch>
+        </p:blipFill>
+        <p:spPr>
+          <a:xfrm>
+            <a:off x="3551854" y="1458926"/>
+            <a:ext cx="1474286" cy="3600000"/>
+          </a:xfrm>
+          <a:prstGeom prst="rect">
+            <a:avLst/>
+          </a:prstGeom>
+        </p:spPr>
+      </p:pic>
+      <p:sp>
+        <p:nvSpPr>
+          <p:cNvPr id="38" name="Prostokąt 37"/>
+          <p:cNvSpPr/>
+          <p:nvPr/>
+        </p:nvSpPr>
+        <p:spPr>
+          <a:xfrm>
+            <a:off x="3706590" y="1900127"/>
+            <a:ext cx="972000" cy="588662"/>
+          </a:xfrm>
+          <a:prstGeom prst="rect">
+            <a:avLst/>
+          </a:prstGeom>
+          <a:noFill/>
+          <a:ln>
+            <a:solidFill>
+              <a:srgbClr val="FF0000"/>
+            </a:solidFill>
+          </a:ln>
+        </p:spPr>
+        <p:style>
+          <a:lnRef idx="2">
+            <a:schemeClr val="accent1">
+              <a:shade val="50000"/>
+            </a:schemeClr>
+          </a:lnRef>
+          <a:fillRef idx="1">
+            <a:schemeClr val="accent1"/>
+          </a:fillRef>
+          <a:effectRef idx="0">
+            <a:schemeClr val="accent1"/>
+          </a:effectRef>
+          <a:fontRef idx="minor">
+            <a:schemeClr val="lt1"/>
+          </a:fontRef>
+        </p:style>
+        <p:txBody>
+          <a:bodyPr rtlCol="0" anchor="ctr"/>
+          <a:lstStyle/>
+          <a:p>
+            <a:pPr algn="ctr"/>
+            <a:endParaRPr lang="pl-PL"/>
+          </a:p>
+        </p:txBody>
+      </p:sp>
+      <p:sp>
+        <p:nvSpPr>
+          <p:cNvPr id="39" name="Prostokąt 38"/>
+          <p:cNvSpPr/>
+          <p:nvPr/>
+        </p:nvSpPr>
+        <p:spPr>
+          <a:xfrm>
+            <a:off x="3706590" y="3447143"/>
+            <a:ext cx="1080000" cy="188686"/>
+          </a:xfrm>
+          <a:prstGeom prst="rect">
+            <a:avLst/>
+          </a:prstGeom>
+          <a:noFill/>
+          <a:ln>
+            <a:solidFill>
+              <a:srgbClr val="FF0000"/>
+            </a:solidFill>
+          </a:ln>
+        </p:spPr>
+        <p:style>
+          <a:lnRef idx="2">
+            <a:schemeClr val="accent1">
+              <a:shade val="50000"/>
+            </a:schemeClr>
+          </a:lnRef>
+          <a:fillRef idx="1">
+            <a:schemeClr val="accent1"/>
+          </a:fillRef>
+          <a:effectRef idx="0">
+            <a:schemeClr val="accent1"/>
+          </a:effectRef>
+          <a:fontRef idx="minor">
+            <a:schemeClr val="lt1"/>
+          </a:fontRef>
+        </p:style>
+        <p:txBody>
+          <a:bodyPr rtlCol="0" anchor="ctr"/>
+          <a:lstStyle/>
+          <a:p>
+            <a:pPr algn="ctr"/>
+            <a:endParaRPr lang="pl-PL"/>
+          </a:p>
+        </p:txBody>
+      </p:sp>
+      <p:sp>
+        <p:nvSpPr>
+          <p:cNvPr id="40" name="Prostokąt 39"/>
+          <p:cNvSpPr/>
+          <p:nvPr/>
+        </p:nvSpPr>
+        <p:spPr>
+          <a:xfrm>
+            <a:off x="3706590" y="4770568"/>
+            <a:ext cx="1080000" cy="216000"/>
+          </a:xfrm>
+          <a:prstGeom prst="rect">
+            <a:avLst/>
+          </a:prstGeom>
+          <a:noFill/>
+          <a:ln>
+            <a:solidFill>
+              <a:srgbClr val="FF0000"/>
+            </a:solidFill>
+          </a:ln>
+        </p:spPr>
+        <p:style>
+          <a:lnRef idx="2">
+            <a:schemeClr val="accent1">
+              <a:shade val="50000"/>
+            </a:schemeClr>
+          </a:lnRef>
+          <a:fillRef idx="1">
+            <a:schemeClr val="accent1"/>
+          </a:fillRef>
+          <a:effectRef idx="0">
+            <a:schemeClr val="accent1"/>
+          </a:effectRef>
+          <a:fontRef idx="minor">
+            <a:schemeClr val="lt1"/>
+          </a:fontRef>
+        </p:style>
+        <p:txBody>
+          <a:bodyPr rtlCol="0" anchor="ctr"/>
+          <a:lstStyle/>
+          <a:p>
+            <a:pPr algn="ctr"/>
+            <a:endParaRPr lang="pl-PL"/>
+          </a:p>
+        </p:txBody>
+      </p:sp>
+    </p:spTree>
+    <p:extLst>
+      <p:ext uri="{BB962C8B-B14F-4D97-AF65-F5344CB8AC3E}">
+        <p14:creationId xmlns:p14="http://schemas.microsoft.com/office/powerpoint/2010/main" val="1431142204"/>
+      </p:ext>
+    </p:extLst>
+  </p:cSld>
+  <p:clrMapOvr>
+    <a:masterClrMapping/>
+  </p:clrMapOvr>
+  <p:timing>
+    <p:tnLst>
+      <p:par>
+        <p:cTn id="1" dur="indefinite" restart="never" nodeType="tmRoot"/>
+      </p:par>
+    </p:tnLst>
+  </p:timing>
+</p:sld>
+</file>
+
+<file path=ppt/slides/slide18.xml><?xml version="1.0" encoding="utf-8"?>
+<p:sld xmlns:a="http://schemas.openxmlformats.org/drawingml/2006/main" xmlns:r="http://schemas.openxmlformats.org/officeDocument/2006/relationships" xmlns:p="http://schemas.openxmlformats.org/presentationml/2006/main">
+  <p:cSld>
+    <p:spTree>
+      <p:nvGrpSpPr>
+        <p:cNvPr id="1" name=""/>
+        <p:cNvGrpSpPr/>
+        <p:nvPr/>
+      </p:nvGrpSpPr>
+      <p:grpSpPr>
+        <a:xfrm>
+          <a:off x="0" y="0"/>
+          <a:ext cx="0" cy="0"/>
+          <a:chOff x="0" y="0"/>
+          <a:chExt cx="0" cy="0"/>
+        </a:xfrm>
+      </p:grpSpPr>
+      <p:sp>
+        <p:nvSpPr>
+          <p:cNvPr id="2" name="Tytuł 1"/>
+          <p:cNvSpPr>
+            <a:spLocks noGrp="1"/>
+          </p:cNvSpPr>
+          <p:nvPr>
+            <p:ph type="title"/>
+          </p:nvPr>
+        </p:nvSpPr>
+        <p:spPr/>
+        <p:txBody>
+          <a:bodyPr/>
+          <a:lstStyle/>
+          <a:p>
+            <a:r>
+              <a:rPr lang="pl-PL" dirty="0" smtClean="0">
+                <a:solidFill>
+                  <a:srgbClr val="A61C00"/>
+                </a:solidFill>
+              </a:rPr>
+              <a:t>DRUŻYNA DEFENSYWNA</a:t>
+            </a:r>
+            <a:endParaRPr lang="pl-PL" dirty="0">
+              <a:solidFill>
+                <a:srgbClr val="A61C00"/>
+              </a:solidFill>
+            </a:endParaRPr>
+          </a:p>
+        </p:txBody>
+      </p:sp>
+      <p:sp>
+        <p:nvSpPr>
+          <p:cNvPr id="3" name="Symbol zastępczy tekstu 2"/>
+          <p:cNvSpPr>
+            <a:spLocks noGrp="1"/>
+          </p:cNvSpPr>
+          <p:nvPr>
+            <p:ph type="body" idx="1"/>
+          </p:nvPr>
+        </p:nvSpPr>
+        <p:spPr>
+          <a:xfrm>
+            <a:off x="1842957" y="6165544"/>
+            <a:ext cx="8520600" cy="1440000"/>
+          </a:xfrm>
+        </p:spPr>
+        <p:txBody>
+          <a:bodyPr/>
+          <a:lstStyle/>
+          <a:p>
+            <a:pPr marL="114300" indent="0">
+              <a:buNone/>
+            </a:pPr>
+            <a:endParaRPr lang="pl-PL" dirty="0"/>
+          </a:p>
+        </p:txBody>
+      </p:sp>
+      <p:pic>
+        <p:nvPicPr>
+          <p:cNvPr id="4" name="Obraz 3"/>
+          <p:cNvPicPr>
+            <a:picLocks noChangeAspect="1"/>
+          </p:cNvPicPr>
+          <p:nvPr/>
+        </p:nvPicPr>
+        <p:blipFill>
+          <a:blip r:embed="rId2"/>
+          <a:stretch>
+            <a:fillRect/>
+          </a:stretch>
+        </p:blipFill>
+        <p:spPr>
+          <a:xfrm>
+            <a:off x="0" y="1152475"/>
+            <a:ext cx="9144000" cy="2125644"/>
+          </a:xfrm>
+          <a:prstGeom prst="rect">
+            <a:avLst/>
+          </a:prstGeom>
+        </p:spPr>
+      </p:pic>
+      <p:pic>
+        <p:nvPicPr>
+          <p:cNvPr id="2050" name="Picture 2" descr="https://vignette.wikia.nocookie.net/pokemony/images/a/a6/Dragonite.png/revision/latest/scale-to-width-down/350?cb=20150823193819&amp;path-prefix=pl"/>
+          <p:cNvPicPr>
+            <a:picLocks noChangeAspect="1" noChangeArrowheads="1"/>
+          </p:cNvPicPr>
+          <p:nvPr/>
+        </p:nvPicPr>
+        <p:blipFill>
+          <a:blip r:embed="rId3">
+            <a:extLst>
+              <a:ext uri="{28A0092B-C50C-407E-A947-70E740481C1C}">
+                <a14:useLocalDpi xmlns:a14="http://schemas.microsoft.com/office/drawing/2010/main" val="0"/>
+              </a:ext>
+            </a:extLst>
+          </a:blip>
+          <a:srcRect/>
+          <a:stretch>
+            <a:fillRect/>
+          </a:stretch>
+        </p:blipFill>
+        <p:spPr bwMode="auto">
+          <a:xfrm>
+            <a:off x="0" y="3412869"/>
+            <a:ext cx="1440000" cy="1440000"/>
+          </a:xfrm>
+          <a:prstGeom prst="rect">
+            <a:avLst/>
+          </a:prstGeom>
+          <a:noFill/>
+          <a:extLst>
+            <a:ext uri="{909E8E84-426E-40DD-AFC4-6F175D3DCCD1}">
+              <a14:hiddenFill xmlns:a14="http://schemas.microsoft.com/office/drawing/2010/main">
+                <a:solidFill>
+                  <a:srgbClr val="FFFFFF"/>
+                </a:solidFill>
+              </a14:hiddenFill>
+            </a:ext>
+          </a:extLst>
+        </p:spPr>
+      </p:pic>
+      <p:pic>
+        <p:nvPicPr>
+          <p:cNvPr id="2052" name="Picture 4" descr="https://vignette.wikia.nocookie.net/pokemony/images/0/01/Moltres.png/revision/latest/scale-to-width-down/350?cb=20150823193813&amp;path-prefix=pl"/>
+          <p:cNvPicPr>
+            <a:picLocks noChangeAspect="1" noChangeArrowheads="1"/>
+          </p:cNvPicPr>
+          <p:nvPr/>
+        </p:nvPicPr>
+        <p:blipFill>
+          <a:blip r:embed="rId4">
+            <a:extLst>
+              <a:ext uri="{28A0092B-C50C-407E-A947-70E740481C1C}">
+                <a14:useLocalDpi xmlns:a14="http://schemas.microsoft.com/office/drawing/2010/main" val="0"/>
+              </a:ext>
+            </a:extLst>
+          </a:blip>
+          <a:srcRect/>
+          <a:stretch>
+            <a:fillRect/>
+          </a:stretch>
+        </p:blipFill>
+        <p:spPr bwMode="auto">
+          <a:xfrm>
+            <a:off x="1360086" y="3412869"/>
+            <a:ext cx="1440000" cy="1440000"/>
+          </a:xfrm>
+          <a:prstGeom prst="rect">
+            <a:avLst/>
+          </a:prstGeom>
+          <a:noFill/>
+          <a:extLst>
+            <a:ext uri="{909E8E84-426E-40DD-AFC4-6F175D3DCCD1}">
+              <a14:hiddenFill xmlns:a14="http://schemas.microsoft.com/office/drawing/2010/main">
+                <a:solidFill>
+                  <a:srgbClr val="FFFFFF"/>
+                </a:solidFill>
+              </a14:hiddenFill>
+            </a:ext>
+          </a:extLst>
+        </p:spPr>
+      </p:pic>
+      <p:pic>
+        <p:nvPicPr>
+          <p:cNvPr id="2054" name="Picture 6" descr="Tangela"/>
+          <p:cNvPicPr>
+            <a:picLocks noChangeAspect="1" noChangeArrowheads="1"/>
+          </p:cNvPicPr>
+          <p:nvPr/>
+        </p:nvPicPr>
+        <p:blipFill>
+          <a:blip r:embed="rId5">
+            <a:extLst>
+              <a:ext uri="{28A0092B-C50C-407E-A947-70E740481C1C}">
+                <a14:useLocalDpi xmlns:a14="http://schemas.microsoft.com/office/drawing/2010/main" val="0"/>
+              </a:ext>
+            </a:extLst>
+          </a:blip>
+          <a:srcRect/>
+          <a:stretch>
+            <a:fillRect/>
+          </a:stretch>
+        </p:blipFill>
+        <p:spPr bwMode="auto">
+          <a:xfrm>
+            <a:off x="2938600" y="3412869"/>
+            <a:ext cx="1440000" cy="1440000"/>
+          </a:xfrm>
+          <a:prstGeom prst="rect">
+            <a:avLst/>
+          </a:prstGeom>
+          <a:noFill/>
+          <a:extLst>
+            <a:ext uri="{909E8E84-426E-40DD-AFC4-6F175D3DCCD1}">
+              <a14:hiddenFill xmlns:a14="http://schemas.microsoft.com/office/drawing/2010/main">
+                <a:solidFill>
+                  <a:srgbClr val="FFFFFF"/>
+                </a:solidFill>
+              </a14:hiddenFill>
+            </a:ext>
+          </a:extLst>
+        </p:spPr>
+      </p:pic>
+      <p:pic>
+        <p:nvPicPr>
+          <p:cNvPr id="2056" name="Picture 8" descr="Weezing"/>
+          <p:cNvPicPr>
+            <a:picLocks noChangeAspect="1" noChangeArrowheads="1"/>
+          </p:cNvPicPr>
+          <p:nvPr/>
+        </p:nvPicPr>
+        <p:blipFill>
+          <a:blip r:embed="rId6">
+            <a:extLst>
+              <a:ext uri="{28A0092B-C50C-407E-A947-70E740481C1C}">
+                <a14:useLocalDpi xmlns:a14="http://schemas.microsoft.com/office/drawing/2010/main" val="0"/>
+              </a:ext>
+            </a:extLst>
+          </a:blip>
+          <a:srcRect/>
+          <a:stretch>
+            <a:fillRect/>
+          </a:stretch>
+        </p:blipFill>
+        <p:spPr bwMode="auto">
+          <a:xfrm>
+            <a:off x="4572000" y="3401909"/>
+            <a:ext cx="1440000" cy="1440000"/>
+          </a:xfrm>
+          <a:prstGeom prst="rect">
+            <a:avLst/>
+          </a:prstGeom>
+          <a:noFill/>
+          <a:extLst>
+            <a:ext uri="{909E8E84-426E-40DD-AFC4-6F175D3DCCD1}">
+              <a14:hiddenFill xmlns:a14="http://schemas.microsoft.com/office/drawing/2010/main">
+                <a:solidFill>
+                  <a:srgbClr val="FFFFFF"/>
+                </a:solidFill>
+              </a14:hiddenFill>
+            </a:ext>
+          </a:extLst>
+        </p:spPr>
+      </p:pic>
+      <p:pic>
+        <p:nvPicPr>
+          <p:cNvPr id="2058" name="Picture 10" descr="https://vignette.wikia.nocookie.net/pokemony/images/b/bd/Regirock.png/revision/latest/scale-to-width-down/350?cb=20150824130223&amp;path-prefix=pl"/>
+          <p:cNvPicPr>
+            <a:picLocks noChangeAspect="1" noChangeArrowheads="1"/>
+          </p:cNvPicPr>
+          <p:nvPr/>
+        </p:nvPicPr>
+        <p:blipFill>
+          <a:blip r:embed="rId7">
+            <a:extLst>
+              <a:ext uri="{28A0092B-C50C-407E-A947-70E740481C1C}">
+                <a14:useLocalDpi xmlns:a14="http://schemas.microsoft.com/office/drawing/2010/main" val="0"/>
+              </a:ext>
+            </a:extLst>
+          </a:blip>
+          <a:srcRect/>
+          <a:stretch>
+            <a:fillRect/>
+          </a:stretch>
+        </p:blipFill>
+        <p:spPr bwMode="auto">
+          <a:xfrm>
+            <a:off x="6211028" y="3401909"/>
+            <a:ext cx="1440000" cy="1440000"/>
+          </a:xfrm>
+          <a:prstGeom prst="rect">
+            <a:avLst/>
+          </a:prstGeom>
+          <a:noFill/>
+          <a:extLst>
+            <a:ext uri="{909E8E84-426E-40DD-AFC4-6F175D3DCCD1}">
+              <a14:hiddenFill xmlns:a14="http://schemas.microsoft.com/office/drawing/2010/main">
+                <a:solidFill>
+                  <a:srgbClr val="FFFFFF"/>
+                </a:solidFill>
+              </a14:hiddenFill>
+            </a:ext>
+          </a:extLst>
+        </p:spPr>
+      </p:pic>
+      <p:pic>
+        <p:nvPicPr>
+          <p:cNvPr id="2060" name="Picture 12" descr="https://vignette.wikia.nocookie.net/pokemon/images/b/ba/208Steelix.png/revision/latest/scale-to-width-down/350?cb=20140329014402"/>
+          <p:cNvPicPr>
+            <a:picLocks noChangeAspect="1" noChangeArrowheads="1"/>
+          </p:cNvPicPr>
+          <p:nvPr/>
+        </p:nvPicPr>
+        <p:blipFill>
+          <a:blip r:embed="rId8">
+            <a:extLst>
+              <a:ext uri="{28A0092B-C50C-407E-A947-70E740481C1C}">
+                <a14:useLocalDpi xmlns:a14="http://schemas.microsoft.com/office/drawing/2010/main" val="0"/>
+              </a:ext>
+            </a:extLst>
+          </a:blip>
+          <a:srcRect/>
+          <a:stretch>
+            <a:fillRect/>
+          </a:stretch>
+        </p:blipFill>
+        <p:spPr bwMode="auto">
+          <a:xfrm>
+            <a:off x="7651028" y="3412869"/>
+            <a:ext cx="1440000" cy="1440000"/>
+          </a:xfrm>
+          <a:prstGeom prst="rect">
+            <a:avLst/>
+          </a:prstGeom>
+          <a:noFill/>
+          <a:extLst>
+            <a:ext uri="{909E8E84-426E-40DD-AFC4-6F175D3DCCD1}">
+              <a14:hiddenFill xmlns:a14="http://schemas.microsoft.com/office/drawing/2010/main">
+                <a:solidFill>
+                  <a:srgbClr val="FFFFFF"/>
+                </a:solidFill>
+              </a14:hiddenFill>
+            </a:ext>
+          </a:extLst>
+        </p:spPr>
+      </p:pic>
+    </p:spTree>
+    <p:extLst>
+      <p:ext uri="{BB962C8B-B14F-4D97-AF65-F5344CB8AC3E}">
+        <p14:creationId xmlns:p14="http://schemas.microsoft.com/office/powerpoint/2010/main" val="2906472454"/>
+      </p:ext>
+    </p:extLst>
+  </p:cSld>
+  <p:clrMapOvr>
+    <a:masterClrMapping/>
+  </p:clrMapOvr>
+  <p:timing>
+    <p:tnLst>
+      <p:par>
+        <p:cTn id="1" dur="indefinite" restart="never" nodeType="tmRoot">
+          <p:childTnLst>
+            <p:seq concurrent="1" nextAc="seek">
+              <p:cTn id="2" dur="indefinite" nodeType="mainSeq">
+                <p:childTnLst>
+                  <p:par>
+                    <p:cTn id="3" fill="hold">
+                      <p:stCondLst>
+                        <p:cond delay="indefinite"/>
+                      </p:stCondLst>
+                      <p:childTnLst>
+                        <p:par>
+                          <p:cTn id="4" fill="hold">
+                            <p:stCondLst>
+                              <p:cond delay="0"/>
+                            </p:stCondLst>
+                            <p:childTnLst>
+                              <p:par>
+                                <p:cTn id="5" presetID="2" presetClass="entr" presetSubtype="2" fill="hold" nodeType="clickEffect">
+                                  <p:stCondLst>
+                                    <p:cond delay="0"/>
+                                  </p:stCondLst>
+                                  <p:childTnLst>
+                                    <p:set>
+                                      <p:cBhvr>
+                                        <p:cTn id="6" dur="1" fill="hold">
+                                          <p:stCondLst>
+                                            <p:cond delay="0"/>
+                                          </p:stCondLst>
+                                        </p:cTn>
+                                        <p:tgtEl>
+                                          <p:spTgt spid="2050"/>
+                                        </p:tgtEl>
+                                        <p:attrNameLst>
+                                          <p:attrName>style.visibility</p:attrName>
+                                        </p:attrNameLst>
+                                      </p:cBhvr>
+                                      <p:to>
+                                        <p:strVal val="visible"/>
+                                      </p:to>
+                                    </p:set>
+                                    <p:anim calcmode="lin" valueType="num">
+                                      <p:cBhvr additive="base">
+                                        <p:cTn id="7" dur="500" fill="hold"/>
+                                        <p:tgtEl>
+                                          <p:spTgt spid="2050"/>
+                                        </p:tgtEl>
+                                        <p:attrNameLst>
+                                          <p:attrName>ppt_x</p:attrName>
+                                        </p:attrNameLst>
+                                      </p:cBhvr>
+                                      <p:tavLst>
+                                        <p:tav tm="0">
+                                          <p:val>
+                                            <p:strVal val="1+#ppt_w/2"/>
+                                          </p:val>
+                                        </p:tav>
+                                        <p:tav tm="100000">
+                                          <p:val>
+                                            <p:strVal val="#ppt_x"/>
+                                          </p:val>
+                                        </p:tav>
+                                      </p:tavLst>
+                                    </p:anim>
+                                    <p:anim calcmode="lin" valueType="num">
+                                      <p:cBhvr additive="base">
+                                        <p:cTn id="8" dur="500" fill="hold"/>
+                                        <p:tgtEl>
+                                          <p:spTgt spid="2050"/>
+                                        </p:tgtEl>
+                                        <p:attrNameLst>
+                                          <p:attrName>ppt_y</p:attrName>
+                                        </p:attrNameLst>
+                                      </p:cBhvr>
+                                      <p:tavLst>
+                                        <p:tav tm="0">
+                                          <p:val>
+                                            <p:strVal val="#ppt_y"/>
+                                          </p:val>
+                                        </p:tav>
+                                        <p:tav tm="100000">
+                                          <p:val>
+                                            <p:strVal val="#ppt_y"/>
+                                          </p:val>
+                                        </p:tav>
+                                      </p:tavLst>
+                                    </p:anim>
+                                  </p:childTnLst>
+                                </p:cTn>
+                              </p:par>
+                            </p:childTnLst>
+                          </p:cTn>
+                        </p:par>
+                        <p:par>
+                          <p:cTn id="9" fill="hold">
+                            <p:stCondLst>
+                              <p:cond delay="500"/>
+                            </p:stCondLst>
+                            <p:childTnLst>
+                              <p:par>
+                                <p:cTn id="10" presetID="2" presetClass="entr" presetSubtype="2" fill="hold" nodeType="afterEffect">
+                                  <p:stCondLst>
+                                    <p:cond delay="0"/>
+                                  </p:stCondLst>
+                                  <p:childTnLst>
+                                    <p:set>
+                                      <p:cBhvr>
+                                        <p:cTn id="11" dur="1" fill="hold">
+                                          <p:stCondLst>
+                                            <p:cond delay="0"/>
+                                          </p:stCondLst>
+                                        </p:cTn>
+                                        <p:tgtEl>
+                                          <p:spTgt spid="2052"/>
+                                        </p:tgtEl>
+                                        <p:attrNameLst>
+                                          <p:attrName>style.visibility</p:attrName>
+                                        </p:attrNameLst>
+                                      </p:cBhvr>
+                                      <p:to>
+                                        <p:strVal val="visible"/>
+                                      </p:to>
+                                    </p:set>
+                                    <p:anim calcmode="lin" valueType="num">
+                                      <p:cBhvr additive="base">
+                                        <p:cTn id="12" dur="500" fill="hold"/>
+                                        <p:tgtEl>
+                                          <p:spTgt spid="2052"/>
+                                        </p:tgtEl>
+                                        <p:attrNameLst>
+                                          <p:attrName>ppt_x</p:attrName>
+                                        </p:attrNameLst>
+                                      </p:cBhvr>
+                                      <p:tavLst>
+                                        <p:tav tm="0">
+                                          <p:val>
+                                            <p:strVal val="1+#ppt_w/2"/>
+                                          </p:val>
+                                        </p:tav>
+                                        <p:tav tm="100000">
+                                          <p:val>
+                                            <p:strVal val="#ppt_x"/>
+                                          </p:val>
+                                        </p:tav>
+                                      </p:tavLst>
+                                    </p:anim>
+                                    <p:anim calcmode="lin" valueType="num">
+                                      <p:cBhvr additive="base">
+                                        <p:cTn id="13" dur="500" fill="hold"/>
+                                        <p:tgtEl>
+                                          <p:spTgt spid="2052"/>
+                                        </p:tgtEl>
+                                        <p:attrNameLst>
+                                          <p:attrName>ppt_y</p:attrName>
+                                        </p:attrNameLst>
+                                      </p:cBhvr>
+                                      <p:tavLst>
+                                        <p:tav tm="0">
+                                          <p:val>
+                                            <p:strVal val="#ppt_y"/>
+                                          </p:val>
+                                        </p:tav>
+                                        <p:tav tm="100000">
+                                          <p:val>
+                                            <p:strVal val="#ppt_y"/>
+                                          </p:val>
+                                        </p:tav>
+                                      </p:tavLst>
+                                    </p:anim>
+                                  </p:childTnLst>
+                                </p:cTn>
+                              </p:par>
+                            </p:childTnLst>
+                          </p:cTn>
+                        </p:par>
+                        <p:par>
+                          <p:cTn id="14" fill="hold">
+                            <p:stCondLst>
+                              <p:cond delay="1000"/>
+                            </p:stCondLst>
+                            <p:childTnLst>
+                              <p:par>
+                                <p:cTn id="15" presetID="2" presetClass="entr" presetSubtype="2" fill="hold" nodeType="afterEffect">
+                                  <p:stCondLst>
+                                    <p:cond delay="0"/>
+                                  </p:stCondLst>
+                                  <p:childTnLst>
+                                    <p:set>
+                                      <p:cBhvr>
+                                        <p:cTn id="16" dur="1" fill="hold">
+                                          <p:stCondLst>
+                                            <p:cond delay="0"/>
+                                          </p:stCondLst>
+                                        </p:cTn>
+                                        <p:tgtEl>
+                                          <p:spTgt spid="2054"/>
+                                        </p:tgtEl>
+                                        <p:attrNameLst>
+                                          <p:attrName>style.visibility</p:attrName>
+                                        </p:attrNameLst>
+                                      </p:cBhvr>
+                                      <p:to>
+                                        <p:strVal val="visible"/>
+                                      </p:to>
+                                    </p:set>
+                                    <p:anim calcmode="lin" valueType="num">
+                                      <p:cBhvr additive="base">
+                                        <p:cTn id="17" dur="500" fill="hold"/>
+                                        <p:tgtEl>
+                                          <p:spTgt spid="2054"/>
+                                        </p:tgtEl>
+                                        <p:attrNameLst>
+                                          <p:attrName>ppt_x</p:attrName>
+                                        </p:attrNameLst>
+                                      </p:cBhvr>
+                                      <p:tavLst>
+                                        <p:tav tm="0">
+                                          <p:val>
+                                            <p:strVal val="1+#ppt_w/2"/>
+                                          </p:val>
+                                        </p:tav>
+                                        <p:tav tm="100000">
+                                          <p:val>
+                                            <p:strVal val="#ppt_x"/>
+                                          </p:val>
+                                        </p:tav>
+                                      </p:tavLst>
+                                    </p:anim>
+                                    <p:anim calcmode="lin" valueType="num">
+                                      <p:cBhvr additive="base">
+                                        <p:cTn id="18" dur="500" fill="hold"/>
+                                        <p:tgtEl>
+                                          <p:spTgt spid="2054"/>
+                                        </p:tgtEl>
+                                        <p:attrNameLst>
+                                          <p:attrName>ppt_y</p:attrName>
+                                        </p:attrNameLst>
+                                      </p:cBhvr>
+                                      <p:tavLst>
+                                        <p:tav tm="0">
+                                          <p:val>
+                                            <p:strVal val="#ppt_y"/>
+                                          </p:val>
+                                        </p:tav>
+                                        <p:tav tm="100000">
+                                          <p:val>
+                                            <p:strVal val="#ppt_y"/>
+                                          </p:val>
+                                        </p:tav>
+                                      </p:tavLst>
+                                    </p:anim>
+                                  </p:childTnLst>
+                                </p:cTn>
+                              </p:par>
+                            </p:childTnLst>
+                          </p:cTn>
+                        </p:par>
+                        <p:par>
+                          <p:cTn id="19" fill="hold">
+                            <p:stCondLst>
+                              <p:cond delay="1500"/>
+                            </p:stCondLst>
+                            <p:childTnLst>
+                              <p:par>
+                                <p:cTn id="20" presetID="2" presetClass="entr" presetSubtype="2" fill="hold" nodeType="afterEffect">
+                                  <p:stCondLst>
+                                    <p:cond delay="0"/>
+                                  </p:stCondLst>
+                                  <p:childTnLst>
+                                    <p:set>
+                                      <p:cBhvr>
+                                        <p:cTn id="21" dur="1" fill="hold">
+                                          <p:stCondLst>
+                                            <p:cond delay="0"/>
+                                          </p:stCondLst>
+                                        </p:cTn>
+                                        <p:tgtEl>
+                                          <p:spTgt spid="2056"/>
+                                        </p:tgtEl>
+                                        <p:attrNameLst>
+                                          <p:attrName>style.visibility</p:attrName>
+                                        </p:attrNameLst>
+                                      </p:cBhvr>
+                                      <p:to>
+                                        <p:strVal val="visible"/>
+                                      </p:to>
+                                    </p:set>
+                                    <p:anim calcmode="lin" valueType="num">
+                                      <p:cBhvr additive="base">
+                                        <p:cTn id="22" dur="500" fill="hold"/>
+                                        <p:tgtEl>
+                                          <p:spTgt spid="2056"/>
+                                        </p:tgtEl>
+                                        <p:attrNameLst>
+                                          <p:attrName>ppt_x</p:attrName>
+                                        </p:attrNameLst>
+                                      </p:cBhvr>
+                                      <p:tavLst>
+                                        <p:tav tm="0">
+                                          <p:val>
+                                            <p:strVal val="1+#ppt_w/2"/>
+                                          </p:val>
+                                        </p:tav>
+                                        <p:tav tm="100000">
+                                          <p:val>
+                                            <p:strVal val="#ppt_x"/>
+                                          </p:val>
+                                        </p:tav>
+                                      </p:tavLst>
+                                    </p:anim>
+                                    <p:anim calcmode="lin" valueType="num">
+                                      <p:cBhvr additive="base">
+                                        <p:cTn id="23" dur="500" fill="hold"/>
+                                        <p:tgtEl>
+                                          <p:spTgt spid="2056"/>
+                                        </p:tgtEl>
+                                        <p:attrNameLst>
+                                          <p:attrName>ppt_y</p:attrName>
+                                        </p:attrNameLst>
+                                      </p:cBhvr>
+                                      <p:tavLst>
+                                        <p:tav tm="0">
+                                          <p:val>
+                                            <p:strVal val="#ppt_y"/>
+                                          </p:val>
+                                        </p:tav>
+                                        <p:tav tm="100000">
+                                          <p:val>
+                                            <p:strVal val="#ppt_y"/>
+                                          </p:val>
+                                        </p:tav>
+                                      </p:tavLst>
+                                    </p:anim>
+                                  </p:childTnLst>
+                                </p:cTn>
+                              </p:par>
+                            </p:childTnLst>
+                          </p:cTn>
+                        </p:par>
+                        <p:par>
+                          <p:cTn id="24" fill="hold">
+                            <p:stCondLst>
+                              <p:cond delay="2000"/>
+                            </p:stCondLst>
+                            <p:childTnLst>
+                              <p:par>
+                                <p:cTn id="25" presetID="2" presetClass="entr" presetSubtype="2" fill="hold" nodeType="afterEffect">
+                                  <p:stCondLst>
+                                    <p:cond delay="0"/>
+                                  </p:stCondLst>
+                                  <p:childTnLst>
+                                    <p:set>
+                                      <p:cBhvr>
+                                        <p:cTn id="26" dur="1" fill="hold">
+                                          <p:stCondLst>
+                                            <p:cond delay="0"/>
+                                          </p:stCondLst>
+                                        </p:cTn>
+                                        <p:tgtEl>
+                                          <p:spTgt spid="2058"/>
+                                        </p:tgtEl>
+                                        <p:attrNameLst>
+                                          <p:attrName>style.visibility</p:attrName>
+                                        </p:attrNameLst>
+                                      </p:cBhvr>
+                                      <p:to>
+                                        <p:strVal val="visible"/>
+                                      </p:to>
+                                    </p:set>
+                                    <p:anim calcmode="lin" valueType="num">
+                                      <p:cBhvr additive="base">
+                                        <p:cTn id="27" dur="500" fill="hold"/>
+                                        <p:tgtEl>
+                                          <p:spTgt spid="2058"/>
+                                        </p:tgtEl>
+                                        <p:attrNameLst>
+                                          <p:attrName>ppt_x</p:attrName>
+                                        </p:attrNameLst>
+                                      </p:cBhvr>
+                                      <p:tavLst>
+                                        <p:tav tm="0">
+                                          <p:val>
+                                            <p:strVal val="1+#ppt_w/2"/>
+                                          </p:val>
+                                        </p:tav>
+                                        <p:tav tm="100000">
+                                          <p:val>
+                                            <p:strVal val="#ppt_x"/>
+                                          </p:val>
+                                        </p:tav>
+                                      </p:tavLst>
+                                    </p:anim>
+                                    <p:anim calcmode="lin" valueType="num">
+                                      <p:cBhvr additive="base">
+                                        <p:cTn id="28" dur="500" fill="hold"/>
+                                        <p:tgtEl>
+                                          <p:spTgt spid="2058"/>
+                                        </p:tgtEl>
+                                        <p:attrNameLst>
+                                          <p:attrName>ppt_y</p:attrName>
+                                        </p:attrNameLst>
+                                      </p:cBhvr>
+                                      <p:tavLst>
+                                        <p:tav tm="0">
+                                          <p:val>
+                                            <p:strVal val="#ppt_y"/>
+                                          </p:val>
+                                        </p:tav>
+                                        <p:tav tm="100000">
+                                          <p:val>
+                                            <p:strVal val="#ppt_y"/>
+                                          </p:val>
+                                        </p:tav>
+                                      </p:tavLst>
+                                    </p:anim>
+                                  </p:childTnLst>
+                                </p:cTn>
+                              </p:par>
+                            </p:childTnLst>
+                          </p:cTn>
+                        </p:par>
+                        <p:par>
+                          <p:cTn id="29" fill="hold">
+                            <p:stCondLst>
+                              <p:cond delay="2500"/>
+                            </p:stCondLst>
+                            <p:childTnLst>
+                              <p:par>
+                                <p:cTn id="30" presetID="2" presetClass="entr" presetSubtype="2" fill="hold" nodeType="afterEffect">
+                                  <p:stCondLst>
+                                    <p:cond delay="0"/>
+                                  </p:stCondLst>
+                                  <p:childTnLst>
+                                    <p:set>
+                                      <p:cBhvr>
+                                        <p:cTn id="31" dur="1" fill="hold">
+                                          <p:stCondLst>
+                                            <p:cond delay="0"/>
+                                          </p:stCondLst>
+                                        </p:cTn>
+                                        <p:tgtEl>
+                                          <p:spTgt spid="2060"/>
+                                        </p:tgtEl>
+                                        <p:attrNameLst>
+                                          <p:attrName>style.visibility</p:attrName>
+                                        </p:attrNameLst>
+                                      </p:cBhvr>
+                                      <p:to>
+                                        <p:strVal val="visible"/>
+                                      </p:to>
+                                    </p:set>
+                                    <p:anim calcmode="lin" valueType="num">
+                                      <p:cBhvr additive="base">
+                                        <p:cTn id="32" dur="500" fill="hold"/>
+                                        <p:tgtEl>
+                                          <p:spTgt spid="2060"/>
+                                        </p:tgtEl>
+                                        <p:attrNameLst>
+                                          <p:attrName>ppt_x</p:attrName>
+                                        </p:attrNameLst>
+                                      </p:cBhvr>
+                                      <p:tavLst>
+                                        <p:tav tm="0">
+                                          <p:val>
+                                            <p:strVal val="1+#ppt_w/2"/>
+                                          </p:val>
+                                        </p:tav>
+                                        <p:tav tm="100000">
+                                          <p:val>
+                                            <p:strVal val="#ppt_x"/>
+                                          </p:val>
+                                        </p:tav>
+                                      </p:tavLst>
+                                    </p:anim>
+                                    <p:anim calcmode="lin" valueType="num">
+                                      <p:cBhvr additive="base">
+                                        <p:cTn id="33" dur="500" fill="hold"/>
+                                        <p:tgtEl>
+                                          <p:spTgt spid="2060"/>
+                                        </p:tgtEl>
+                                        <p:attrNameLst>
+                                          <p:attrName>ppt_y</p:attrName>
+                                        </p:attrNameLst>
+                                      </p:cBhvr>
+                                      <p:tavLst>
+                                        <p:tav tm="0">
+                                          <p:val>
+                                            <p:strVal val="#ppt_y"/>
+                                          </p:val>
+                                        </p:tav>
+                                        <p:tav tm="100000">
+                                          <p:val>
+                                            <p:strVal val="#ppt_y"/>
+                                          </p:val>
+                                        </p:tav>
+                                      </p:tavLst>
+                                    </p:anim>
+                                  </p:childTnLst>
+                                </p:cTn>
+                              </p:par>
+                            </p:childTnLst>
+                          </p:cTn>
+                        </p:par>
+                      </p:childTnLst>
+                    </p:cTn>
+                  </p:par>
+                </p:childTnLst>
+              </p:cTn>
+              <p:prevCondLst>
+                <p:cond evt="onPrev" delay="0">
+                  <p:tgtEl>
+                    <p:sldTgt/>
+                  </p:tgtEl>
+                </p:cond>
+              </p:prevCondLst>
+              <p:nextCondLst>
+                <p:cond evt="onNext" delay="0">
+                  <p:tgtEl>
+                    <p:sldTgt/>
+                  </p:tgtEl>
+                </p:cond>
+              </p:nextCondLst>
+            </p:seq>
+          </p:childTnLst>
+        </p:cTn>
+      </p:par>
+    </p:tnLst>
+  </p:timing>
+</p:sld>
+</file>
+
+<file path=ppt/slides/slide19.xml><?xml version="1.0" encoding="utf-8"?>
+<p:sld xmlns:a="http://schemas.openxmlformats.org/drawingml/2006/main" xmlns:r="http://schemas.openxmlformats.org/officeDocument/2006/relationships" xmlns:p="http://schemas.openxmlformats.org/presentationml/2006/main">
+  <p:cSld>
+    <p:spTree>
+      <p:nvGrpSpPr>
+        <p:cNvPr id="1" name=""/>
+        <p:cNvGrpSpPr/>
+        <p:nvPr/>
+      </p:nvGrpSpPr>
+      <p:grpSpPr>
+        <a:xfrm>
+          <a:off x="0" y="0"/>
+          <a:ext cx="0" cy="0"/>
+          <a:chOff x="0" y="0"/>
+          <a:chExt cx="0" cy="0"/>
+        </a:xfrm>
+      </p:grpSpPr>
+      <p:sp>
+        <p:nvSpPr>
+          <p:cNvPr id="2" name="Tytuł 1"/>
+          <p:cNvSpPr>
+            <a:spLocks noGrp="1"/>
+          </p:cNvSpPr>
+          <p:nvPr>
+            <p:ph type="title"/>
+          </p:nvPr>
+        </p:nvSpPr>
+        <p:spPr/>
+        <p:txBody>
+          <a:bodyPr/>
+          <a:lstStyle/>
+          <a:p>
+            <a:r>
+              <a:rPr lang="pl-PL" dirty="0" smtClean="0">
+                <a:solidFill>
+                  <a:srgbClr val="A61C00"/>
+                </a:solidFill>
+              </a:rPr>
+              <a:t>DREAM TEAM</a:t>
+            </a:r>
+            <a:endParaRPr lang="pl-PL" dirty="0">
+              <a:solidFill>
+                <a:srgbClr val="A61C00"/>
+              </a:solidFill>
+            </a:endParaRPr>
+          </a:p>
+        </p:txBody>
+      </p:sp>
+      <p:sp>
+        <p:nvSpPr>
+          <p:cNvPr id="3" name="Symbol zastępczy tekstu 2"/>
+          <p:cNvSpPr>
+            <a:spLocks noGrp="1"/>
+          </p:cNvSpPr>
+          <p:nvPr>
+            <p:ph type="body" idx="1"/>
+          </p:nvPr>
+        </p:nvSpPr>
+        <p:spPr/>
+        <p:txBody>
+          <a:bodyPr/>
+          <a:lstStyle/>
+          <a:p>
+            <a:pPr marL="114300" indent="0">
+              <a:buNone/>
+            </a:pPr>
+            <a:r>
+              <a:rPr lang="pl-PL" dirty="0" smtClean="0"/>
+              <a:t>TYPY ”UNIWERSALNE”:</a:t>
+            </a:r>
+          </a:p>
+          <a:p>
+            <a:pPr lvl="0">
+              <a:lnSpc>
+                <a:spcPct val="150000"/>
+              </a:lnSpc>
+              <a:spcBef>
+                <a:spcPts val="1600"/>
+              </a:spcBef>
+            </a:pPr>
+            <a:r>
+              <a:rPr lang="pl-PL" dirty="0" smtClean="0"/>
+              <a:t>Grass</a:t>
+            </a:r>
+            <a:endParaRPr lang="pl-PL" b="1" dirty="0">
+              <a:solidFill>
+                <a:srgbClr val="A61C00"/>
+              </a:solidFill>
+            </a:endParaRPr>
+          </a:p>
+          <a:p>
+            <a:pPr lvl="0">
+              <a:lnSpc>
+                <a:spcPct val="150000"/>
+              </a:lnSpc>
+            </a:pPr>
+            <a:r>
+              <a:rPr lang="pl-PL" dirty="0" smtClean="0"/>
+              <a:t>Rock</a:t>
+            </a:r>
+            <a:endParaRPr lang="pl-PL" b="1" dirty="0">
+              <a:solidFill>
+                <a:srgbClr val="A61C00"/>
+              </a:solidFill>
+            </a:endParaRPr>
+          </a:p>
+          <a:p>
+            <a:pPr lvl="0">
+              <a:lnSpc>
+                <a:spcPct val="150000"/>
+              </a:lnSpc>
+            </a:pPr>
+            <a:r>
+              <a:rPr lang="pl-PL" dirty="0" err="1" smtClean="0"/>
+              <a:t>Fire</a:t>
+            </a:r>
+            <a:endParaRPr lang="pl-PL" dirty="0" smtClean="0"/>
+          </a:p>
+          <a:p>
+            <a:pPr marL="114300" indent="0">
+              <a:buNone/>
+            </a:pPr>
+            <a:endParaRPr lang="pl-PL" sz="2200" dirty="0"/>
+          </a:p>
+          <a:p>
+            <a:pPr marL="114300" indent="0" algn="ctr">
+              <a:buNone/>
+            </a:pPr>
+            <a:r>
+              <a:rPr lang="pl-PL" dirty="0" smtClean="0"/>
+              <a:t>UNIWERSALNY TYP  </a:t>
+            </a:r>
+            <a:r>
+              <a:rPr lang="pl-PL" dirty="0" smtClean="0">
+                <a:solidFill>
+                  <a:srgbClr val="A61C00"/>
+                </a:solidFill>
+              </a:rPr>
+              <a:t>!=</a:t>
+            </a:r>
+            <a:r>
+              <a:rPr lang="pl-PL" dirty="0" smtClean="0"/>
+              <a:t>  UNIWERSALNY GATUNEK</a:t>
+            </a:r>
+            <a:endParaRPr lang="pl-PL" dirty="0"/>
+          </a:p>
+        </p:txBody>
+      </p:sp>
+    </p:spTree>
+    <p:extLst>
+      <p:ext uri="{BB962C8B-B14F-4D97-AF65-F5344CB8AC3E}">
+        <p14:creationId xmlns:p14="http://schemas.microsoft.com/office/powerpoint/2010/main" val="7625754"/>
+      </p:ext>
+    </p:extLst>
+  </p:cSld>
+  <p:clrMapOvr>
+    <a:masterClrMapping/>
+  </p:clrMapOvr>
+  <p:timing>
+    <p:tnLst>
+      <p:par>
+        <p:cTn id="1" dur="indefinite" restart="never" nodeType="tmRoot"/>
+      </p:par>
+    </p:tnLst>
+  </p:timing>
 </p:sld>
 </file>
 
@@ -6598,6 +11484,89 @@
   <p:clrMapOvr>
     <a:masterClrMapping/>
   </p:clrMapOvr>
+  <p:timing>
+    <p:tnLst>
+      <p:par>
+        <p:cTn id="1" dur="indefinite" restart="never" nodeType="tmRoot"/>
+      </p:par>
+    </p:tnLst>
+  </p:timing>
+</p:sld>
+</file>
+
+<file path=ppt/slides/slide20.xml><?xml version="1.0" encoding="utf-8"?>
+<p:sld xmlns:a="http://schemas.openxmlformats.org/drawingml/2006/main" xmlns:r="http://schemas.openxmlformats.org/officeDocument/2006/relationships" xmlns:p="http://schemas.openxmlformats.org/presentationml/2006/main">
+  <p:cSld>
+    <p:spTree>
+      <p:nvGrpSpPr>
+        <p:cNvPr id="1" name=""/>
+        <p:cNvGrpSpPr/>
+        <p:nvPr/>
+      </p:nvGrpSpPr>
+      <p:grpSpPr>
+        <a:xfrm>
+          <a:off x="0" y="0"/>
+          <a:ext cx="0" cy="0"/>
+          <a:chOff x="0" y="0"/>
+          <a:chExt cx="0" cy="0"/>
+        </a:xfrm>
+      </p:grpSpPr>
+      <p:sp>
+        <p:nvSpPr>
+          <p:cNvPr id="3" name="Symbol zastępczy tekstu 2"/>
+          <p:cNvSpPr>
+            <a:spLocks noGrp="1"/>
+          </p:cNvSpPr>
+          <p:nvPr>
+            <p:ph type="body" idx="1"/>
+          </p:nvPr>
+        </p:nvSpPr>
+        <p:spPr>
+          <a:xfrm>
+            <a:off x="311700" y="2235642"/>
+            <a:ext cx="8520600" cy="672217"/>
+          </a:xfrm>
+        </p:spPr>
+        <p:txBody>
+          <a:bodyPr/>
+          <a:lstStyle/>
+          <a:p>
+            <a:pPr marL="114300" indent="0" algn="ctr">
+              <a:buNone/>
+            </a:pPr>
+            <a:r>
+              <a:rPr lang="pl-PL" sz="2800" dirty="0" smtClean="0">
+                <a:solidFill>
+                  <a:srgbClr val="A61C00"/>
+                </a:solidFill>
+              </a:rPr>
+              <a:t>CZAS NA POJEDYNEK …</a:t>
+            </a:r>
+            <a:endParaRPr lang="pl-PL" sz="2800" dirty="0">
+              <a:solidFill>
+                <a:srgbClr val="A61C00"/>
+              </a:solidFill>
+            </a:endParaRPr>
+          </a:p>
+        </p:txBody>
+      </p:sp>
+    </p:spTree>
+    <p:extLst>
+      <p:ext uri="{BB962C8B-B14F-4D97-AF65-F5344CB8AC3E}">
+        <p14:creationId xmlns:p14="http://schemas.microsoft.com/office/powerpoint/2010/main" val="2720990105"/>
+      </p:ext>
+    </p:extLst>
+  </p:cSld>
+  <p:clrMapOvr>
+    <a:masterClrMapping/>
+  </p:clrMapOvr>
+  <p:timing>
+    <p:tnLst>
+      <p:par>
+        <p:cTn id="1" dur="indefinite" restart="never" nodeType="tmRoot"/>
+      </p:par>
+    </p:tnLst>
+  </p:timing>
 </p:sld>
 </file>
 
@@ -6726,7 +11695,7 @@
               </a:spcAft>
               <a:buNone/>
             </a:pPr>
-            <a:endParaRPr/>
+            <a:endParaRPr dirty="0"/>
           </a:p>
           <a:p>
             <a:pPr marL="457200" lvl="0" indent="-342900" algn="l" rtl="0">
@@ -6743,18 +11712,18 @@
               <a:buChar char="●"/>
             </a:pPr>
             <a:r>
-              <a:rPr lang="pl"/>
+              <a:rPr lang="pl" dirty="0"/>
               <a:t>LICZBA TYPÓW POKEMONÓW: </a:t>
             </a:r>
             <a:r>
-              <a:rPr lang="pl" b="1">
+              <a:rPr lang="pl" b="1" dirty="0">
                 <a:solidFill>
                   <a:srgbClr val="A61C00"/>
                 </a:solidFill>
               </a:rPr>
               <a:t>18</a:t>
             </a:r>
-            <a:endParaRPr b="1">
+            <a:endParaRPr b="1" dirty="0">
               <a:solidFill>
                 <a:srgbClr val="A61C00"/>
               </a:solidFill>
@@ -6775,18 +11744,18 @@
               <a:buChar char="●"/>
             </a:pPr>
             <a:r>
-              <a:rPr lang="pl"/>
+              <a:rPr lang="pl" dirty="0"/>
               <a:t>LICZBA GATUNKÓW: </a:t>
             </a:r>
             <a:r>
-              <a:rPr lang="pl" b="1">
+              <a:rPr lang="pl" b="1" dirty="0">
                 <a:solidFill>
                   <a:srgbClr val="A61C00"/>
                 </a:solidFill>
               </a:rPr>
               <a:t>656</a:t>
             </a:r>
-            <a:endParaRPr b="1">
+            <a:endParaRPr b="1" dirty="0">
               <a:solidFill>
                 <a:srgbClr val="A61C00"/>
               </a:solidFill>
@@ -6807,18 +11776,18 @@
               <a:buChar char="●"/>
             </a:pPr>
             <a:r>
-              <a:rPr lang="pl"/>
+              <a:rPr lang="pl" dirty="0"/>
               <a:t>LICZEBNOŚĆ DRUŻYNY: </a:t>
             </a:r>
             <a:r>
-              <a:rPr lang="pl" b="1">
+              <a:rPr lang="pl" b="1" dirty="0">
                 <a:solidFill>
                   <a:srgbClr val="A61C00"/>
                 </a:solidFill>
               </a:rPr>
               <a:t>6</a:t>
             </a:r>
-            <a:endParaRPr b="1">
+            <a:endParaRPr b="1" dirty="0">
               <a:solidFill>
                 <a:srgbClr val="A61C00"/>
               </a:solidFill>
@@ -6839,10 +11808,10 @@
               <a:buChar char="●"/>
             </a:pPr>
             <a:r>
-              <a:rPr lang="pl"/>
+              <a:rPr lang="pl" dirty="0"/>
               <a:t>LICZBA KOMBINACJI WYBORU DRUŻYNY:</a:t>
             </a:r>
-            <a:endParaRPr/>
+            <a:endParaRPr dirty="0"/>
           </a:p>
           <a:p>
             <a:pPr marL="457200" lvl="0" indent="0" algn="l" rtl="0">
@@ -6854,7 +11823,7 @@
               </a:spcAft>
               <a:buNone/>
             </a:pPr>
-            <a:endParaRPr/>
+            <a:endParaRPr dirty="0"/>
           </a:p>
           <a:p>
             <a:pPr marL="0" lvl="0" indent="0" algn="l" rtl="0">
@@ -6866,7 +11835,7 @@
               </a:spcAft>
               <a:buNone/>
             </a:pPr>
-            <a:endParaRPr/>
+            <a:endParaRPr dirty="0"/>
           </a:p>
           <a:p>
             <a:pPr marL="0" lvl="0" indent="0" algn="l" rtl="0">
@@ -6878,7 +11847,7 @@
               </a:spcAft>
               <a:buNone/>
             </a:pPr>
-            <a:endParaRPr/>
+            <a:endParaRPr dirty="0"/>
           </a:p>
           <a:p>
             <a:pPr marL="0" lvl="0" indent="0" algn="l" rtl="0">
@@ -6890,7 +11859,7 @@
               </a:spcAft>
               <a:buNone/>
             </a:pPr>
-            <a:endParaRPr/>
+            <a:endParaRPr dirty="0"/>
           </a:p>
         </p:txBody>
       </p:sp>
@@ -7525,7 +12494,7 @@
               <a:buNone/>
             </a:pPr>
             <a:r>
-              <a:rPr lang="pl" sz="3000">
+              <a:rPr lang="pl" sz="3000" dirty="0">
                 <a:solidFill>
                   <a:srgbClr val="A61C00"/>
                 </a:solidFill>
@@ -7536,7 +12505,7 @@
               </a:rPr>
               <a:t>PCA - WIZUALIZACJA 3D</a:t>
             </a:r>
-            <a:endParaRPr sz="3000">
+            <a:endParaRPr sz="3000" dirty="0">
               <a:solidFill>
                 <a:srgbClr val="A61C00"/>
               </a:solidFill>
@@ -7580,6 +12549,13 @@
   <p:clrMapOvr>
     <a:masterClrMapping/>
   </p:clrMapOvr>
+  <p:timing>
+    <p:tnLst>
+      <p:par>
+        <p:cTn id="1" dur="indefinite" restart="never" nodeType="tmRoot"/>
+      </p:par>
+    </p:tnLst>
+  </p:timing>
 </p:sld>
 </file>
 
@@ -7783,7 +12759,7 @@
               <a:buNone/>
             </a:pPr>
             <a:r>
-              <a:rPr lang="pl" sz="3000">
+              <a:rPr lang="pl" sz="3000" dirty="0">
                 <a:solidFill>
                   <a:srgbClr val="A61C00"/>
                 </a:solidFill>
@@ -7794,7 +12770,7 @@
               </a:rPr>
               <a:t>PCA - WIZUALIZACJE 2D</a:t>
             </a:r>
-            <a:endParaRPr sz="3000">
+            <a:endParaRPr sz="3000" dirty="0">
               <a:solidFill>
                 <a:srgbClr val="A61C00"/>
               </a:solidFill>
@@ -7817,7 +12793,7 @@
         <p:fade thruBlk="1"/>
       </p:transition>
     </mc:Choice>
-    <mc:Fallback xmlns:p15="http://schemas.microsoft.com/office/powerpoint/2012/main" xmlns:com="http://schemas.openxmlformats.org/drawingml/2006/compatibility" xmlns:pvml="urn:schemas-microsoft-com:office:powerpoint" xmlns:v="urn:schemas-microsoft-com:vml" xmlns:o="urn:schemas-microsoft-com:office:office" xmlns:dgm="http://schemas.openxmlformats.org/drawingml/2006/diagram" xmlns:c="http://schemas.openxmlformats.org/drawingml/2006/chart" xmlns:mv="urn:schemas-microsoft-com:mac:vml" xmlns="">
+    <mc:Fallback xmlns="" xmlns:mv="urn:schemas-microsoft-com:mac:vml" xmlns:c="http://schemas.openxmlformats.org/drawingml/2006/chart" xmlns:dgm="http://schemas.openxmlformats.org/drawingml/2006/diagram" xmlns:o="urn:schemas-microsoft-com:office:office" xmlns:v="urn:schemas-microsoft-com:vml" xmlns:pvml="urn:schemas-microsoft-com:office:powerpoint" xmlns:com="http://schemas.openxmlformats.org/drawingml/2006/compatibility" xmlns:p15="http://schemas.microsoft.com/office/powerpoint/2012/main">
       <p:transition spd="slow">
         <p:fade/>
       </p:transition>
@@ -8427,6 +13403,341 @@
   <p:clrMapOvr>
     <a:masterClrMapping/>
   </p:clrMapOvr>
+  <p:timing>
+    <p:tnLst>
+      <p:par>
+        <p:cTn id="1" dur="indefinite" restart="never" nodeType="tmRoot"/>
+      </p:par>
+    </p:tnLst>
+  </p:timing>
+</p:sld>
+</file>
+
+<file path=ppt/slides/slide8.xml><?xml version="1.0" encoding="utf-8"?>
+<p:sld xmlns:a="http://schemas.openxmlformats.org/drawingml/2006/main" xmlns:r="http://schemas.openxmlformats.org/officeDocument/2006/relationships" xmlns:p="http://schemas.openxmlformats.org/presentationml/2006/main">
+  <p:cSld>
+    <p:spTree>
+      <p:nvGrpSpPr>
+        <p:cNvPr id="1" name=""/>
+        <p:cNvGrpSpPr/>
+        <p:nvPr/>
+      </p:nvGrpSpPr>
+      <p:grpSpPr>
+        <a:xfrm>
+          <a:off x="0" y="0"/>
+          <a:ext cx="0" cy="0"/>
+          <a:chOff x="0" y="0"/>
+          <a:chExt cx="0" cy="0"/>
+        </a:xfrm>
+      </p:grpSpPr>
+      <p:sp>
+        <p:nvSpPr>
+          <p:cNvPr id="2" name="Tytuł 1"/>
+          <p:cNvSpPr>
+            <a:spLocks noGrp="1"/>
+          </p:cNvSpPr>
+          <p:nvPr>
+            <p:ph type="title"/>
+          </p:nvPr>
+        </p:nvSpPr>
+        <p:spPr/>
+        <p:txBody>
+          <a:bodyPr/>
+          <a:lstStyle/>
+          <a:p>
+            <a:r>
+              <a:rPr lang="pl" dirty="0" smtClean="0">
+                <a:solidFill>
+                  <a:srgbClr val="A61C00"/>
+                </a:solidFill>
+                <a:latin typeface="Roboto"/>
+                <a:ea typeface="Roboto"/>
+                <a:cs typeface="Roboto"/>
+                <a:sym typeface="Roboto"/>
+              </a:rPr>
+              <a:t>POPULACJA WG TYPU (type1)</a:t>
+            </a:r>
+            <a:endParaRPr lang="pl-PL" dirty="0">
+              <a:solidFill>
+                <a:srgbClr val="A61C00"/>
+              </a:solidFill>
+            </a:endParaRPr>
+          </a:p>
+        </p:txBody>
+      </p:sp>
+      <p:pic>
+        <p:nvPicPr>
+          <p:cNvPr id="5" name="Obraz 4"/>
+          <p:cNvPicPr>
+            <a:picLocks noChangeAspect="1"/>
+          </p:cNvPicPr>
+          <p:nvPr/>
+        </p:nvPicPr>
+        <p:blipFill>
+          <a:blip r:embed="rId2">
+            <a:extLst>
+              <a:ext uri="{28A0092B-C50C-407E-A947-70E740481C1C}">
+                <a14:useLocalDpi xmlns:a14="http://schemas.microsoft.com/office/drawing/2010/main" val="0"/>
+              </a:ext>
+            </a:extLst>
+          </a:blip>
+          <a:stretch>
+            <a:fillRect/>
+          </a:stretch>
+        </p:blipFill>
+        <p:spPr>
+          <a:xfrm>
+            <a:off x="311700" y="1204686"/>
+            <a:ext cx="6317282" cy="3600000"/>
+          </a:xfrm>
+          <a:prstGeom prst="rect">
+            <a:avLst/>
+          </a:prstGeom>
+        </p:spPr>
+      </p:pic>
+      <p:pic>
+        <p:nvPicPr>
+          <p:cNvPr id="6" name="Obraz 5"/>
+          <p:cNvPicPr>
+            <a:picLocks noChangeAspect="1"/>
+          </p:cNvPicPr>
+          <p:nvPr/>
+        </p:nvPicPr>
+        <p:blipFill>
+          <a:blip r:embed="rId3"/>
+          <a:stretch>
+            <a:fillRect/>
+          </a:stretch>
+        </p:blipFill>
+        <p:spPr>
+          <a:xfrm>
+            <a:off x="7002236" y="1204686"/>
+            <a:ext cx="1702326" cy="3600000"/>
+          </a:xfrm>
+          <a:prstGeom prst="rect">
+            <a:avLst/>
+          </a:prstGeom>
+        </p:spPr>
+      </p:pic>
+      <p:sp>
+        <p:nvSpPr>
+          <p:cNvPr id="7" name="pole tekstowe 6"/>
+          <p:cNvSpPr txBox="1"/>
+          <p:nvPr/>
+        </p:nvSpPr>
+        <p:spPr>
+          <a:xfrm>
+            <a:off x="6703084" y="863836"/>
+            <a:ext cx="2300630" cy="307777"/>
+          </a:xfrm>
+          <a:prstGeom prst="rect">
+            <a:avLst/>
+          </a:prstGeom>
+          <a:noFill/>
+        </p:spPr>
+        <p:txBody>
+          <a:bodyPr wrap="none" rtlCol="0">
+            <a:spAutoFit/>
+          </a:bodyPr>
+          <a:lstStyle/>
+          <a:p>
+            <a:r>
+              <a:rPr lang="pl-PL" dirty="0" smtClean="0">
+                <a:solidFill>
+                  <a:srgbClr val="A61C00"/>
+                </a:solidFill>
+              </a:rPr>
+              <a:t>UDZIAŁY PROCENTOWE</a:t>
+            </a:r>
+            <a:endParaRPr lang="pl-PL" dirty="0">
+              <a:solidFill>
+                <a:srgbClr val="A61C00"/>
+              </a:solidFill>
+            </a:endParaRPr>
+          </a:p>
+        </p:txBody>
+      </p:sp>
+    </p:spTree>
+    <p:extLst>
+      <p:ext uri="{BB962C8B-B14F-4D97-AF65-F5344CB8AC3E}">
+        <p14:creationId xmlns:p14="http://schemas.microsoft.com/office/powerpoint/2010/main" val="260192786"/>
+      </p:ext>
+    </p:extLst>
+  </p:cSld>
+  <p:clrMapOvr>
+    <a:masterClrMapping/>
+  </p:clrMapOvr>
+  <p:timing>
+    <p:tnLst>
+      <p:par>
+        <p:cTn id="1" dur="indefinite" restart="never" nodeType="tmRoot"/>
+      </p:par>
+    </p:tnLst>
+  </p:timing>
+</p:sld>
+</file>
+
+<file path=ppt/slides/slide9.xml><?xml version="1.0" encoding="utf-8"?>
+<p:sld xmlns:a="http://schemas.openxmlformats.org/drawingml/2006/main" xmlns:r="http://schemas.openxmlformats.org/officeDocument/2006/relationships" xmlns:p="http://schemas.openxmlformats.org/presentationml/2006/main">
+  <p:cSld>
+    <p:spTree>
+      <p:nvGrpSpPr>
+        <p:cNvPr id="1" name=""/>
+        <p:cNvGrpSpPr/>
+        <p:nvPr/>
+      </p:nvGrpSpPr>
+      <p:grpSpPr>
+        <a:xfrm>
+          <a:off x="0" y="0"/>
+          <a:ext cx="0" cy="0"/>
+          <a:chOff x="0" y="0"/>
+          <a:chExt cx="0" cy="0"/>
+        </a:xfrm>
+      </p:grpSpPr>
+      <p:sp>
+        <p:nvSpPr>
+          <p:cNvPr id="2" name="Tytuł 1"/>
+          <p:cNvSpPr>
+            <a:spLocks noGrp="1"/>
+          </p:cNvSpPr>
+          <p:nvPr>
+            <p:ph type="title"/>
+          </p:nvPr>
+        </p:nvSpPr>
+        <p:spPr/>
+        <p:txBody>
+          <a:bodyPr/>
+          <a:lstStyle/>
+          <a:p>
+            <a:r>
+              <a:rPr lang="pl" dirty="0" smtClean="0">
+                <a:solidFill>
+                  <a:srgbClr val="A61C00"/>
+                </a:solidFill>
+                <a:latin typeface="Roboto"/>
+                <a:ea typeface="Roboto"/>
+                <a:cs typeface="Roboto"/>
+                <a:sym typeface="Roboto"/>
+              </a:rPr>
+              <a:t>POPULACJA WG TYPU dla level = 100</a:t>
+            </a:r>
+            <a:endParaRPr lang="pl-PL" dirty="0">
+              <a:solidFill>
+                <a:srgbClr val="A61C00"/>
+              </a:solidFill>
+            </a:endParaRPr>
+          </a:p>
+        </p:txBody>
+      </p:sp>
+      <p:sp>
+        <p:nvSpPr>
+          <p:cNvPr id="7" name="pole tekstowe 6"/>
+          <p:cNvSpPr txBox="1"/>
+          <p:nvPr/>
+        </p:nvSpPr>
+        <p:spPr>
+          <a:xfrm>
+            <a:off x="6703084" y="863836"/>
+            <a:ext cx="2300630" cy="307777"/>
+          </a:xfrm>
+          <a:prstGeom prst="rect">
+            <a:avLst/>
+          </a:prstGeom>
+          <a:noFill/>
+        </p:spPr>
+        <p:txBody>
+          <a:bodyPr wrap="none" rtlCol="0">
+            <a:spAutoFit/>
+          </a:bodyPr>
+          <a:lstStyle/>
+          <a:p>
+            <a:r>
+              <a:rPr lang="pl-PL" dirty="0" smtClean="0">
+                <a:solidFill>
+                  <a:srgbClr val="A61C00"/>
+                </a:solidFill>
+              </a:rPr>
+              <a:t>UDZIAŁY PROCENTOWE</a:t>
+            </a:r>
+            <a:endParaRPr lang="pl-PL" dirty="0">
+              <a:solidFill>
+                <a:srgbClr val="A61C00"/>
+              </a:solidFill>
+            </a:endParaRPr>
+          </a:p>
+        </p:txBody>
+      </p:sp>
+      <p:pic>
+        <p:nvPicPr>
+          <p:cNvPr id="3" name="Obraz 2"/>
+          <p:cNvPicPr>
+            <a:picLocks noChangeAspect="1"/>
+          </p:cNvPicPr>
+          <p:nvPr/>
+        </p:nvPicPr>
+        <p:blipFill>
+          <a:blip r:embed="rId2">
+            <a:extLst>
+              <a:ext uri="{28A0092B-C50C-407E-A947-70E740481C1C}">
+                <a14:useLocalDpi xmlns:a14="http://schemas.microsoft.com/office/drawing/2010/main" val="0"/>
+              </a:ext>
+            </a:extLst>
+          </a:blip>
+          <a:stretch>
+            <a:fillRect/>
+          </a:stretch>
+        </p:blipFill>
+        <p:spPr>
+          <a:xfrm>
+            <a:off x="311700" y="1204686"/>
+            <a:ext cx="6248153" cy="3600000"/>
+          </a:xfrm>
+          <a:prstGeom prst="rect">
+            <a:avLst/>
+          </a:prstGeom>
+        </p:spPr>
+      </p:pic>
+      <p:pic>
+        <p:nvPicPr>
+          <p:cNvPr id="4" name="Obraz 3"/>
+          <p:cNvPicPr>
+            <a:picLocks noChangeAspect="1"/>
+          </p:cNvPicPr>
+          <p:nvPr/>
+        </p:nvPicPr>
+        <p:blipFill>
+          <a:blip r:embed="rId3"/>
+          <a:stretch>
+            <a:fillRect/>
+          </a:stretch>
+        </p:blipFill>
+        <p:spPr>
+          <a:xfrm>
+            <a:off x="6942242" y="1204686"/>
+            <a:ext cx="1822314" cy="3600000"/>
+          </a:xfrm>
+          <a:prstGeom prst="rect">
+            <a:avLst/>
+          </a:prstGeom>
+        </p:spPr>
+      </p:pic>
+    </p:spTree>
+    <p:extLst>
+      <p:ext uri="{BB962C8B-B14F-4D97-AF65-F5344CB8AC3E}">
+        <p14:creationId xmlns:p14="http://schemas.microsoft.com/office/powerpoint/2010/main" val="2052782918"/>
+      </p:ext>
+    </p:extLst>
+  </p:cSld>
+  <p:clrMapOvr>
+    <a:masterClrMapping/>
+  </p:clrMapOvr>
+  <p:timing>
+    <p:tnLst>
+      <p:par>
+        <p:cTn id="1" dur="indefinite" restart="never" nodeType="tmRoot"/>
+      </p:par>
+    </p:tnLst>
+  </p:timing>
 </p:sld>
 </file>
 
